--- a/Analysis_sildes.pptx
+++ b/Analysis_sildes.pptx
@@ -5953,12 +5953,8 @@
           </a:p>
           <a:p>
             <a:r>
-              <a:rPr lang="en-US" altLang="zh-CN" dirty="0" err="1"/>
-              <a:t>Haoxuan</a:t>
-            </a:r>
-            <a:r>
               <a:rPr lang="en-US" altLang="zh-CN" dirty="0"/>
-              <a:t> LV 40087583</a:t>
+              <a:t>Haoxuan Lyu 40087583</a:t>
             </a:r>
             <a:endParaRPr lang="zh-CN" altLang="en-US" dirty="0"/>
           </a:p>

--- a/Analysis_sildes.pptx
+++ b/Analysis_sildes.pptx
@@ -10,8 +10,9 @@
     <p:sldId id="258" r:id="rId4"/>
     <p:sldId id="259" r:id="rId5"/>
     <p:sldId id="260" r:id="rId6"/>
-    <p:sldId id="261" r:id="rId7"/>
-    <p:sldId id="262" r:id="rId8"/>
+    <p:sldId id="263" r:id="rId7"/>
+    <p:sldId id="261" r:id="rId8"/>
+    <p:sldId id="262" r:id="rId9"/>
   </p:sldIdLst>
   <p:sldSz cx="12192000" cy="6858000"/>
   <p:notesSz cx="6858000" cy="9144000"/>
@@ -116,6 +117,1908 @@
     </p:ext>
   </p:extLst>
 </p:presentation>
+</file>
+
+<file path=ppt/charts/chart1.xml><?xml version="1.0" encoding="utf-8"?>
+<c:chartSpace xmlns:c="http://schemas.openxmlformats.org/drawingml/2006/chart" xmlns:a="http://schemas.openxmlformats.org/drawingml/2006/main" xmlns:r="http://schemas.openxmlformats.org/officeDocument/2006/relationships" xmlns:c16r2="http://schemas.microsoft.com/office/drawing/2015/06/chart">
+  <c:date1904 val="0"/>
+  <c:lang val="zh-CN"/>
+  <c:roundedCorners val="0"/>
+  <mc:AlternateContent xmlns:mc="http://schemas.openxmlformats.org/markup-compatibility/2006">
+    <mc:Choice xmlns:c14="http://schemas.microsoft.com/office/drawing/2007/8/2/chart" Requires="c14">
+      <c14:style val="102"/>
+    </mc:Choice>
+    <mc:Fallback>
+      <c:style val="2"/>
+    </mc:Fallback>
+  </mc:AlternateContent>
+  <c:chart>
+    <c:title>
+      <c:tx>
+        <c:rich>
+          <a:bodyPr rot="0" spcFirstLastPara="1" vertOverflow="ellipsis" vert="horz" wrap="square" anchor="ctr" anchorCtr="1"/>
+          <a:lstStyle/>
+          <a:p>
+            <a:pPr>
+              <a:defRPr sz="1400" b="0" i="0" u="none" strike="noStrike" kern="1200" spc="0" baseline="0">
+                <a:solidFill>
+                  <a:schemeClr val="tx1">
+                    <a:lumMod val="65000"/>
+                    <a:lumOff val="35000"/>
+                  </a:schemeClr>
+                </a:solidFill>
+                <a:latin typeface="+mn-lt"/>
+                <a:ea typeface="+mn-ea"/>
+                <a:cs typeface="+mn-cs"/>
+              </a:defRPr>
+            </a:pPr>
+            <a:r>
+              <a:rPr lang="en-US" altLang="zh-CN"/>
+              <a:t>length</a:t>
+            </a:r>
+            <a:r>
+              <a:rPr lang="en-US" altLang="zh-CN" baseline="0"/>
+              <a:t> of the solution</a:t>
+            </a:r>
+            <a:endParaRPr lang="zh-CN" altLang="en-US"/>
+          </a:p>
+        </c:rich>
+      </c:tx>
+      <c:overlay val="0"/>
+      <c:spPr>
+        <a:noFill/>
+        <a:ln>
+          <a:noFill/>
+        </a:ln>
+        <a:effectLst/>
+      </c:spPr>
+      <c:txPr>
+        <a:bodyPr rot="0" spcFirstLastPara="1" vertOverflow="ellipsis" vert="horz" wrap="square" anchor="ctr" anchorCtr="1"/>
+        <a:lstStyle/>
+        <a:p>
+          <a:pPr>
+            <a:defRPr sz="1400" b="0" i="0" u="none" strike="noStrike" kern="1200" spc="0" baseline="0">
+              <a:solidFill>
+                <a:schemeClr val="tx1">
+                  <a:lumMod val="65000"/>
+                  <a:lumOff val="35000"/>
+                </a:schemeClr>
+              </a:solidFill>
+              <a:latin typeface="+mn-lt"/>
+              <a:ea typeface="+mn-ea"/>
+              <a:cs typeface="+mn-cs"/>
+            </a:defRPr>
+          </a:pPr>
+          <a:endParaRPr lang="zh-CN"/>
+        </a:p>
+      </c:txPr>
+    </c:title>
+    <c:autoTitleDeleted val="0"/>
+    <c:plotArea>
+      <c:layout>
+        <c:manualLayout>
+          <c:layoutTarget val="inner"/>
+          <c:xMode val="edge"/>
+          <c:yMode val="edge"/>
+          <c:x val="8.8433937330191059E-2"/>
+          <c:y val="0.12076383640899377"/>
+          <c:w val="0.88507918571339195"/>
+          <c:h val="0.66487636413869322"/>
+        </c:manualLayout>
+      </c:layout>
+      <c:barChart>
+        <c:barDir val="col"/>
+        <c:grouping val="clustered"/>
+        <c:varyColors val="0"/>
+        <c:ser>
+          <c:idx val="0"/>
+          <c:order val="0"/>
+          <c:tx>
+            <c:strRef>
+              <c:f>Sheet1!$B$1</c:f>
+              <c:strCache>
+                <c:ptCount val="1"/>
+                <c:pt idx="0">
+                  <c:v>UCS</c:v>
+                </c:pt>
+              </c:strCache>
+            </c:strRef>
+          </c:tx>
+          <c:spPr>
+            <a:solidFill>
+              <a:schemeClr val="accent1"/>
+            </a:solidFill>
+            <a:ln>
+              <a:noFill/>
+            </a:ln>
+            <a:effectLst/>
+          </c:spPr>
+          <c:invertIfNegative val="0"/>
+          <c:cat>
+            <c:strRef>
+              <c:f>Sheet1!$A$2</c:f>
+              <c:strCache>
+                <c:ptCount val="1"/>
+                <c:pt idx="0">
+                  <c:v>length of the solution</c:v>
+                </c:pt>
+              </c:strCache>
+            </c:strRef>
+          </c:cat>
+          <c:val>
+            <c:numRef>
+              <c:f>Sheet1!$B$2</c:f>
+              <c:numCache>
+                <c:formatCode>General</c:formatCode>
+                <c:ptCount val="1"/>
+                <c:pt idx="0">
+                  <c:v>10.94</c:v>
+                </c:pt>
+              </c:numCache>
+            </c:numRef>
+          </c:val>
+          <c:extLst>
+            <c:ext xmlns:c16="http://schemas.microsoft.com/office/drawing/2014/chart" uri="{C3380CC4-5D6E-409C-BE32-E72D297353CC}">
+              <c16:uniqueId val="{00000000-B0CC-4DA1-BD72-0DA9773A964D}"/>
+            </c:ext>
+          </c:extLst>
+        </c:ser>
+        <c:ser>
+          <c:idx val="1"/>
+          <c:order val="1"/>
+          <c:tx>
+            <c:strRef>
+              <c:f>Sheet1!$C$1</c:f>
+              <c:strCache>
+                <c:ptCount val="1"/>
+                <c:pt idx="0">
+                  <c:v>GBFS</c:v>
+                </c:pt>
+              </c:strCache>
+            </c:strRef>
+          </c:tx>
+          <c:spPr>
+            <a:solidFill>
+              <a:schemeClr val="accent2"/>
+            </a:solidFill>
+            <a:ln>
+              <a:noFill/>
+            </a:ln>
+            <a:effectLst/>
+          </c:spPr>
+          <c:invertIfNegative val="0"/>
+          <c:cat>
+            <c:strRef>
+              <c:f>Sheet1!$A$2</c:f>
+              <c:strCache>
+                <c:ptCount val="1"/>
+                <c:pt idx="0">
+                  <c:v>length of the solution</c:v>
+                </c:pt>
+              </c:strCache>
+            </c:strRef>
+          </c:cat>
+          <c:val>
+            <c:numRef>
+              <c:f>Sheet1!$C$2</c:f>
+              <c:numCache>
+                <c:formatCode>General</c:formatCode>
+                <c:ptCount val="1"/>
+                <c:pt idx="0">
+                  <c:v>11.21569</c:v>
+                </c:pt>
+              </c:numCache>
+            </c:numRef>
+          </c:val>
+          <c:extLst>
+            <c:ext xmlns:c16="http://schemas.microsoft.com/office/drawing/2014/chart" uri="{C3380CC4-5D6E-409C-BE32-E72D297353CC}">
+              <c16:uniqueId val="{00000001-B0CC-4DA1-BD72-0DA9773A964D}"/>
+            </c:ext>
+          </c:extLst>
+        </c:ser>
+        <c:ser>
+          <c:idx val="2"/>
+          <c:order val="2"/>
+          <c:tx>
+            <c:strRef>
+              <c:f>Sheet1!$D$1</c:f>
+              <c:strCache>
+                <c:ptCount val="1"/>
+                <c:pt idx="0">
+                  <c:v>A</c:v>
+                </c:pt>
+              </c:strCache>
+            </c:strRef>
+          </c:tx>
+          <c:spPr>
+            <a:solidFill>
+              <a:schemeClr val="accent3"/>
+            </a:solidFill>
+            <a:ln>
+              <a:noFill/>
+            </a:ln>
+            <a:effectLst/>
+          </c:spPr>
+          <c:invertIfNegative val="0"/>
+          <c:cat>
+            <c:strRef>
+              <c:f>Sheet1!$A$2</c:f>
+              <c:strCache>
+                <c:ptCount val="1"/>
+                <c:pt idx="0">
+                  <c:v>length of the solution</c:v>
+                </c:pt>
+              </c:strCache>
+            </c:strRef>
+          </c:cat>
+          <c:val>
+            <c:numRef>
+              <c:f>Sheet1!$D$2</c:f>
+              <c:numCache>
+                <c:formatCode>General</c:formatCode>
+                <c:ptCount val="1"/>
+                <c:pt idx="0">
+                  <c:v>11.04</c:v>
+                </c:pt>
+              </c:numCache>
+            </c:numRef>
+          </c:val>
+          <c:extLst>
+            <c:ext xmlns:c16="http://schemas.microsoft.com/office/drawing/2014/chart" uri="{C3380CC4-5D6E-409C-BE32-E72D297353CC}">
+              <c16:uniqueId val="{00000002-B0CC-4DA1-BD72-0DA9773A964D}"/>
+            </c:ext>
+          </c:extLst>
+        </c:ser>
+        <c:dLbls>
+          <c:showLegendKey val="0"/>
+          <c:showVal val="0"/>
+          <c:showCatName val="0"/>
+          <c:showSerName val="0"/>
+          <c:showPercent val="0"/>
+          <c:showBubbleSize val="0"/>
+        </c:dLbls>
+        <c:gapWidth val="219"/>
+        <c:overlap val="-27"/>
+        <c:axId val="472969712"/>
+        <c:axId val="464777856"/>
+      </c:barChart>
+      <c:catAx>
+        <c:axId val="472969712"/>
+        <c:scaling>
+          <c:orientation val="minMax"/>
+        </c:scaling>
+        <c:delete val="0"/>
+        <c:axPos val="b"/>
+        <c:numFmt formatCode="General" sourceLinked="1"/>
+        <c:majorTickMark val="none"/>
+        <c:minorTickMark val="none"/>
+        <c:tickLblPos val="nextTo"/>
+        <c:spPr>
+          <a:noFill/>
+          <a:ln w="9525" cap="flat" cmpd="sng" algn="ctr">
+            <a:solidFill>
+              <a:schemeClr val="tx1">
+                <a:lumMod val="15000"/>
+                <a:lumOff val="85000"/>
+              </a:schemeClr>
+            </a:solidFill>
+            <a:round/>
+          </a:ln>
+          <a:effectLst/>
+        </c:spPr>
+        <c:txPr>
+          <a:bodyPr rot="-60000000" spcFirstLastPara="1" vertOverflow="ellipsis" vert="horz" wrap="square" anchor="ctr" anchorCtr="1"/>
+          <a:lstStyle/>
+          <a:p>
+            <a:pPr>
+              <a:defRPr sz="900" b="0" i="0" u="none" strike="noStrike" kern="1200" baseline="0">
+                <a:solidFill>
+                  <a:schemeClr val="tx1">
+                    <a:lumMod val="65000"/>
+                    <a:lumOff val="35000"/>
+                  </a:schemeClr>
+                </a:solidFill>
+                <a:latin typeface="+mn-lt"/>
+                <a:ea typeface="+mn-ea"/>
+                <a:cs typeface="+mn-cs"/>
+              </a:defRPr>
+            </a:pPr>
+            <a:endParaRPr lang="zh-CN"/>
+          </a:p>
+        </c:txPr>
+        <c:crossAx val="464777856"/>
+        <c:crosses val="autoZero"/>
+        <c:auto val="1"/>
+        <c:lblAlgn val="ctr"/>
+        <c:lblOffset val="100"/>
+        <c:noMultiLvlLbl val="0"/>
+      </c:catAx>
+      <c:valAx>
+        <c:axId val="464777856"/>
+        <c:scaling>
+          <c:orientation val="minMax"/>
+        </c:scaling>
+        <c:delete val="0"/>
+        <c:axPos val="l"/>
+        <c:majorGridlines>
+          <c:spPr>
+            <a:ln w="9525" cap="flat" cmpd="sng" algn="ctr">
+              <a:solidFill>
+                <a:schemeClr val="tx1">
+                  <a:lumMod val="15000"/>
+                  <a:lumOff val="85000"/>
+                </a:schemeClr>
+              </a:solidFill>
+              <a:round/>
+            </a:ln>
+            <a:effectLst/>
+          </c:spPr>
+        </c:majorGridlines>
+        <c:numFmt formatCode="General" sourceLinked="1"/>
+        <c:majorTickMark val="none"/>
+        <c:minorTickMark val="none"/>
+        <c:tickLblPos val="nextTo"/>
+        <c:spPr>
+          <a:noFill/>
+          <a:ln>
+            <a:noFill/>
+          </a:ln>
+          <a:effectLst/>
+        </c:spPr>
+        <c:txPr>
+          <a:bodyPr rot="-60000000" spcFirstLastPara="1" vertOverflow="ellipsis" vert="horz" wrap="square" anchor="ctr" anchorCtr="1"/>
+          <a:lstStyle/>
+          <a:p>
+            <a:pPr>
+              <a:defRPr sz="900" b="0" i="0" u="none" strike="noStrike" kern="1200" baseline="0">
+                <a:solidFill>
+                  <a:schemeClr val="tx1">
+                    <a:lumMod val="65000"/>
+                    <a:lumOff val="35000"/>
+                  </a:schemeClr>
+                </a:solidFill>
+                <a:latin typeface="+mn-lt"/>
+                <a:ea typeface="+mn-ea"/>
+                <a:cs typeface="+mn-cs"/>
+              </a:defRPr>
+            </a:pPr>
+            <a:endParaRPr lang="zh-CN"/>
+          </a:p>
+        </c:txPr>
+        <c:crossAx val="472969712"/>
+        <c:crosses val="autoZero"/>
+        <c:crossBetween val="between"/>
+      </c:valAx>
+      <c:spPr>
+        <a:noFill/>
+        <a:ln>
+          <a:noFill/>
+        </a:ln>
+        <a:effectLst/>
+      </c:spPr>
+    </c:plotArea>
+    <c:legend>
+      <c:legendPos val="b"/>
+      <c:overlay val="0"/>
+      <c:spPr>
+        <a:noFill/>
+        <a:ln>
+          <a:noFill/>
+        </a:ln>
+        <a:effectLst/>
+      </c:spPr>
+      <c:txPr>
+        <a:bodyPr rot="0" spcFirstLastPara="1" vertOverflow="ellipsis" vert="horz" wrap="square" anchor="ctr" anchorCtr="1"/>
+        <a:lstStyle/>
+        <a:p>
+          <a:pPr>
+            <a:defRPr sz="900" b="0" i="0" u="none" strike="noStrike" kern="1200" baseline="0">
+              <a:solidFill>
+                <a:schemeClr val="tx1">
+                  <a:lumMod val="65000"/>
+                  <a:lumOff val="35000"/>
+                </a:schemeClr>
+              </a:solidFill>
+              <a:latin typeface="+mn-lt"/>
+              <a:ea typeface="+mn-ea"/>
+              <a:cs typeface="+mn-cs"/>
+            </a:defRPr>
+          </a:pPr>
+          <a:endParaRPr lang="zh-CN"/>
+        </a:p>
+      </c:txPr>
+    </c:legend>
+    <c:plotVisOnly val="1"/>
+    <c:dispBlanksAs val="gap"/>
+    <c:extLst>
+      <c:ext xmlns:c16r3="http://schemas.microsoft.com/office/drawing/2017/03/chart" uri="{56B9EC1D-385E-4148-901F-78D8002777C0}">
+        <c16r3:dataDisplayOptions16>
+          <c16r3:dispNaAsBlank val="1"/>
+        </c16r3:dataDisplayOptions16>
+      </c:ext>
+    </c:extLst>
+    <c:showDLblsOverMax val="0"/>
+  </c:chart>
+  <c:spPr>
+    <a:noFill/>
+    <a:ln>
+      <a:noFill/>
+    </a:ln>
+    <a:effectLst/>
+  </c:spPr>
+  <c:txPr>
+    <a:bodyPr/>
+    <a:lstStyle/>
+    <a:p>
+      <a:pPr>
+        <a:defRPr/>
+      </a:pPr>
+      <a:endParaRPr lang="zh-CN"/>
+    </a:p>
+  </c:txPr>
+  <c:externalData r:id="rId3">
+    <c:autoUpdate val="0"/>
+  </c:externalData>
+</c:chartSpace>
+</file>
+
+<file path=ppt/charts/chart2.xml><?xml version="1.0" encoding="utf-8"?>
+<c:chartSpace xmlns:c="http://schemas.openxmlformats.org/drawingml/2006/chart" xmlns:a="http://schemas.openxmlformats.org/drawingml/2006/main" xmlns:r="http://schemas.openxmlformats.org/officeDocument/2006/relationships" xmlns:c16r2="http://schemas.microsoft.com/office/drawing/2015/06/chart">
+  <c:date1904 val="0"/>
+  <c:lang val="zh-CN"/>
+  <c:roundedCorners val="0"/>
+  <mc:AlternateContent xmlns:mc="http://schemas.openxmlformats.org/markup-compatibility/2006">
+    <mc:Choice xmlns:c14="http://schemas.microsoft.com/office/drawing/2007/8/2/chart" Requires="c14">
+      <c14:style val="102"/>
+    </mc:Choice>
+    <mc:Fallback>
+      <c:style val="2"/>
+    </mc:Fallback>
+  </mc:AlternateContent>
+  <c:chart>
+    <c:autoTitleDeleted val="1"/>
+    <c:plotArea>
+      <c:layout/>
+      <c:barChart>
+        <c:barDir val="col"/>
+        <c:grouping val="clustered"/>
+        <c:varyColors val="0"/>
+        <c:ser>
+          <c:idx val="0"/>
+          <c:order val="0"/>
+          <c:tx>
+            <c:strRef>
+              <c:f>Sheet1!$B$1</c:f>
+              <c:strCache>
+                <c:ptCount val="1"/>
+                <c:pt idx="0">
+                  <c:v>UCS</c:v>
+                </c:pt>
+              </c:strCache>
+            </c:strRef>
+          </c:tx>
+          <c:spPr>
+            <a:solidFill>
+              <a:schemeClr val="accent1"/>
+            </a:solidFill>
+            <a:ln>
+              <a:noFill/>
+            </a:ln>
+            <a:effectLst/>
+          </c:spPr>
+          <c:invertIfNegative val="0"/>
+          <c:cat>
+            <c:strRef>
+              <c:f>Sheet1!$A$2</c:f>
+              <c:strCache>
+                <c:ptCount val="1"/>
+                <c:pt idx="0">
+                  <c:v>execution time</c:v>
+                </c:pt>
+              </c:strCache>
+            </c:strRef>
+          </c:cat>
+          <c:val>
+            <c:numRef>
+              <c:f>Sheet1!$B$2</c:f>
+              <c:numCache>
+                <c:formatCode>General</c:formatCode>
+                <c:ptCount val="1"/>
+                <c:pt idx="0">
+                  <c:v>1.175</c:v>
+                </c:pt>
+              </c:numCache>
+            </c:numRef>
+          </c:val>
+          <c:extLst>
+            <c:ext xmlns:c16="http://schemas.microsoft.com/office/drawing/2014/chart" uri="{C3380CC4-5D6E-409C-BE32-E72D297353CC}">
+              <c16:uniqueId val="{00000000-CE7D-4992-914F-69F34C03406C}"/>
+            </c:ext>
+          </c:extLst>
+        </c:ser>
+        <c:ser>
+          <c:idx val="1"/>
+          <c:order val="1"/>
+          <c:tx>
+            <c:strRef>
+              <c:f>Sheet1!$C$1</c:f>
+              <c:strCache>
+                <c:ptCount val="1"/>
+                <c:pt idx="0">
+                  <c:v>GBFS</c:v>
+                </c:pt>
+              </c:strCache>
+            </c:strRef>
+          </c:tx>
+          <c:spPr>
+            <a:solidFill>
+              <a:schemeClr val="accent2"/>
+            </a:solidFill>
+            <a:ln>
+              <a:noFill/>
+            </a:ln>
+            <a:effectLst/>
+          </c:spPr>
+          <c:invertIfNegative val="0"/>
+          <c:cat>
+            <c:strRef>
+              <c:f>Sheet1!$A$2</c:f>
+              <c:strCache>
+                <c:ptCount val="1"/>
+                <c:pt idx="0">
+                  <c:v>execution time</c:v>
+                </c:pt>
+              </c:strCache>
+            </c:strRef>
+          </c:cat>
+          <c:val>
+            <c:numRef>
+              <c:f>Sheet1!$C$2</c:f>
+              <c:numCache>
+                <c:formatCode>General</c:formatCode>
+                <c:ptCount val="1"/>
+                <c:pt idx="0">
+                  <c:v>0.19614999999999999</c:v>
+                </c:pt>
+              </c:numCache>
+            </c:numRef>
+          </c:val>
+          <c:extLst>
+            <c:ext xmlns:c16="http://schemas.microsoft.com/office/drawing/2014/chart" uri="{C3380CC4-5D6E-409C-BE32-E72D297353CC}">
+              <c16:uniqueId val="{00000001-CE7D-4992-914F-69F34C03406C}"/>
+            </c:ext>
+          </c:extLst>
+        </c:ser>
+        <c:ser>
+          <c:idx val="2"/>
+          <c:order val="2"/>
+          <c:tx>
+            <c:strRef>
+              <c:f>Sheet1!$D$1</c:f>
+              <c:strCache>
+                <c:ptCount val="1"/>
+                <c:pt idx="0">
+                  <c:v>A</c:v>
+                </c:pt>
+              </c:strCache>
+            </c:strRef>
+          </c:tx>
+          <c:spPr>
+            <a:solidFill>
+              <a:schemeClr val="accent3"/>
+            </a:solidFill>
+            <a:ln>
+              <a:noFill/>
+            </a:ln>
+            <a:effectLst/>
+          </c:spPr>
+          <c:invertIfNegative val="0"/>
+          <c:cat>
+            <c:strRef>
+              <c:f>Sheet1!$A$2</c:f>
+              <c:strCache>
+                <c:ptCount val="1"/>
+                <c:pt idx="0">
+                  <c:v>execution time</c:v>
+                </c:pt>
+              </c:strCache>
+            </c:strRef>
+          </c:cat>
+          <c:val>
+            <c:numRef>
+              <c:f>Sheet1!$D$2</c:f>
+              <c:numCache>
+                <c:formatCode>General</c:formatCode>
+                <c:ptCount val="1"/>
+                <c:pt idx="0">
+                  <c:v>0.60243800000000003</c:v>
+                </c:pt>
+              </c:numCache>
+            </c:numRef>
+          </c:val>
+          <c:extLst>
+            <c:ext xmlns:c16="http://schemas.microsoft.com/office/drawing/2014/chart" uri="{C3380CC4-5D6E-409C-BE32-E72D297353CC}">
+              <c16:uniqueId val="{00000002-CE7D-4992-914F-69F34C03406C}"/>
+            </c:ext>
+          </c:extLst>
+        </c:ser>
+        <c:dLbls>
+          <c:showLegendKey val="0"/>
+          <c:showVal val="0"/>
+          <c:showCatName val="0"/>
+          <c:showSerName val="0"/>
+          <c:showPercent val="0"/>
+          <c:showBubbleSize val="0"/>
+        </c:dLbls>
+        <c:gapWidth val="219"/>
+        <c:overlap val="-27"/>
+        <c:axId val="644449712"/>
+        <c:axId val="644449056"/>
+      </c:barChart>
+      <c:catAx>
+        <c:axId val="644449712"/>
+        <c:scaling>
+          <c:orientation val="minMax"/>
+        </c:scaling>
+        <c:delete val="0"/>
+        <c:axPos val="b"/>
+        <c:numFmt formatCode="General" sourceLinked="1"/>
+        <c:majorTickMark val="none"/>
+        <c:minorTickMark val="none"/>
+        <c:tickLblPos val="nextTo"/>
+        <c:spPr>
+          <a:noFill/>
+          <a:ln w="9525" cap="flat" cmpd="sng" algn="ctr">
+            <a:solidFill>
+              <a:schemeClr val="tx1">
+                <a:lumMod val="15000"/>
+                <a:lumOff val="85000"/>
+              </a:schemeClr>
+            </a:solidFill>
+            <a:round/>
+          </a:ln>
+          <a:effectLst/>
+        </c:spPr>
+        <c:txPr>
+          <a:bodyPr rot="-60000000" spcFirstLastPara="1" vertOverflow="ellipsis" vert="horz" wrap="square" anchor="ctr" anchorCtr="1"/>
+          <a:lstStyle/>
+          <a:p>
+            <a:pPr>
+              <a:defRPr sz="900" b="0" i="0" u="none" strike="noStrike" kern="1200" baseline="0">
+                <a:solidFill>
+                  <a:schemeClr val="tx1">
+                    <a:lumMod val="65000"/>
+                    <a:lumOff val="35000"/>
+                  </a:schemeClr>
+                </a:solidFill>
+                <a:latin typeface="+mn-lt"/>
+                <a:ea typeface="+mn-ea"/>
+                <a:cs typeface="+mn-cs"/>
+              </a:defRPr>
+            </a:pPr>
+            <a:endParaRPr lang="zh-CN"/>
+          </a:p>
+        </c:txPr>
+        <c:crossAx val="644449056"/>
+        <c:crosses val="autoZero"/>
+        <c:auto val="1"/>
+        <c:lblAlgn val="ctr"/>
+        <c:lblOffset val="100"/>
+        <c:noMultiLvlLbl val="0"/>
+      </c:catAx>
+      <c:valAx>
+        <c:axId val="644449056"/>
+        <c:scaling>
+          <c:orientation val="minMax"/>
+        </c:scaling>
+        <c:delete val="0"/>
+        <c:axPos val="l"/>
+        <c:majorGridlines>
+          <c:spPr>
+            <a:ln w="9525" cap="flat" cmpd="sng" algn="ctr">
+              <a:solidFill>
+                <a:schemeClr val="tx1">
+                  <a:lumMod val="15000"/>
+                  <a:lumOff val="85000"/>
+                </a:schemeClr>
+              </a:solidFill>
+              <a:round/>
+            </a:ln>
+            <a:effectLst/>
+          </c:spPr>
+        </c:majorGridlines>
+        <c:numFmt formatCode="General" sourceLinked="1"/>
+        <c:majorTickMark val="none"/>
+        <c:minorTickMark val="none"/>
+        <c:tickLblPos val="nextTo"/>
+        <c:spPr>
+          <a:noFill/>
+          <a:ln>
+            <a:noFill/>
+          </a:ln>
+          <a:effectLst/>
+        </c:spPr>
+        <c:txPr>
+          <a:bodyPr rot="-60000000" spcFirstLastPara="1" vertOverflow="ellipsis" vert="horz" wrap="square" anchor="ctr" anchorCtr="1"/>
+          <a:lstStyle/>
+          <a:p>
+            <a:pPr>
+              <a:defRPr sz="900" b="0" i="0" u="none" strike="noStrike" kern="1200" baseline="0">
+                <a:solidFill>
+                  <a:schemeClr val="tx1">
+                    <a:lumMod val="65000"/>
+                    <a:lumOff val="35000"/>
+                  </a:schemeClr>
+                </a:solidFill>
+                <a:latin typeface="+mn-lt"/>
+                <a:ea typeface="+mn-ea"/>
+                <a:cs typeface="+mn-cs"/>
+              </a:defRPr>
+            </a:pPr>
+            <a:endParaRPr lang="zh-CN"/>
+          </a:p>
+        </c:txPr>
+        <c:crossAx val="644449712"/>
+        <c:crosses val="autoZero"/>
+        <c:crossBetween val="between"/>
+      </c:valAx>
+      <c:spPr>
+        <a:noFill/>
+        <a:ln>
+          <a:noFill/>
+        </a:ln>
+        <a:effectLst/>
+      </c:spPr>
+    </c:plotArea>
+    <c:legend>
+      <c:legendPos val="b"/>
+      <c:overlay val="0"/>
+      <c:spPr>
+        <a:noFill/>
+        <a:ln>
+          <a:noFill/>
+        </a:ln>
+        <a:effectLst/>
+      </c:spPr>
+      <c:txPr>
+        <a:bodyPr rot="0" spcFirstLastPara="1" vertOverflow="ellipsis" vert="horz" wrap="square" anchor="ctr" anchorCtr="1"/>
+        <a:lstStyle/>
+        <a:p>
+          <a:pPr>
+            <a:defRPr sz="900" b="0" i="0" u="none" strike="noStrike" kern="1200" baseline="0">
+              <a:solidFill>
+                <a:schemeClr val="tx1">
+                  <a:lumMod val="65000"/>
+                  <a:lumOff val="35000"/>
+                </a:schemeClr>
+              </a:solidFill>
+              <a:latin typeface="+mn-lt"/>
+              <a:ea typeface="+mn-ea"/>
+              <a:cs typeface="+mn-cs"/>
+            </a:defRPr>
+          </a:pPr>
+          <a:endParaRPr lang="zh-CN"/>
+        </a:p>
+      </c:txPr>
+    </c:legend>
+    <c:plotVisOnly val="1"/>
+    <c:dispBlanksAs val="gap"/>
+    <c:extLst>
+      <c:ext xmlns:c16r3="http://schemas.microsoft.com/office/drawing/2017/03/chart" uri="{56B9EC1D-385E-4148-901F-78D8002777C0}">
+        <c16r3:dataDisplayOptions16>
+          <c16r3:dispNaAsBlank val="1"/>
+        </c16r3:dataDisplayOptions16>
+      </c:ext>
+    </c:extLst>
+    <c:showDLblsOverMax val="0"/>
+  </c:chart>
+  <c:spPr>
+    <a:noFill/>
+    <a:ln>
+      <a:noFill/>
+    </a:ln>
+    <a:effectLst/>
+  </c:spPr>
+  <c:txPr>
+    <a:bodyPr/>
+    <a:lstStyle/>
+    <a:p>
+      <a:pPr>
+        <a:defRPr/>
+      </a:pPr>
+      <a:endParaRPr lang="zh-CN"/>
+    </a:p>
+  </c:txPr>
+  <c:externalData r:id="rId3">
+    <c:autoUpdate val="0"/>
+  </c:externalData>
+</c:chartSpace>
+</file>
+
+<file path=ppt/charts/colors1.xml><?xml version="1.0" encoding="utf-8"?>
+<cs:colorStyle xmlns:cs="http://schemas.microsoft.com/office/drawing/2012/chartStyle" xmlns:a="http://schemas.openxmlformats.org/drawingml/2006/main" meth="cycle" id="10">
+  <a:schemeClr val="accent1"/>
+  <a:schemeClr val="accent2"/>
+  <a:schemeClr val="accent3"/>
+  <a:schemeClr val="accent4"/>
+  <a:schemeClr val="accent5"/>
+  <a:schemeClr val="accent6"/>
+  <cs:variation/>
+  <cs:variation>
+    <a:lumMod val="60000"/>
+  </cs:variation>
+  <cs:variation>
+    <a:lumMod val="80000"/>
+    <a:lumOff val="20000"/>
+  </cs:variation>
+  <cs:variation>
+    <a:lumMod val="80000"/>
+  </cs:variation>
+  <cs:variation>
+    <a:lumMod val="60000"/>
+    <a:lumOff val="40000"/>
+  </cs:variation>
+  <cs:variation>
+    <a:lumMod val="50000"/>
+  </cs:variation>
+  <cs:variation>
+    <a:lumMod val="70000"/>
+    <a:lumOff val="30000"/>
+  </cs:variation>
+  <cs:variation>
+    <a:lumMod val="70000"/>
+  </cs:variation>
+  <cs:variation>
+    <a:lumMod val="50000"/>
+    <a:lumOff val="50000"/>
+  </cs:variation>
+</cs:colorStyle>
+</file>
+
+<file path=ppt/charts/colors2.xml><?xml version="1.0" encoding="utf-8"?>
+<cs:colorStyle xmlns:cs="http://schemas.microsoft.com/office/drawing/2012/chartStyle" xmlns:a="http://schemas.openxmlformats.org/drawingml/2006/main" meth="cycle" id="10">
+  <a:schemeClr val="accent1"/>
+  <a:schemeClr val="accent2"/>
+  <a:schemeClr val="accent3"/>
+  <a:schemeClr val="accent4"/>
+  <a:schemeClr val="accent5"/>
+  <a:schemeClr val="accent6"/>
+  <cs:variation/>
+  <cs:variation>
+    <a:lumMod val="60000"/>
+  </cs:variation>
+  <cs:variation>
+    <a:lumMod val="80000"/>
+    <a:lumOff val="20000"/>
+  </cs:variation>
+  <cs:variation>
+    <a:lumMod val="80000"/>
+  </cs:variation>
+  <cs:variation>
+    <a:lumMod val="60000"/>
+    <a:lumOff val="40000"/>
+  </cs:variation>
+  <cs:variation>
+    <a:lumMod val="50000"/>
+  </cs:variation>
+  <cs:variation>
+    <a:lumMod val="70000"/>
+    <a:lumOff val="30000"/>
+  </cs:variation>
+  <cs:variation>
+    <a:lumMod val="70000"/>
+  </cs:variation>
+  <cs:variation>
+    <a:lumMod val="50000"/>
+    <a:lumOff val="50000"/>
+  </cs:variation>
+</cs:colorStyle>
+</file>
+
+<file path=ppt/charts/style1.xml><?xml version="1.0" encoding="utf-8"?>
+<cs:chartStyle xmlns:cs="http://schemas.microsoft.com/office/drawing/2012/chartStyle" xmlns:a="http://schemas.openxmlformats.org/drawingml/2006/main" id="201">
+  <cs:axisTitle>
+    <cs:lnRef idx="0"/>
+    <cs:fillRef idx="0"/>
+    <cs:effectRef idx="0"/>
+    <cs:fontRef idx="minor">
+      <a:schemeClr val="tx1">
+        <a:lumMod val="65000"/>
+        <a:lumOff val="35000"/>
+      </a:schemeClr>
+    </cs:fontRef>
+    <cs:defRPr sz="1000" kern="1200"/>
+  </cs:axisTitle>
+  <cs:categoryAxis>
+    <cs:lnRef idx="0"/>
+    <cs:fillRef idx="0"/>
+    <cs:effectRef idx="0"/>
+    <cs:fontRef idx="minor">
+      <a:schemeClr val="tx1">
+        <a:lumMod val="65000"/>
+        <a:lumOff val="35000"/>
+      </a:schemeClr>
+    </cs:fontRef>
+    <cs:spPr>
+      <a:ln w="9525" cap="flat" cmpd="sng" algn="ctr">
+        <a:solidFill>
+          <a:schemeClr val="tx1">
+            <a:lumMod val="15000"/>
+            <a:lumOff val="85000"/>
+          </a:schemeClr>
+        </a:solidFill>
+        <a:round/>
+      </a:ln>
+    </cs:spPr>
+    <cs:defRPr sz="900" kern="1200"/>
+  </cs:categoryAxis>
+  <cs:chartArea mods="allowNoFillOverride allowNoLineOverride">
+    <cs:lnRef idx="0"/>
+    <cs:fillRef idx="0"/>
+    <cs:effectRef idx="0"/>
+    <cs:fontRef idx="minor">
+      <a:schemeClr val="tx1"/>
+    </cs:fontRef>
+    <cs:spPr>
+      <a:solidFill>
+        <a:schemeClr val="bg1"/>
+      </a:solidFill>
+      <a:ln w="9525" cap="flat" cmpd="sng" algn="ctr">
+        <a:solidFill>
+          <a:schemeClr val="tx1">
+            <a:lumMod val="15000"/>
+            <a:lumOff val="85000"/>
+          </a:schemeClr>
+        </a:solidFill>
+        <a:round/>
+      </a:ln>
+    </cs:spPr>
+    <cs:defRPr sz="1000" kern="1200"/>
+  </cs:chartArea>
+  <cs:dataLabel>
+    <cs:lnRef idx="0"/>
+    <cs:fillRef idx="0"/>
+    <cs:effectRef idx="0"/>
+    <cs:fontRef idx="minor">
+      <a:schemeClr val="tx1">
+        <a:lumMod val="75000"/>
+        <a:lumOff val="25000"/>
+      </a:schemeClr>
+    </cs:fontRef>
+    <cs:defRPr sz="900" kern="1200"/>
+  </cs:dataLabel>
+  <cs:dataLabelCallout>
+    <cs:lnRef idx="0"/>
+    <cs:fillRef idx="0"/>
+    <cs:effectRef idx="0"/>
+    <cs:fontRef idx="minor">
+      <a:schemeClr val="dk1">
+        <a:lumMod val="65000"/>
+        <a:lumOff val="35000"/>
+      </a:schemeClr>
+    </cs:fontRef>
+    <cs:spPr>
+      <a:solidFill>
+        <a:schemeClr val="lt1"/>
+      </a:solidFill>
+      <a:ln>
+        <a:solidFill>
+          <a:schemeClr val="dk1">
+            <a:lumMod val="25000"/>
+            <a:lumOff val="75000"/>
+          </a:schemeClr>
+        </a:solidFill>
+      </a:ln>
+    </cs:spPr>
+    <cs:defRPr sz="900" kern="1200"/>
+    <cs:bodyPr rot="0" spcFirstLastPara="1" vertOverflow="clip" horzOverflow="clip" vert="horz" wrap="square" lIns="36576" tIns="18288" rIns="36576" bIns="18288" anchor="ctr" anchorCtr="1">
+      <a:spAutoFit/>
+    </cs:bodyPr>
+  </cs:dataLabelCallout>
+  <cs:dataPoint>
+    <cs:lnRef idx="0"/>
+    <cs:fillRef idx="1">
+      <cs:styleClr val="auto"/>
+    </cs:fillRef>
+    <cs:effectRef idx="0"/>
+    <cs:fontRef idx="minor">
+      <a:schemeClr val="tx1"/>
+    </cs:fontRef>
+  </cs:dataPoint>
+  <cs:dataPoint3D>
+    <cs:lnRef idx="0"/>
+    <cs:fillRef idx="1">
+      <cs:styleClr val="auto"/>
+    </cs:fillRef>
+    <cs:effectRef idx="0"/>
+    <cs:fontRef idx="minor">
+      <a:schemeClr val="tx1"/>
+    </cs:fontRef>
+  </cs:dataPoint3D>
+  <cs:dataPointLine>
+    <cs:lnRef idx="0">
+      <cs:styleClr val="auto"/>
+    </cs:lnRef>
+    <cs:fillRef idx="1"/>
+    <cs:effectRef idx="0"/>
+    <cs:fontRef idx="minor">
+      <a:schemeClr val="tx1"/>
+    </cs:fontRef>
+    <cs:spPr>
+      <a:ln w="28575" cap="rnd">
+        <a:solidFill>
+          <a:schemeClr val="phClr"/>
+        </a:solidFill>
+        <a:round/>
+      </a:ln>
+    </cs:spPr>
+  </cs:dataPointLine>
+  <cs:dataPointMarker>
+    <cs:lnRef idx="0">
+      <cs:styleClr val="auto"/>
+    </cs:lnRef>
+    <cs:fillRef idx="1">
+      <cs:styleClr val="auto"/>
+    </cs:fillRef>
+    <cs:effectRef idx="0"/>
+    <cs:fontRef idx="minor">
+      <a:schemeClr val="tx1"/>
+    </cs:fontRef>
+    <cs:spPr>
+      <a:ln w="9525">
+        <a:solidFill>
+          <a:schemeClr val="phClr"/>
+        </a:solidFill>
+      </a:ln>
+    </cs:spPr>
+  </cs:dataPointMarker>
+  <cs:dataPointMarkerLayout symbol="circle" size="5"/>
+  <cs:dataPointWireframe>
+    <cs:lnRef idx="0">
+      <cs:styleClr val="auto"/>
+    </cs:lnRef>
+    <cs:fillRef idx="1"/>
+    <cs:effectRef idx="0"/>
+    <cs:fontRef idx="minor">
+      <a:schemeClr val="tx1"/>
+    </cs:fontRef>
+    <cs:spPr>
+      <a:ln w="9525" cap="rnd">
+        <a:solidFill>
+          <a:schemeClr val="phClr"/>
+        </a:solidFill>
+        <a:round/>
+      </a:ln>
+    </cs:spPr>
+  </cs:dataPointWireframe>
+  <cs:dataTable>
+    <cs:lnRef idx="0"/>
+    <cs:fillRef idx="0"/>
+    <cs:effectRef idx="0"/>
+    <cs:fontRef idx="minor">
+      <a:schemeClr val="tx1">
+        <a:lumMod val="65000"/>
+        <a:lumOff val="35000"/>
+      </a:schemeClr>
+    </cs:fontRef>
+    <cs:spPr>
+      <a:noFill/>
+      <a:ln w="9525" cap="flat" cmpd="sng" algn="ctr">
+        <a:solidFill>
+          <a:schemeClr val="tx1">
+            <a:lumMod val="15000"/>
+            <a:lumOff val="85000"/>
+          </a:schemeClr>
+        </a:solidFill>
+        <a:round/>
+      </a:ln>
+    </cs:spPr>
+    <cs:defRPr sz="900" kern="1200"/>
+  </cs:dataTable>
+  <cs:downBar>
+    <cs:lnRef idx="0"/>
+    <cs:fillRef idx="0"/>
+    <cs:effectRef idx="0"/>
+    <cs:fontRef idx="minor">
+      <a:schemeClr val="dk1"/>
+    </cs:fontRef>
+    <cs:spPr>
+      <a:solidFill>
+        <a:schemeClr val="dk1">
+          <a:lumMod val="65000"/>
+          <a:lumOff val="35000"/>
+        </a:schemeClr>
+      </a:solidFill>
+      <a:ln w="9525">
+        <a:solidFill>
+          <a:schemeClr val="tx1">
+            <a:lumMod val="65000"/>
+            <a:lumOff val="35000"/>
+          </a:schemeClr>
+        </a:solidFill>
+      </a:ln>
+    </cs:spPr>
+  </cs:downBar>
+  <cs:dropLine>
+    <cs:lnRef idx="0"/>
+    <cs:fillRef idx="0"/>
+    <cs:effectRef idx="0"/>
+    <cs:fontRef idx="minor">
+      <a:schemeClr val="tx1"/>
+    </cs:fontRef>
+    <cs:spPr>
+      <a:ln w="9525" cap="flat" cmpd="sng" algn="ctr">
+        <a:solidFill>
+          <a:schemeClr val="tx1">
+            <a:lumMod val="35000"/>
+            <a:lumOff val="65000"/>
+          </a:schemeClr>
+        </a:solidFill>
+        <a:round/>
+      </a:ln>
+    </cs:spPr>
+  </cs:dropLine>
+  <cs:errorBar>
+    <cs:lnRef idx="0"/>
+    <cs:fillRef idx="0"/>
+    <cs:effectRef idx="0"/>
+    <cs:fontRef idx="minor">
+      <a:schemeClr val="tx1"/>
+    </cs:fontRef>
+    <cs:spPr>
+      <a:ln w="9525" cap="flat" cmpd="sng" algn="ctr">
+        <a:solidFill>
+          <a:schemeClr val="tx1">
+            <a:lumMod val="65000"/>
+            <a:lumOff val="35000"/>
+          </a:schemeClr>
+        </a:solidFill>
+        <a:round/>
+      </a:ln>
+    </cs:spPr>
+  </cs:errorBar>
+  <cs:floor>
+    <cs:lnRef idx="0"/>
+    <cs:fillRef idx="0"/>
+    <cs:effectRef idx="0"/>
+    <cs:fontRef idx="minor">
+      <a:schemeClr val="tx1"/>
+    </cs:fontRef>
+    <cs:spPr>
+      <a:noFill/>
+      <a:ln>
+        <a:noFill/>
+      </a:ln>
+    </cs:spPr>
+  </cs:floor>
+  <cs:gridlineMajor>
+    <cs:lnRef idx="0"/>
+    <cs:fillRef idx="0"/>
+    <cs:effectRef idx="0"/>
+    <cs:fontRef idx="minor">
+      <a:schemeClr val="tx1"/>
+    </cs:fontRef>
+    <cs:spPr>
+      <a:ln w="9525" cap="flat" cmpd="sng" algn="ctr">
+        <a:solidFill>
+          <a:schemeClr val="tx1">
+            <a:lumMod val="15000"/>
+            <a:lumOff val="85000"/>
+          </a:schemeClr>
+        </a:solidFill>
+        <a:round/>
+      </a:ln>
+    </cs:spPr>
+  </cs:gridlineMajor>
+  <cs:gridlineMinor>
+    <cs:lnRef idx="0"/>
+    <cs:fillRef idx="0"/>
+    <cs:effectRef idx="0"/>
+    <cs:fontRef idx="minor">
+      <a:schemeClr val="tx1"/>
+    </cs:fontRef>
+    <cs:spPr>
+      <a:ln w="9525" cap="flat" cmpd="sng" algn="ctr">
+        <a:solidFill>
+          <a:schemeClr val="tx1">
+            <a:lumMod val="5000"/>
+            <a:lumOff val="95000"/>
+          </a:schemeClr>
+        </a:solidFill>
+        <a:round/>
+      </a:ln>
+    </cs:spPr>
+  </cs:gridlineMinor>
+  <cs:hiLoLine>
+    <cs:lnRef idx="0"/>
+    <cs:fillRef idx="0"/>
+    <cs:effectRef idx="0"/>
+    <cs:fontRef idx="minor">
+      <a:schemeClr val="tx1"/>
+    </cs:fontRef>
+    <cs:spPr>
+      <a:ln w="9525" cap="flat" cmpd="sng" algn="ctr">
+        <a:solidFill>
+          <a:schemeClr val="tx1">
+            <a:lumMod val="75000"/>
+            <a:lumOff val="25000"/>
+          </a:schemeClr>
+        </a:solidFill>
+        <a:round/>
+      </a:ln>
+    </cs:spPr>
+  </cs:hiLoLine>
+  <cs:leaderLine>
+    <cs:lnRef idx="0"/>
+    <cs:fillRef idx="0"/>
+    <cs:effectRef idx="0"/>
+    <cs:fontRef idx="minor">
+      <a:schemeClr val="tx1"/>
+    </cs:fontRef>
+    <cs:spPr>
+      <a:ln w="9525" cap="flat" cmpd="sng" algn="ctr">
+        <a:solidFill>
+          <a:schemeClr val="tx1">
+            <a:lumMod val="35000"/>
+            <a:lumOff val="65000"/>
+          </a:schemeClr>
+        </a:solidFill>
+        <a:round/>
+      </a:ln>
+    </cs:spPr>
+  </cs:leaderLine>
+  <cs:legend>
+    <cs:lnRef idx="0"/>
+    <cs:fillRef idx="0"/>
+    <cs:effectRef idx="0"/>
+    <cs:fontRef idx="minor">
+      <a:schemeClr val="tx1">
+        <a:lumMod val="65000"/>
+        <a:lumOff val="35000"/>
+      </a:schemeClr>
+    </cs:fontRef>
+    <cs:defRPr sz="900" kern="1200"/>
+  </cs:legend>
+  <cs:plotArea mods="allowNoFillOverride allowNoLineOverride">
+    <cs:lnRef idx="0"/>
+    <cs:fillRef idx="0"/>
+    <cs:effectRef idx="0"/>
+    <cs:fontRef idx="minor">
+      <a:schemeClr val="tx1"/>
+    </cs:fontRef>
+  </cs:plotArea>
+  <cs:plotArea3D mods="allowNoFillOverride allowNoLineOverride">
+    <cs:lnRef idx="0"/>
+    <cs:fillRef idx="0"/>
+    <cs:effectRef idx="0"/>
+    <cs:fontRef idx="minor">
+      <a:schemeClr val="tx1"/>
+    </cs:fontRef>
+  </cs:plotArea3D>
+  <cs:seriesAxis>
+    <cs:lnRef idx="0"/>
+    <cs:fillRef idx="0"/>
+    <cs:effectRef idx="0"/>
+    <cs:fontRef idx="minor">
+      <a:schemeClr val="tx1">
+        <a:lumMod val="65000"/>
+        <a:lumOff val="35000"/>
+      </a:schemeClr>
+    </cs:fontRef>
+    <cs:defRPr sz="900" kern="1200"/>
+  </cs:seriesAxis>
+  <cs:seriesLine>
+    <cs:lnRef idx="0"/>
+    <cs:fillRef idx="0"/>
+    <cs:effectRef idx="0"/>
+    <cs:fontRef idx="minor">
+      <a:schemeClr val="tx1"/>
+    </cs:fontRef>
+    <cs:spPr>
+      <a:ln w="9525" cap="flat" cmpd="sng" algn="ctr">
+        <a:solidFill>
+          <a:schemeClr val="tx1">
+            <a:lumMod val="35000"/>
+            <a:lumOff val="65000"/>
+          </a:schemeClr>
+        </a:solidFill>
+        <a:round/>
+      </a:ln>
+    </cs:spPr>
+  </cs:seriesLine>
+  <cs:title>
+    <cs:lnRef idx="0"/>
+    <cs:fillRef idx="0"/>
+    <cs:effectRef idx="0"/>
+    <cs:fontRef idx="minor">
+      <a:schemeClr val="tx1">
+        <a:lumMod val="65000"/>
+        <a:lumOff val="35000"/>
+      </a:schemeClr>
+    </cs:fontRef>
+    <cs:defRPr sz="1400" b="0" kern="1200" spc="0" baseline="0"/>
+  </cs:title>
+  <cs:trendline>
+    <cs:lnRef idx="0">
+      <cs:styleClr val="auto"/>
+    </cs:lnRef>
+    <cs:fillRef idx="0"/>
+    <cs:effectRef idx="0"/>
+    <cs:fontRef idx="minor">
+      <a:schemeClr val="tx1"/>
+    </cs:fontRef>
+    <cs:spPr>
+      <a:ln w="19050" cap="rnd">
+        <a:solidFill>
+          <a:schemeClr val="phClr"/>
+        </a:solidFill>
+        <a:prstDash val="sysDot"/>
+      </a:ln>
+    </cs:spPr>
+  </cs:trendline>
+  <cs:trendlineLabel>
+    <cs:lnRef idx="0"/>
+    <cs:fillRef idx="0"/>
+    <cs:effectRef idx="0"/>
+    <cs:fontRef idx="minor">
+      <a:schemeClr val="tx1">
+        <a:lumMod val="65000"/>
+        <a:lumOff val="35000"/>
+      </a:schemeClr>
+    </cs:fontRef>
+    <cs:defRPr sz="900" kern="1200"/>
+  </cs:trendlineLabel>
+  <cs:upBar>
+    <cs:lnRef idx="0"/>
+    <cs:fillRef idx="0"/>
+    <cs:effectRef idx="0"/>
+    <cs:fontRef idx="minor">
+      <a:schemeClr val="dk1"/>
+    </cs:fontRef>
+    <cs:spPr>
+      <a:solidFill>
+        <a:schemeClr val="lt1"/>
+      </a:solidFill>
+      <a:ln w="9525">
+        <a:solidFill>
+          <a:schemeClr val="tx1">
+            <a:lumMod val="15000"/>
+            <a:lumOff val="85000"/>
+          </a:schemeClr>
+        </a:solidFill>
+      </a:ln>
+    </cs:spPr>
+  </cs:upBar>
+  <cs:valueAxis>
+    <cs:lnRef idx="0"/>
+    <cs:fillRef idx="0"/>
+    <cs:effectRef idx="0"/>
+    <cs:fontRef idx="minor">
+      <a:schemeClr val="tx1">
+        <a:lumMod val="65000"/>
+        <a:lumOff val="35000"/>
+      </a:schemeClr>
+    </cs:fontRef>
+    <cs:defRPr sz="900" kern="1200"/>
+  </cs:valueAxis>
+  <cs:wall>
+    <cs:lnRef idx="0"/>
+    <cs:fillRef idx="0"/>
+    <cs:effectRef idx="0"/>
+    <cs:fontRef idx="minor">
+      <a:schemeClr val="tx1"/>
+    </cs:fontRef>
+    <cs:spPr>
+      <a:noFill/>
+      <a:ln>
+        <a:noFill/>
+      </a:ln>
+    </cs:spPr>
+  </cs:wall>
+</cs:chartStyle>
+</file>
+
+<file path=ppt/charts/style2.xml><?xml version="1.0" encoding="utf-8"?>
+<cs:chartStyle xmlns:cs="http://schemas.microsoft.com/office/drawing/2012/chartStyle" xmlns:a="http://schemas.openxmlformats.org/drawingml/2006/main" id="201">
+  <cs:axisTitle>
+    <cs:lnRef idx="0"/>
+    <cs:fillRef idx="0"/>
+    <cs:effectRef idx="0"/>
+    <cs:fontRef idx="minor">
+      <a:schemeClr val="tx1">
+        <a:lumMod val="65000"/>
+        <a:lumOff val="35000"/>
+      </a:schemeClr>
+    </cs:fontRef>
+    <cs:defRPr sz="1000" kern="1200"/>
+  </cs:axisTitle>
+  <cs:categoryAxis>
+    <cs:lnRef idx="0"/>
+    <cs:fillRef idx="0"/>
+    <cs:effectRef idx="0"/>
+    <cs:fontRef idx="minor">
+      <a:schemeClr val="tx1">
+        <a:lumMod val="65000"/>
+        <a:lumOff val="35000"/>
+      </a:schemeClr>
+    </cs:fontRef>
+    <cs:spPr>
+      <a:ln w="9525" cap="flat" cmpd="sng" algn="ctr">
+        <a:solidFill>
+          <a:schemeClr val="tx1">
+            <a:lumMod val="15000"/>
+            <a:lumOff val="85000"/>
+          </a:schemeClr>
+        </a:solidFill>
+        <a:round/>
+      </a:ln>
+    </cs:spPr>
+    <cs:defRPr sz="900" kern="1200"/>
+  </cs:categoryAxis>
+  <cs:chartArea mods="allowNoFillOverride allowNoLineOverride">
+    <cs:lnRef idx="0"/>
+    <cs:fillRef idx="0"/>
+    <cs:effectRef idx="0"/>
+    <cs:fontRef idx="minor">
+      <a:schemeClr val="tx1"/>
+    </cs:fontRef>
+    <cs:spPr>
+      <a:solidFill>
+        <a:schemeClr val="bg1"/>
+      </a:solidFill>
+      <a:ln w="9525" cap="flat" cmpd="sng" algn="ctr">
+        <a:solidFill>
+          <a:schemeClr val="tx1">
+            <a:lumMod val="15000"/>
+            <a:lumOff val="85000"/>
+          </a:schemeClr>
+        </a:solidFill>
+        <a:round/>
+      </a:ln>
+    </cs:spPr>
+    <cs:defRPr sz="1000" kern="1200"/>
+  </cs:chartArea>
+  <cs:dataLabel>
+    <cs:lnRef idx="0"/>
+    <cs:fillRef idx="0"/>
+    <cs:effectRef idx="0"/>
+    <cs:fontRef idx="minor">
+      <a:schemeClr val="tx1">
+        <a:lumMod val="75000"/>
+        <a:lumOff val="25000"/>
+      </a:schemeClr>
+    </cs:fontRef>
+    <cs:defRPr sz="900" kern="1200"/>
+  </cs:dataLabel>
+  <cs:dataLabelCallout>
+    <cs:lnRef idx="0"/>
+    <cs:fillRef idx="0"/>
+    <cs:effectRef idx="0"/>
+    <cs:fontRef idx="minor">
+      <a:schemeClr val="dk1">
+        <a:lumMod val="65000"/>
+        <a:lumOff val="35000"/>
+      </a:schemeClr>
+    </cs:fontRef>
+    <cs:spPr>
+      <a:solidFill>
+        <a:schemeClr val="lt1"/>
+      </a:solidFill>
+      <a:ln>
+        <a:solidFill>
+          <a:schemeClr val="dk1">
+            <a:lumMod val="25000"/>
+            <a:lumOff val="75000"/>
+          </a:schemeClr>
+        </a:solidFill>
+      </a:ln>
+    </cs:spPr>
+    <cs:defRPr sz="900" kern="1200"/>
+    <cs:bodyPr rot="0" spcFirstLastPara="1" vertOverflow="clip" horzOverflow="clip" vert="horz" wrap="square" lIns="36576" tIns="18288" rIns="36576" bIns="18288" anchor="ctr" anchorCtr="1">
+      <a:spAutoFit/>
+    </cs:bodyPr>
+  </cs:dataLabelCallout>
+  <cs:dataPoint>
+    <cs:lnRef idx="0"/>
+    <cs:fillRef idx="1">
+      <cs:styleClr val="auto"/>
+    </cs:fillRef>
+    <cs:effectRef idx="0"/>
+    <cs:fontRef idx="minor">
+      <a:schemeClr val="tx1"/>
+    </cs:fontRef>
+  </cs:dataPoint>
+  <cs:dataPoint3D>
+    <cs:lnRef idx="0"/>
+    <cs:fillRef idx="1">
+      <cs:styleClr val="auto"/>
+    </cs:fillRef>
+    <cs:effectRef idx="0"/>
+    <cs:fontRef idx="minor">
+      <a:schemeClr val="tx1"/>
+    </cs:fontRef>
+  </cs:dataPoint3D>
+  <cs:dataPointLine>
+    <cs:lnRef idx="0">
+      <cs:styleClr val="auto"/>
+    </cs:lnRef>
+    <cs:fillRef idx="1"/>
+    <cs:effectRef idx="0"/>
+    <cs:fontRef idx="minor">
+      <a:schemeClr val="tx1"/>
+    </cs:fontRef>
+    <cs:spPr>
+      <a:ln w="28575" cap="rnd">
+        <a:solidFill>
+          <a:schemeClr val="phClr"/>
+        </a:solidFill>
+        <a:round/>
+      </a:ln>
+    </cs:spPr>
+  </cs:dataPointLine>
+  <cs:dataPointMarker>
+    <cs:lnRef idx="0">
+      <cs:styleClr val="auto"/>
+    </cs:lnRef>
+    <cs:fillRef idx="1">
+      <cs:styleClr val="auto"/>
+    </cs:fillRef>
+    <cs:effectRef idx="0"/>
+    <cs:fontRef idx="minor">
+      <a:schemeClr val="tx1"/>
+    </cs:fontRef>
+    <cs:spPr>
+      <a:ln w="9525">
+        <a:solidFill>
+          <a:schemeClr val="phClr"/>
+        </a:solidFill>
+      </a:ln>
+    </cs:spPr>
+  </cs:dataPointMarker>
+  <cs:dataPointMarkerLayout symbol="circle" size="5"/>
+  <cs:dataPointWireframe>
+    <cs:lnRef idx="0">
+      <cs:styleClr val="auto"/>
+    </cs:lnRef>
+    <cs:fillRef idx="1"/>
+    <cs:effectRef idx="0"/>
+    <cs:fontRef idx="minor">
+      <a:schemeClr val="tx1"/>
+    </cs:fontRef>
+    <cs:spPr>
+      <a:ln w="9525" cap="rnd">
+        <a:solidFill>
+          <a:schemeClr val="phClr"/>
+        </a:solidFill>
+        <a:round/>
+      </a:ln>
+    </cs:spPr>
+  </cs:dataPointWireframe>
+  <cs:dataTable>
+    <cs:lnRef idx="0"/>
+    <cs:fillRef idx="0"/>
+    <cs:effectRef idx="0"/>
+    <cs:fontRef idx="minor">
+      <a:schemeClr val="tx1">
+        <a:lumMod val="65000"/>
+        <a:lumOff val="35000"/>
+      </a:schemeClr>
+    </cs:fontRef>
+    <cs:spPr>
+      <a:noFill/>
+      <a:ln w="9525" cap="flat" cmpd="sng" algn="ctr">
+        <a:solidFill>
+          <a:schemeClr val="tx1">
+            <a:lumMod val="15000"/>
+            <a:lumOff val="85000"/>
+          </a:schemeClr>
+        </a:solidFill>
+        <a:round/>
+      </a:ln>
+    </cs:spPr>
+    <cs:defRPr sz="900" kern="1200"/>
+  </cs:dataTable>
+  <cs:downBar>
+    <cs:lnRef idx="0"/>
+    <cs:fillRef idx="0"/>
+    <cs:effectRef idx="0"/>
+    <cs:fontRef idx="minor">
+      <a:schemeClr val="dk1"/>
+    </cs:fontRef>
+    <cs:spPr>
+      <a:solidFill>
+        <a:schemeClr val="dk1">
+          <a:lumMod val="65000"/>
+          <a:lumOff val="35000"/>
+        </a:schemeClr>
+      </a:solidFill>
+      <a:ln w="9525">
+        <a:solidFill>
+          <a:schemeClr val="tx1">
+            <a:lumMod val="65000"/>
+            <a:lumOff val="35000"/>
+          </a:schemeClr>
+        </a:solidFill>
+      </a:ln>
+    </cs:spPr>
+  </cs:downBar>
+  <cs:dropLine>
+    <cs:lnRef idx="0"/>
+    <cs:fillRef idx="0"/>
+    <cs:effectRef idx="0"/>
+    <cs:fontRef idx="minor">
+      <a:schemeClr val="tx1"/>
+    </cs:fontRef>
+    <cs:spPr>
+      <a:ln w="9525" cap="flat" cmpd="sng" algn="ctr">
+        <a:solidFill>
+          <a:schemeClr val="tx1">
+            <a:lumMod val="35000"/>
+            <a:lumOff val="65000"/>
+          </a:schemeClr>
+        </a:solidFill>
+        <a:round/>
+      </a:ln>
+    </cs:spPr>
+  </cs:dropLine>
+  <cs:errorBar>
+    <cs:lnRef idx="0"/>
+    <cs:fillRef idx="0"/>
+    <cs:effectRef idx="0"/>
+    <cs:fontRef idx="minor">
+      <a:schemeClr val="tx1"/>
+    </cs:fontRef>
+    <cs:spPr>
+      <a:ln w="9525" cap="flat" cmpd="sng" algn="ctr">
+        <a:solidFill>
+          <a:schemeClr val="tx1">
+            <a:lumMod val="65000"/>
+            <a:lumOff val="35000"/>
+          </a:schemeClr>
+        </a:solidFill>
+        <a:round/>
+      </a:ln>
+    </cs:spPr>
+  </cs:errorBar>
+  <cs:floor>
+    <cs:lnRef idx="0"/>
+    <cs:fillRef idx="0"/>
+    <cs:effectRef idx="0"/>
+    <cs:fontRef idx="minor">
+      <a:schemeClr val="tx1"/>
+    </cs:fontRef>
+    <cs:spPr>
+      <a:noFill/>
+      <a:ln>
+        <a:noFill/>
+      </a:ln>
+    </cs:spPr>
+  </cs:floor>
+  <cs:gridlineMajor>
+    <cs:lnRef idx="0"/>
+    <cs:fillRef idx="0"/>
+    <cs:effectRef idx="0"/>
+    <cs:fontRef idx="minor">
+      <a:schemeClr val="tx1"/>
+    </cs:fontRef>
+    <cs:spPr>
+      <a:ln w="9525" cap="flat" cmpd="sng" algn="ctr">
+        <a:solidFill>
+          <a:schemeClr val="tx1">
+            <a:lumMod val="15000"/>
+            <a:lumOff val="85000"/>
+          </a:schemeClr>
+        </a:solidFill>
+        <a:round/>
+      </a:ln>
+    </cs:spPr>
+  </cs:gridlineMajor>
+  <cs:gridlineMinor>
+    <cs:lnRef idx="0"/>
+    <cs:fillRef idx="0"/>
+    <cs:effectRef idx="0"/>
+    <cs:fontRef idx="minor">
+      <a:schemeClr val="tx1"/>
+    </cs:fontRef>
+    <cs:spPr>
+      <a:ln w="9525" cap="flat" cmpd="sng" algn="ctr">
+        <a:solidFill>
+          <a:schemeClr val="tx1">
+            <a:lumMod val="5000"/>
+            <a:lumOff val="95000"/>
+          </a:schemeClr>
+        </a:solidFill>
+        <a:round/>
+      </a:ln>
+    </cs:spPr>
+  </cs:gridlineMinor>
+  <cs:hiLoLine>
+    <cs:lnRef idx="0"/>
+    <cs:fillRef idx="0"/>
+    <cs:effectRef idx="0"/>
+    <cs:fontRef idx="minor">
+      <a:schemeClr val="tx1"/>
+    </cs:fontRef>
+    <cs:spPr>
+      <a:ln w="9525" cap="flat" cmpd="sng" algn="ctr">
+        <a:solidFill>
+          <a:schemeClr val="tx1">
+            <a:lumMod val="75000"/>
+            <a:lumOff val="25000"/>
+          </a:schemeClr>
+        </a:solidFill>
+        <a:round/>
+      </a:ln>
+    </cs:spPr>
+  </cs:hiLoLine>
+  <cs:leaderLine>
+    <cs:lnRef idx="0"/>
+    <cs:fillRef idx="0"/>
+    <cs:effectRef idx="0"/>
+    <cs:fontRef idx="minor">
+      <a:schemeClr val="tx1"/>
+    </cs:fontRef>
+    <cs:spPr>
+      <a:ln w="9525" cap="flat" cmpd="sng" algn="ctr">
+        <a:solidFill>
+          <a:schemeClr val="tx1">
+            <a:lumMod val="35000"/>
+            <a:lumOff val="65000"/>
+          </a:schemeClr>
+        </a:solidFill>
+        <a:round/>
+      </a:ln>
+    </cs:spPr>
+  </cs:leaderLine>
+  <cs:legend>
+    <cs:lnRef idx="0"/>
+    <cs:fillRef idx="0"/>
+    <cs:effectRef idx="0"/>
+    <cs:fontRef idx="minor">
+      <a:schemeClr val="tx1">
+        <a:lumMod val="65000"/>
+        <a:lumOff val="35000"/>
+      </a:schemeClr>
+    </cs:fontRef>
+    <cs:defRPr sz="900" kern="1200"/>
+  </cs:legend>
+  <cs:plotArea mods="allowNoFillOverride allowNoLineOverride">
+    <cs:lnRef idx="0"/>
+    <cs:fillRef idx="0"/>
+    <cs:effectRef idx="0"/>
+    <cs:fontRef idx="minor">
+      <a:schemeClr val="tx1"/>
+    </cs:fontRef>
+  </cs:plotArea>
+  <cs:plotArea3D mods="allowNoFillOverride allowNoLineOverride">
+    <cs:lnRef idx="0"/>
+    <cs:fillRef idx="0"/>
+    <cs:effectRef idx="0"/>
+    <cs:fontRef idx="minor">
+      <a:schemeClr val="tx1"/>
+    </cs:fontRef>
+  </cs:plotArea3D>
+  <cs:seriesAxis>
+    <cs:lnRef idx="0"/>
+    <cs:fillRef idx="0"/>
+    <cs:effectRef idx="0"/>
+    <cs:fontRef idx="minor">
+      <a:schemeClr val="tx1">
+        <a:lumMod val="65000"/>
+        <a:lumOff val="35000"/>
+      </a:schemeClr>
+    </cs:fontRef>
+    <cs:defRPr sz="900" kern="1200"/>
+  </cs:seriesAxis>
+  <cs:seriesLine>
+    <cs:lnRef idx="0"/>
+    <cs:fillRef idx="0"/>
+    <cs:effectRef idx="0"/>
+    <cs:fontRef idx="minor">
+      <a:schemeClr val="tx1"/>
+    </cs:fontRef>
+    <cs:spPr>
+      <a:ln w="9525" cap="flat" cmpd="sng" algn="ctr">
+        <a:solidFill>
+          <a:schemeClr val="tx1">
+            <a:lumMod val="35000"/>
+            <a:lumOff val="65000"/>
+          </a:schemeClr>
+        </a:solidFill>
+        <a:round/>
+      </a:ln>
+    </cs:spPr>
+  </cs:seriesLine>
+  <cs:title>
+    <cs:lnRef idx="0"/>
+    <cs:fillRef idx="0"/>
+    <cs:effectRef idx="0"/>
+    <cs:fontRef idx="minor">
+      <a:schemeClr val="tx1">
+        <a:lumMod val="65000"/>
+        <a:lumOff val="35000"/>
+      </a:schemeClr>
+    </cs:fontRef>
+    <cs:defRPr sz="1400" b="0" kern="1200" spc="0" baseline="0"/>
+  </cs:title>
+  <cs:trendline>
+    <cs:lnRef idx="0">
+      <cs:styleClr val="auto"/>
+    </cs:lnRef>
+    <cs:fillRef idx="0"/>
+    <cs:effectRef idx="0"/>
+    <cs:fontRef idx="minor">
+      <a:schemeClr val="tx1"/>
+    </cs:fontRef>
+    <cs:spPr>
+      <a:ln w="19050" cap="rnd">
+        <a:solidFill>
+          <a:schemeClr val="phClr"/>
+        </a:solidFill>
+        <a:prstDash val="sysDot"/>
+      </a:ln>
+    </cs:spPr>
+  </cs:trendline>
+  <cs:trendlineLabel>
+    <cs:lnRef idx="0"/>
+    <cs:fillRef idx="0"/>
+    <cs:effectRef idx="0"/>
+    <cs:fontRef idx="minor">
+      <a:schemeClr val="tx1">
+        <a:lumMod val="65000"/>
+        <a:lumOff val="35000"/>
+      </a:schemeClr>
+    </cs:fontRef>
+    <cs:defRPr sz="900" kern="1200"/>
+  </cs:trendlineLabel>
+  <cs:upBar>
+    <cs:lnRef idx="0"/>
+    <cs:fillRef idx="0"/>
+    <cs:effectRef idx="0"/>
+    <cs:fontRef idx="minor">
+      <a:schemeClr val="dk1"/>
+    </cs:fontRef>
+    <cs:spPr>
+      <a:solidFill>
+        <a:schemeClr val="lt1"/>
+      </a:solidFill>
+      <a:ln w="9525">
+        <a:solidFill>
+          <a:schemeClr val="tx1">
+            <a:lumMod val="15000"/>
+            <a:lumOff val="85000"/>
+          </a:schemeClr>
+        </a:solidFill>
+      </a:ln>
+    </cs:spPr>
+  </cs:upBar>
+  <cs:valueAxis>
+    <cs:lnRef idx="0"/>
+    <cs:fillRef idx="0"/>
+    <cs:effectRef idx="0"/>
+    <cs:fontRef idx="minor">
+      <a:schemeClr val="tx1">
+        <a:lumMod val="65000"/>
+        <a:lumOff val="35000"/>
+      </a:schemeClr>
+    </cs:fontRef>
+    <cs:defRPr sz="900" kern="1200"/>
+  </cs:valueAxis>
+  <cs:wall>
+    <cs:lnRef idx="0"/>
+    <cs:fillRef idx="0"/>
+    <cs:effectRef idx="0"/>
+    <cs:fontRef idx="minor">
+      <a:schemeClr val="tx1"/>
+    </cs:fontRef>
+    <cs:spPr>
+      <a:noFill/>
+      <a:ln>
+        <a:noFill/>
+      </a:ln>
+    </cs:spPr>
+  </cs:wall>
+</cs:chartStyle>
 </file>
 
 <file path=ppt/slideLayouts/slideLayout1.xml><?xml version="1.0" encoding="utf-8"?>
@@ -841,7 +2744,7 @@
             <a:fld id="{3C2B07E4-CDF9-4C88-A2F3-04620E58224D}" type="datetimeFigureOut">
               <a:rPr lang="en-US" smtClean="0"/>
               <a:pPr/>
-              <a:t>12/1/2022</a:t>
+              <a:t>12/3/2022</a:t>
             </a:fld>
             <a:endParaRPr lang="en-US" dirty="0"/>
           </a:p>
@@ -1094,7 +2997,7 @@
             <a:fld id="{3C2B07E4-CDF9-4C88-A2F3-04620E58224D}" type="datetimeFigureOut">
               <a:rPr lang="en-US" smtClean="0"/>
               <a:pPr/>
-              <a:t>12/1/2022</a:t>
+              <a:t>12/3/2022</a:t>
             </a:fld>
             <a:endParaRPr lang="en-US" dirty="0"/>
           </a:p>
@@ -1410,7 +3313,7 @@
             <a:fld id="{3C2B07E4-CDF9-4C88-A2F3-04620E58224D}" type="datetimeFigureOut">
               <a:rPr lang="en-US" smtClean="0"/>
               <a:pPr/>
-              <a:t>12/1/2022</a:t>
+              <a:t>12/3/2022</a:t>
             </a:fld>
             <a:endParaRPr lang="en-US" dirty="0"/>
           </a:p>
@@ -1753,7 +3656,7 @@
             <a:fld id="{3C2B07E4-CDF9-4C88-A2F3-04620E58224D}" type="datetimeFigureOut">
               <a:rPr lang="en-US" smtClean="0"/>
               <a:pPr/>
-              <a:t>12/1/2022</a:t>
+              <a:t>12/3/2022</a:t>
             </a:fld>
             <a:endParaRPr lang="en-US" dirty="0"/>
           </a:p>
@@ -2069,7 +3972,7 @@
             <a:fld id="{3C2B07E4-CDF9-4C88-A2F3-04620E58224D}" type="datetimeFigureOut">
               <a:rPr lang="en-US" smtClean="0"/>
               <a:pPr/>
-              <a:t>12/1/2022</a:t>
+              <a:t>12/3/2022</a:t>
             </a:fld>
             <a:endParaRPr lang="en-US" dirty="0"/>
           </a:p>
@@ -2464,7 +4367,7 @@
             <a:fld id="{3C2B07E4-CDF9-4C88-A2F3-04620E58224D}" type="datetimeFigureOut">
               <a:rPr lang="en-US" smtClean="0"/>
               <a:pPr/>
-              <a:t>12/1/2022</a:t>
+              <a:t>12/3/2022</a:t>
             </a:fld>
             <a:endParaRPr lang="en-US" dirty="0"/>
           </a:p>
@@ -2636,7 +4539,7 @@
             <a:fld id="{3C2B07E4-CDF9-4C88-A2F3-04620E58224D}" type="datetimeFigureOut">
               <a:rPr lang="en-US" smtClean="0"/>
               <a:pPr/>
-              <a:t>12/1/2022</a:t>
+              <a:t>12/3/2022</a:t>
             </a:fld>
             <a:endParaRPr lang="en-US" dirty="0"/>
           </a:p>
@@ -2818,7 +4721,7 @@
             <a:fld id="{3C2B07E4-CDF9-4C88-A2F3-04620E58224D}" type="datetimeFigureOut">
               <a:rPr lang="en-US" smtClean="0"/>
               <a:pPr/>
-              <a:t>12/1/2022</a:t>
+              <a:t>12/3/2022</a:t>
             </a:fld>
             <a:endParaRPr lang="en-US" dirty="0"/>
           </a:p>
@@ -2996,7 +4899,7 @@
             <a:fld id="{3C2B07E4-CDF9-4C88-A2F3-04620E58224D}" type="datetimeFigureOut">
               <a:rPr lang="en-US" smtClean="0"/>
               <a:pPr/>
-              <a:t>12/1/2022</a:t>
+              <a:t>12/3/2022</a:t>
             </a:fld>
             <a:endParaRPr lang="en-US" dirty="0"/>
           </a:p>
@@ -3245,7 +5148,7 @@
             <a:fld id="{3C2B07E4-CDF9-4C88-A2F3-04620E58224D}" type="datetimeFigureOut">
               <a:rPr lang="en-US" smtClean="0"/>
               <a:pPr/>
-              <a:t>12/1/2022</a:t>
+              <a:t>12/3/2022</a:t>
             </a:fld>
             <a:endParaRPr lang="en-US" dirty="0"/>
           </a:p>
@@ -3479,7 +5382,7 @@
             <a:fld id="{3C2B07E4-CDF9-4C88-A2F3-04620E58224D}" type="datetimeFigureOut">
               <a:rPr lang="en-US" smtClean="0"/>
               <a:pPr/>
-              <a:t>12/1/2022</a:t>
+              <a:t>12/3/2022</a:t>
             </a:fld>
             <a:endParaRPr lang="en-US" dirty="0"/>
           </a:p>
@@ -3855,7 +5758,7 @@
             <a:fld id="{3C2B07E4-CDF9-4C88-A2F3-04620E58224D}" type="datetimeFigureOut">
               <a:rPr lang="en-US" smtClean="0"/>
               <a:pPr/>
-              <a:t>12/1/2022</a:t>
+              <a:t>12/3/2022</a:t>
             </a:fld>
             <a:endParaRPr lang="en-US" dirty="0"/>
           </a:p>
@@ -3980,7 +5883,7 @@
             <a:fld id="{3C2B07E4-CDF9-4C88-A2F3-04620E58224D}" type="datetimeFigureOut">
               <a:rPr lang="en-US" smtClean="0"/>
               <a:pPr/>
-              <a:t>12/1/2022</a:t>
+              <a:t>12/3/2022</a:t>
             </a:fld>
             <a:endParaRPr lang="en-US" dirty="0"/>
           </a:p>
@@ -4077,7 +5980,7 @@
             <a:fld id="{3C2B07E4-CDF9-4C88-A2F3-04620E58224D}" type="datetimeFigureOut">
               <a:rPr lang="en-US" smtClean="0"/>
               <a:pPr/>
-              <a:t>12/1/2022</a:t>
+              <a:t>12/3/2022</a:t>
             </a:fld>
             <a:endParaRPr lang="en-US" dirty="0"/>
           </a:p>
@@ -4334,7 +6237,7 @@
             <a:fld id="{3C2B07E4-CDF9-4C88-A2F3-04620E58224D}" type="datetimeFigureOut">
               <a:rPr lang="en-US" smtClean="0"/>
               <a:pPr/>
-              <a:t>12/1/2022</a:t>
+              <a:t>12/3/2022</a:t>
             </a:fld>
             <a:endParaRPr lang="en-US" dirty="0"/>
           </a:p>
@@ -4599,7 +6502,7 @@
             <a:fld id="{3C2B07E4-CDF9-4C88-A2F3-04620E58224D}" type="datetimeFigureOut">
               <a:rPr lang="en-US" smtClean="0"/>
               <a:pPr/>
-              <a:t>12/1/2022</a:t>
+              <a:t>12/3/2022</a:t>
             </a:fld>
             <a:endParaRPr lang="en-US" dirty="0"/>
           </a:p>
@@ -5344,7 +7247,7 @@
             <a:fld id="{3C2B07E4-CDF9-4C88-A2F3-04620E58224D}" type="datetimeFigureOut">
               <a:rPr lang="en-US" smtClean="0"/>
               <a:pPr/>
-              <a:t>12/1/2022</a:t>
+              <a:t>12/3/2022</a:t>
             </a:fld>
             <a:endParaRPr lang="en-US" dirty="0"/>
           </a:p>
@@ -6004,8 +7907,8 @@
         </p:nvSpPr>
         <p:spPr>
           <a:xfrm>
-            <a:off x="2512381" y="4982592"/>
-            <a:ext cx="5308846" cy="923330"/>
+            <a:off x="2616808" y="5719439"/>
+            <a:ext cx="5308846" cy="646331"/>
           </a:xfrm>
           <a:prstGeom prst="rect">
             <a:avLst/>
@@ -6019,8 +7922,11 @@
           <a:lstStyle/>
           <a:p>
             <a:r>
-              <a:rPr lang="en-US" altLang="zh-CN" dirty="0"/>
-              <a:t>UCS and A with h1 and h2 always has the shortest length of the solution. </a:t>
+              <a:rPr lang="en-US" altLang="zh-CN" dirty="0">
+                <a:latin typeface="Times New Roman" panose="02020603050405020304" pitchFamily="18" charset="0"/>
+                <a:cs typeface="Times New Roman" panose="02020603050405020304" pitchFamily="18" charset="0"/>
+              </a:rPr>
+              <a:t>UCS always has the shortest length of the solution. </a:t>
             </a:r>
           </a:p>
           <a:p>
@@ -6050,7 +7956,7 @@
         </p:blipFill>
         <p:spPr>
           <a:xfrm>
-            <a:off x="5546620" y="1752810"/>
+            <a:off x="5422333" y="527691"/>
             <a:ext cx="4028571" cy="1657143"/>
           </a:xfrm>
           <a:prstGeom prst="rect">
@@ -6080,7 +7986,7 @@
         </p:blipFill>
         <p:spPr>
           <a:xfrm>
-            <a:off x="731094" y="1724844"/>
+            <a:off x="731094" y="402072"/>
             <a:ext cx="3771429" cy="1647619"/>
           </a:xfrm>
           <a:prstGeom prst="rect">
@@ -6088,6 +7994,34 @@
           </a:prstGeom>
         </p:spPr>
       </p:pic>
+      <p:graphicFrame>
+        <p:nvGraphicFramePr>
+          <p:cNvPr id="3" name="图表 2">
+            <a:extLst>
+              <a:ext uri="{FF2B5EF4-FFF2-40B4-BE49-F238E27FC236}">
+                <a16:creationId xmlns:a16="http://schemas.microsoft.com/office/drawing/2014/main" id="{A867836C-BDD8-BF55-D468-DE99B541C891}"/>
+              </a:ext>
+            </a:extLst>
+          </p:cNvPr>
+          <p:cNvGraphicFramePr/>
+          <p:nvPr>
+            <p:extLst>
+              <p:ext uri="{D42A27DB-BD31-4B8C-83A1-F6EECF244321}">
+                <p14:modId xmlns:p14="http://schemas.microsoft.com/office/powerpoint/2010/main" val="301319078"/>
+              </p:ext>
+            </p:extLst>
+          </p:nvPr>
+        </p:nvGraphicFramePr>
+        <p:xfrm>
+          <a:off x="731094" y="2495988"/>
+          <a:ext cx="5274310" cy="3076575"/>
+        </p:xfrm>
+        <a:graphic>
+          <a:graphicData uri="http://schemas.openxmlformats.org/drawingml/2006/chart">
+            <c:chart xmlns:c="http://schemas.openxmlformats.org/drawingml/2006/chart" xmlns:r="http://schemas.openxmlformats.org/officeDocument/2006/relationships" r:id="rId4"/>
+          </a:graphicData>
+        </a:graphic>
+      </p:graphicFrame>
     </p:spTree>
     <p:extLst>
       <p:ext uri="{BB962C8B-B14F-4D97-AF65-F5344CB8AC3E}">
@@ -6132,7 +8066,7 @@
         </p:nvSpPr>
         <p:spPr>
           <a:xfrm>
-            <a:off x="2800543" y="4115435"/>
+            <a:off x="2871015" y="4364816"/>
             <a:ext cx="5103844" cy="646331"/>
           </a:xfrm>
           <a:prstGeom prst="rect">
@@ -6147,10 +8081,16 @@
           <a:lstStyle/>
           <a:p>
             <a:r>
-              <a:rPr lang="en-US" altLang="zh-CN" dirty="0"/>
+              <a:rPr lang="en-US" altLang="zh-CN" dirty="0">
+                <a:latin typeface="Times New Roman" panose="02020603050405020304" pitchFamily="18" charset="0"/>
+                <a:cs typeface="Times New Roman" panose="02020603050405020304" pitchFamily="18" charset="0"/>
+              </a:rPr>
               <a:t>The length of the solution is the same regardless of the heuristics used by GBFS</a:t>
             </a:r>
-            <a:endParaRPr lang="zh-CN" altLang="en-US" dirty="0"/>
+            <a:endParaRPr lang="zh-CN" altLang="en-US" dirty="0">
+              <a:latin typeface="Times New Roman" panose="02020603050405020304" pitchFamily="18" charset="0"/>
+              <a:cs typeface="Times New Roman" panose="02020603050405020304" pitchFamily="18" charset="0"/>
+            </a:endParaRPr>
           </a:p>
         </p:txBody>
       </p:sp>
@@ -6273,10 +8213,16 @@
           <a:lstStyle/>
           <a:p>
             <a:r>
-              <a:rPr lang="en-US" altLang="zh-CN" dirty="0"/>
+              <a:rPr lang="en-US" altLang="zh-CN" dirty="0">
+                <a:latin typeface="Times New Roman" panose="02020603050405020304" pitchFamily="18" charset="0"/>
+                <a:cs typeface="Times New Roman" panose="02020603050405020304" pitchFamily="18" charset="0"/>
+              </a:rPr>
               <a:t>A algorithm sometimes have different length of the solution depending on the heuristics</a:t>
             </a:r>
-            <a:endParaRPr lang="zh-CN" altLang="en-US" dirty="0"/>
+            <a:endParaRPr lang="zh-CN" altLang="en-US" dirty="0">
+              <a:latin typeface="Times New Roman" panose="02020603050405020304" pitchFamily="18" charset="0"/>
+              <a:cs typeface="Times New Roman" panose="02020603050405020304" pitchFamily="18" charset="0"/>
+            </a:endParaRPr>
           </a:p>
         </p:txBody>
       </p:sp>
@@ -6384,8 +8330,8 @@
         </p:nvSpPr>
         <p:spPr>
           <a:xfrm>
-            <a:off x="2509845" y="5310477"/>
-            <a:ext cx="5262465" cy="646331"/>
+            <a:off x="2780433" y="5245162"/>
+            <a:ext cx="5262465" cy="369332"/>
           </a:xfrm>
           <a:prstGeom prst="rect">
             <a:avLst/>
@@ -6399,19 +8345,25 @@
           <a:lstStyle/>
           <a:p>
             <a:r>
-              <a:rPr lang="en-US" altLang="zh-CN" dirty="0"/>
-              <a:t>In A algorithm, h1 and h2 are admissible, h3 and h4 are not admissible</a:t>
+              <a:rPr lang="en-US" altLang="zh-CN" dirty="0">
+                <a:latin typeface="Times New Roman" panose="02020603050405020304" pitchFamily="18" charset="0"/>
+                <a:cs typeface="Times New Roman" panose="02020603050405020304" pitchFamily="18" charset="0"/>
+              </a:rPr>
+              <a:t>h1 is admissible, h2, h3, h4 are not admissible.  </a:t>
             </a:r>
-            <a:endParaRPr lang="zh-CN" altLang="en-US" dirty="0"/>
+            <a:endParaRPr lang="zh-CN" altLang="en-US" dirty="0">
+              <a:latin typeface="Times New Roman" panose="02020603050405020304" pitchFamily="18" charset="0"/>
+              <a:cs typeface="Times New Roman" panose="02020603050405020304" pitchFamily="18" charset="0"/>
+            </a:endParaRPr>
           </a:p>
         </p:txBody>
       </p:sp>
       <p:pic>
         <p:nvPicPr>
-          <p:cNvPr id="6" name="图片 5">
+          <p:cNvPr id="2" name="Picture 6" descr="A picture containing text&#10;&#10;Description automatically generated">
             <a:extLst>
               <a:ext uri="{FF2B5EF4-FFF2-40B4-BE49-F238E27FC236}">
-                <a16:creationId xmlns:a16="http://schemas.microsoft.com/office/drawing/2014/main" id="{2BCFB396-1E5D-BF1B-EAB1-6C44CACD5630}"/>
+                <a16:creationId xmlns:a16="http://schemas.microsoft.com/office/drawing/2014/main" id="{3F1ED427-7829-9577-2F87-684729EE4725}"/>
               </a:ext>
             </a:extLst>
           </p:cNvPr>
@@ -6421,49 +8373,30 @@
           <p:nvPr/>
         </p:nvPicPr>
         <p:blipFill>
-          <a:blip r:embed="rId2"/>
+          <a:blip r:embed="rId2" cstate="print">
+            <a:extLst>
+              <a:ext uri="{28A0092B-C50C-407E-A947-70E740481C1C}">
+                <a14:useLocalDpi xmlns:a14="http://schemas.microsoft.com/office/drawing/2010/main" val="0"/>
+              </a:ext>
+            </a:extLst>
+          </a:blip>
+          <a:srcRect/>
           <a:stretch>
             <a:fillRect/>
           </a:stretch>
         </p:blipFill>
-        <p:spPr>
+        <p:spPr bwMode="auto">
           <a:xfrm>
-            <a:off x="5767548" y="2230023"/>
-            <a:ext cx="4009524" cy="1609524"/>
+            <a:off x="3615690" y="2435292"/>
+            <a:ext cx="2480310" cy="1693545"/>
           </a:xfrm>
           <a:prstGeom prst="rect">
             <a:avLst/>
           </a:prstGeom>
-        </p:spPr>
-      </p:pic>
-      <p:pic>
-        <p:nvPicPr>
-          <p:cNvPr id="8" name="图片 7">
-            <a:extLst>
-              <a:ext uri="{FF2B5EF4-FFF2-40B4-BE49-F238E27FC236}">
-                <a16:creationId xmlns:a16="http://schemas.microsoft.com/office/drawing/2014/main" id="{A10D7928-B685-43A7-6A8B-F40DE6287FDC}"/>
-              </a:ext>
-            </a:extLst>
-          </p:cNvPr>
-          <p:cNvPicPr>
-            <a:picLocks noChangeAspect="1"/>
-          </p:cNvPicPr>
-          <p:nvPr/>
-        </p:nvPicPr>
-        <p:blipFill>
-          <a:blip r:embed="rId3"/>
-          <a:stretch>
-            <a:fillRect/>
-          </a:stretch>
-        </p:blipFill>
-        <p:spPr>
-          <a:xfrm>
-            <a:off x="1484589" y="2230023"/>
-            <a:ext cx="3885714" cy="1676190"/>
-          </a:xfrm>
-          <a:prstGeom prst="rect">
-            <a:avLst/>
-          </a:prstGeom>
+          <a:noFill/>
+          <a:ln>
+            <a:noFill/>
+          </a:ln>
         </p:spPr>
       </p:pic>
     </p:spTree>
@@ -6480,6 +8413,113 @@
 </file>
 
 <file path=ppt/slides/slide6.xml><?xml version="1.0" encoding="utf-8"?>
+<p:sld xmlns:a="http://schemas.openxmlformats.org/drawingml/2006/main" xmlns:r="http://schemas.openxmlformats.org/officeDocument/2006/relationships" xmlns:p="http://schemas.openxmlformats.org/presentationml/2006/main">
+  <p:cSld>
+    <p:spTree>
+      <p:nvGrpSpPr>
+        <p:cNvPr id="1" name=""/>
+        <p:cNvGrpSpPr/>
+        <p:nvPr/>
+      </p:nvGrpSpPr>
+      <p:grpSpPr>
+        <a:xfrm>
+          <a:off x="0" y="0"/>
+          <a:ext cx="0" cy="0"/>
+          <a:chOff x="0" y="0"/>
+          <a:chExt cx="0" cy="0"/>
+        </a:xfrm>
+      </p:grpSpPr>
+      <p:pic>
+        <p:nvPicPr>
+          <p:cNvPr id="4" name="Picture 6" descr="A picture containing text&#10;&#10;Description automatically generated">
+            <a:extLst>
+              <a:ext uri="{FF2B5EF4-FFF2-40B4-BE49-F238E27FC236}">
+                <a16:creationId xmlns:a16="http://schemas.microsoft.com/office/drawing/2014/main" id="{A0041047-C2EA-8A42-5D6A-6555DC06E4C1}"/>
+              </a:ext>
+            </a:extLst>
+          </p:cNvPr>
+          <p:cNvPicPr>
+            <a:picLocks noChangeAspect="1"/>
+          </p:cNvPicPr>
+          <p:nvPr/>
+        </p:nvPicPr>
+        <p:blipFill>
+          <a:blip r:embed="rId2" cstate="print">
+            <a:extLst>
+              <a:ext uri="{28A0092B-C50C-407E-A947-70E740481C1C}">
+                <a14:useLocalDpi xmlns:a14="http://schemas.microsoft.com/office/drawing/2010/main" val="0"/>
+              </a:ext>
+            </a:extLst>
+          </a:blip>
+          <a:srcRect/>
+          <a:stretch>
+            <a:fillRect/>
+          </a:stretch>
+        </p:blipFill>
+        <p:spPr bwMode="auto">
+          <a:xfrm>
+            <a:off x="3989004" y="2123395"/>
+            <a:ext cx="2480310" cy="1693545"/>
+          </a:xfrm>
+          <a:prstGeom prst="rect">
+            <a:avLst/>
+          </a:prstGeom>
+          <a:noFill/>
+          <a:ln>
+            <a:noFill/>
+          </a:ln>
+        </p:spPr>
+      </p:pic>
+      <p:sp>
+        <p:nvSpPr>
+          <p:cNvPr id="5" name="文本框 4">
+            <a:extLst>
+              <a:ext uri="{FF2B5EF4-FFF2-40B4-BE49-F238E27FC236}">
+                <a16:creationId xmlns:a16="http://schemas.microsoft.com/office/drawing/2014/main" id="{672331EA-09D9-D8FC-39CE-16685B8408BF}"/>
+              </a:ext>
+            </a:extLst>
+          </p:cNvPr>
+          <p:cNvSpPr txBox="1"/>
+          <p:nvPr/>
+        </p:nvSpPr>
+        <p:spPr>
+          <a:xfrm>
+            <a:off x="3536302" y="4264090"/>
+            <a:ext cx="4114800" cy="646331"/>
+          </a:xfrm>
+          <a:prstGeom prst="rect">
+            <a:avLst/>
+          </a:prstGeom>
+          <a:noFill/>
+        </p:spPr>
+        <p:txBody>
+          <a:bodyPr wrap="square" rtlCol="0">
+            <a:spAutoFit/>
+          </a:bodyPr>
+          <a:lstStyle/>
+          <a:p>
+            <a:r>
+              <a:rPr lang="en-US" altLang="zh-CN" dirty="0"/>
+              <a:t>The predicted cost is 3, but actual minimum is 2.  </a:t>
+            </a:r>
+            <a:endParaRPr lang="zh-CN" altLang="en-US" dirty="0"/>
+          </a:p>
+        </p:txBody>
+      </p:sp>
+    </p:spTree>
+    <p:extLst>
+      <p:ext uri="{BB962C8B-B14F-4D97-AF65-F5344CB8AC3E}">
+        <p14:creationId xmlns:p14="http://schemas.microsoft.com/office/powerpoint/2010/main" val="698937186"/>
+      </p:ext>
+    </p:extLst>
+  </p:cSld>
+  <p:clrMapOvr>
+    <a:masterClrMapping/>
+  </p:clrMapOvr>
+</p:sld>
+</file>
+
+<file path=ppt/slides/slide7.xml><?xml version="1.0" encoding="utf-8"?>
 <p:sld xmlns:a="http://schemas.openxmlformats.org/drawingml/2006/main" xmlns:r="http://schemas.openxmlformats.org/officeDocument/2006/relationships" xmlns:p="http://schemas.openxmlformats.org/presentationml/2006/main">
   <p:cSld>
     <p:spTree>
@@ -6518,7 +8558,7 @@
         </p:blipFill>
         <p:spPr>
           <a:xfrm>
-            <a:off x="1182421" y="1902098"/>
+            <a:off x="670627" y="961065"/>
             <a:ext cx="4114286" cy="1704762"/>
           </a:xfrm>
           <a:prstGeom prst="rect">
@@ -6548,7 +8588,7 @@
         </p:blipFill>
         <p:spPr>
           <a:xfrm>
-            <a:off x="5635659" y="1968765"/>
+            <a:off x="5492803" y="961065"/>
             <a:ext cx="3828571" cy="1638095"/>
           </a:xfrm>
           <a:prstGeom prst="rect">
@@ -6570,7 +8610,7 @@
         </p:nvSpPr>
         <p:spPr>
           <a:xfrm>
-            <a:off x="2333649" y="4372434"/>
+            <a:off x="2084924" y="5617191"/>
             <a:ext cx="5784980" cy="923330"/>
           </a:xfrm>
           <a:prstGeom prst="rect">
@@ -6585,13 +8625,47 @@
           <a:lstStyle/>
           <a:p>
             <a:r>
-              <a:rPr lang="en-US" altLang="zh-CN" dirty="0"/>
-              <a:t>In most cases informed algorithms are faster than uninformed, but sometimes A algorithm with h1 or h2 are slower than UCS.</a:t>
+              <a:rPr lang="en-US" altLang="zh-CN" dirty="0">
+                <a:latin typeface="Times New Roman" panose="02020603050405020304" pitchFamily="18" charset="0"/>
+                <a:cs typeface="Times New Roman" panose="02020603050405020304" pitchFamily="18" charset="0"/>
+              </a:rPr>
+              <a:t>In most cases informed search are faster than uninformed, but sometimes A algorithm with h1 or h2 are slower than UCS. </a:t>
             </a:r>
-            <a:endParaRPr lang="zh-CN" altLang="en-US" dirty="0"/>
-          </a:p>
-        </p:txBody>
-      </p:sp>
+            <a:endParaRPr lang="zh-CN" altLang="en-US" dirty="0">
+              <a:latin typeface="Times New Roman" panose="02020603050405020304" pitchFamily="18" charset="0"/>
+              <a:cs typeface="Times New Roman" panose="02020603050405020304" pitchFamily="18" charset="0"/>
+            </a:endParaRPr>
+          </a:p>
+        </p:txBody>
+      </p:sp>
+      <p:graphicFrame>
+        <p:nvGraphicFramePr>
+          <p:cNvPr id="2" name="图表 1">
+            <a:extLst>
+              <a:ext uri="{FF2B5EF4-FFF2-40B4-BE49-F238E27FC236}">
+                <a16:creationId xmlns:a16="http://schemas.microsoft.com/office/drawing/2014/main" id="{508AC3B1-7A72-167F-12FD-F1CEB19ECE7B}"/>
+              </a:ext>
+            </a:extLst>
+          </p:cNvPr>
+          <p:cNvGraphicFramePr/>
+          <p:nvPr>
+            <p:extLst>
+              <p:ext uri="{D42A27DB-BD31-4B8C-83A1-F6EECF244321}">
+                <p14:modId xmlns:p14="http://schemas.microsoft.com/office/powerpoint/2010/main" val="1448415925"/>
+              </p:ext>
+            </p:extLst>
+          </p:nvPr>
+        </p:nvGraphicFramePr>
+        <p:xfrm>
+          <a:off x="2340259" y="2665827"/>
+          <a:ext cx="4891814" cy="2884697"/>
+        </p:xfrm>
+        <a:graphic>
+          <a:graphicData uri="http://schemas.openxmlformats.org/drawingml/2006/chart">
+            <c:chart xmlns:c="http://schemas.openxmlformats.org/drawingml/2006/chart" xmlns:r="http://schemas.openxmlformats.org/officeDocument/2006/relationships" r:id="rId4"/>
+          </a:graphicData>
+        </a:graphic>
+      </p:graphicFrame>
     </p:spTree>
     <p:extLst>
       <p:ext uri="{BB962C8B-B14F-4D97-AF65-F5344CB8AC3E}">
@@ -6605,7 +8679,7 @@
 </p:sld>
 </file>
 
-<file path=ppt/slides/slide7.xml><?xml version="1.0" encoding="utf-8"?>
+<file path=ppt/slides/slide8.xml><?xml version="1.0" encoding="utf-8"?>
 <p:sld xmlns:a="http://schemas.openxmlformats.org/drawingml/2006/main" xmlns:r="http://schemas.openxmlformats.org/officeDocument/2006/relationships" xmlns:p="http://schemas.openxmlformats.org/presentationml/2006/main">
   <p:cSld>
     <p:spTree>
@@ -6622,66 +8696,6 @@
           <a:chExt cx="0" cy="0"/>
         </a:xfrm>
       </p:grpSpPr>
-      <p:pic>
-        <p:nvPicPr>
-          <p:cNvPr id="5" name="图片 4">
-            <a:extLst>
-              <a:ext uri="{FF2B5EF4-FFF2-40B4-BE49-F238E27FC236}">
-                <a16:creationId xmlns:a16="http://schemas.microsoft.com/office/drawing/2014/main" id="{A615648D-0F9D-0CA4-5066-8535D30B8B29}"/>
-              </a:ext>
-            </a:extLst>
-          </p:cNvPr>
-          <p:cNvPicPr>
-            <a:picLocks noChangeAspect="1"/>
-          </p:cNvPicPr>
-          <p:nvPr/>
-        </p:nvPicPr>
-        <p:blipFill>
-          <a:blip r:embed="rId2"/>
-          <a:stretch>
-            <a:fillRect/>
-          </a:stretch>
-        </p:blipFill>
-        <p:spPr>
-          <a:xfrm>
-            <a:off x="872832" y="1917727"/>
-            <a:ext cx="3904762" cy="1628571"/>
-          </a:xfrm>
-          <a:prstGeom prst="rect">
-            <a:avLst/>
-          </a:prstGeom>
-        </p:spPr>
-      </p:pic>
-      <p:pic>
-        <p:nvPicPr>
-          <p:cNvPr id="7" name="图片 6">
-            <a:extLst>
-              <a:ext uri="{FF2B5EF4-FFF2-40B4-BE49-F238E27FC236}">
-                <a16:creationId xmlns:a16="http://schemas.microsoft.com/office/drawing/2014/main" id="{354B6F07-3084-9CCC-2519-1492CBF9B2C3}"/>
-              </a:ext>
-            </a:extLst>
-          </p:cNvPr>
-          <p:cNvPicPr>
-            <a:picLocks noChangeAspect="1"/>
-          </p:cNvPicPr>
-          <p:nvPr/>
-        </p:nvPicPr>
-        <p:blipFill>
-          <a:blip r:embed="rId3"/>
-          <a:stretch>
-            <a:fillRect/>
-          </a:stretch>
-        </p:blipFill>
-        <p:spPr>
-          <a:xfrm>
-            <a:off x="5870555" y="1903440"/>
-            <a:ext cx="3828571" cy="1657143"/>
-          </a:xfrm>
-          <a:prstGeom prst="rect">
-            <a:avLst/>
-          </a:prstGeom>
-        </p:spPr>
-      </p:pic>
       <p:sp>
         <p:nvSpPr>
           <p:cNvPr id="8" name="文本框 7">
@@ -6696,8 +8710,8 @@
         </p:nvSpPr>
         <p:spPr>
           <a:xfrm>
-            <a:off x="2121763" y="4483223"/>
-            <a:ext cx="5877018" cy="923330"/>
+            <a:off x="2225964" y="5065115"/>
+            <a:ext cx="6305019" cy="1114857"/>
           </a:xfrm>
           <a:prstGeom prst="rect">
             <a:avLst/>
@@ -6710,14 +8724,385 @@
           </a:bodyPr>
           <a:lstStyle/>
           <a:p>
+            <a:pPr marL="558800" indent="266700" algn="l">
+              <a:lnSpc>
+                <a:spcPct val="200000"/>
+              </a:lnSpc>
+            </a:pPr>
             <a:r>
-              <a:rPr lang="en-US" altLang="zh-CN" dirty="0"/>
-              <a:t>Although the length of the search path and the length of solution are same, some heuristic have different execution time. </a:t>
+              <a:rPr lang="en-US" altLang="zh-CN" sz="1800" kern="100" dirty="0">
+                <a:effectLst/>
+                <a:latin typeface="Times New Roman" panose="02020603050405020304" pitchFamily="18" charset="0"/>
+                <a:ea typeface="等线" panose="02010600030101010101" pitchFamily="2" charset="-122"/>
+                <a:cs typeface="Times New Roman" panose="02020603050405020304" pitchFamily="18" charset="0"/>
+              </a:rPr>
+              <a:t>GBFS has the shortest length of the search path, but it     has the longest length of the solution.</a:t>
             </a:r>
-            <a:endParaRPr lang="zh-CN" altLang="en-US" dirty="0"/>
-          </a:p>
-        </p:txBody>
-      </p:sp>
+            <a:endParaRPr lang="zh-CN" altLang="zh-CN" sz="1800" kern="100" dirty="0">
+              <a:effectLst/>
+              <a:latin typeface="Times New Roman" panose="02020603050405020304" pitchFamily="18" charset="0"/>
+              <a:ea typeface="等线" panose="02010600030101010101" pitchFamily="2" charset="-122"/>
+              <a:cs typeface="Times New Roman" panose="02020603050405020304" pitchFamily="18" charset="0"/>
+            </a:endParaRPr>
+          </a:p>
+        </p:txBody>
+      </p:sp>
+      <p:graphicFrame>
+        <p:nvGraphicFramePr>
+          <p:cNvPr id="4" name="表格 5">
+            <a:extLst>
+              <a:ext uri="{FF2B5EF4-FFF2-40B4-BE49-F238E27FC236}">
+                <a16:creationId xmlns:a16="http://schemas.microsoft.com/office/drawing/2014/main" id="{0071090B-631D-25C3-C7EB-81AD120A88EB}"/>
+              </a:ext>
+            </a:extLst>
+          </p:cNvPr>
+          <p:cNvGraphicFramePr>
+            <a:graphicFrameLocks noGrp="1"/>
+          </p:cNvGraphicFramePr>
+          <p:nvPr>
+            <p:extLst>
+              <p:ext uri="{D42A27DB-BD31-4B8C-83A1-F6EECF244321}">
+                <p14:modId xmlns:p14="http://schemas.microsoft.com/office/powerpoint/2010/main" val="4029888287"/>
+              </p:ext>
+            </p:extLst>
+          </p:nvPr>
+        </p:nvGraphicFramePr>
+        <p:xfrm>
+          <a:off x="1459345" y="2622357"/>
+          <a:ext cx="8128000" cy="1752600"/>
+        </p:xfrm>
+        <a:graphic>
+          <a:graphicData uri="http://schemas.openxmlformats.org/drawingml/2006/table">
+            <a:tbl>
+              <a:tblPr firstRow="1" bandRow="1">
+                <a:tableStyleId>{5C22544A-7EE6-4342-B048-85BDC9FD1C3A}</a:tableStyleId>
+              </a:tblPr>
+              <a:tblGrid>
+                <a:gridCol w="2032000">
+                  <a:extLst>
+                    <a:ext uri="{9D8B030D-6E8A-4147-A177-3AD203B41FA5}">
+                      <a16:colId xmlns:a16="http://schemas.microsoft.com/office/drawing/2014/main" val="809985761"/>
+                    </a:ext>
+                  </a:extLst>
+                </a:gridCol>
+                <a:gridCol w="2032000">
+                  <a:extLst>
+                    <a:ext uri="{9D8B030D-6E8A-4147-A177-3AD203B41FA5}">
+                      <a16:colId xmlns:a16="http://schemas.microsoft.com/office/drawing/2014/main" val="1321881185"/>
+                    </a:ext>
+                  </a:extLst>
+                </a:gridCol>
+                <a:gridCol w="2032000">
+                  <a:extLst>
+                    <a:ext uri="{9D8B030D-6E8A-4147-A177-3AD203B41FA5}">
+                      <a16:colId xmlns:a16="http://schemas.microsoft.com/office/drawing/2014/main" val="1957125368"/>
+                    </a:ext>
+                  </a:extLst>
+                </a:gridCol>
+                <a:gridCol w="2032000">
+                  <a:extLst>
+                    <a:ext uri="{9D8B030D-6E8A-4147-A177-3AD203B41FA5}">
+                      <a16:colId xmlns:a16="http://schemas.microsoft.com/office/drawing/2014/main" val="1398280277"/>
+                    </a:ext>
+                  </a:extLst>
+                </a:gridCol>
+              </a:tblGrid>
+              <a:tr h="370840">
+                <a:tc>
+                  <a:txBody>
+                    <a:bodyPr/>
+                    <a:lstStyle/>
+                    <a:p>
+                      <a:endParaRPr lang="zh-CN" altLang="en-US"/>
+                    </a:p>
+                  </a:txBody>
+                  <a:tcPr/>
+                </a:tc>
+                <a:tc>
+                  <a:txBody>
+                    <a:bodyPr/>
+                    <a:lstStyle/>
+                    <a:p>
+                      <a:pPr indent="266700" algn="just"/>
+                      <a:r>
+                        <a:rPr lang="en-US" sz="1800" kern="100" dirty="0">
+                          <a:solidFill>
+                            <a:schemeClr val="tx1"/>
+                          </a:solidFill>
+                          <a:effectLst/>
+                          <a:latin typeface="Times New Roman" panose="02020603050405020304" pitchFamily="18" charset="0"/>
+                          <a:ea typeface="等线" panose="02010600030101010101" pitchFamily="2" charset="-122"/>
+                          <a:cs typeface="Times New Roman" panose="02020603050405020304" pitchFamily="18" charset="0"/>
+                        </a:rPr>
+                        <a:t>Length of the  solution</a:t>
+                      </a:r>
+                      <a:endParaRPr lang="zh-CN" sz="1800" kern="100" dirty="0">
+                        <a:solidFill>
+                          <a:schemeClr val="tx1"/>
+                        </a:solidFill>
+                        <a:effectLst/>
+                        <a:latin typeface="等线" panose="02010600030101010101" pitchFamily="2" charset="-122"/>
+                        <a:ea typeface="等线" panose="02010600030101010101" pitchFamily="2" charset="-122"/>
+                        <a:cs typeface="Times New Roman" panose="02020603050405020304" pitchFamily="18" charset="0"/>
+                      </a:endParaRPr>
+                    </a:p>
+                  </a:txBody>
+                  <a:tcPr marL="68580" marR="68580" marT="0" marB="0"/>
+                </a:tc>
+                <a:tc>
+                  <a:txBody>
+                    <a:bodyPr/>
+                    <a:lstStyle/>
+                    <a:p>
+                      <a:r>
+                        <a:rPr lang="en-US" altLang="zh-CN" sz="1800" b="1" kern="1200" dirty="0">
+                          <a:solidFill>
+                            <a:schemeClr val="tx1"/>
+                          </a:solidFill>
+                          <a:effectLst/>
+                          <a:latin typeface="Times New Roman" panose="02020603050405020304" pitchFamily="18" charset="0"/>
+                          <a:ea typeface="+mn-ea"/>
+                          <a:cs typeface="Times New Roman" panose="02020603050405020304" pitchFamily="18" charset="0"/>
+                        </a:rPr>
+                        <a:t>Length of the search path</a:t>
+                      </a:r>
+                      <a:endParaRPr lang="zh-CN" altLang="en-US" dirty="0">
+                        <a:solidFill>
+                          <a:schemeClr val="tx1"/>
+                        </a:solidFill>
+                        <a:latin typeface="Times New Roman" panose="02020603050405020304" pitchFamily="18" charset="0"/>
+                        <a:cs typeface="Times New Roman" panose="02020603050405020304" pitchFamily="18" charset="0"/>
+                      </a:endParaRPr>
+                    </a:p>
+                  </a:txBody>
+                  <a:tcPr/>
+                </a:tc>
+                <a:tc>
+                  <a:txBody>
+                    <a:bodyPr/>
+                    <a:lstStyle/>
+                    <a:p>
+                      <a:r>
+                        <a:rPr lang="en-US" altLang="zh-CN" sz="1800" b="1" kern="1200" dirty="0">
+                          <a:solidFill>
+                            <a:schemeClr val="tx1"/>
+                          </a:solidFill>
+                          <a:effectLst/>
+                          <a:latin typeface="Times New Roman" panose="02020603050405020304" pitchFamily="18" charset="0"/>
+                          <a:ea typeface="+mn-ea"/>
+                          <a:cs typeface="Times New Roman" panose="02020603050405020304" pitchFamily="18" charset="0"/>
+                        </a:rPr>
+                        <a:t>Execution time</a:t>
+                      </a:r>
+                      <a:endParaRPr lang="zh-CN" altLang="en-US" dirty="0">
+                        <a:solidFill>
+                          <a:schemeClr val="tx1"/>
+                        </a:solidFill>
+                        <a:latin typeface="Times New Roman" panose="02020603050405020304" pitchFamily="18" charset="0"/>
+                        <a:cs typeface="Times New Roman" panose="02020603050405020304" pitchFamily="18" charset="0"/>
+                      </a:endParaRPr>
+                    </a:p>
+                  </a:txBody>
+                  <a:tcPr/>
+                </a:tc>
+                <a:extLst>
+                  <a:ext uri="{0D108BD9-81ED-4DB2-BD59-A6C34878D82A}">
+                    <a16:rowId xmlns:a16="http://schemas.microsoft.com/office/drawing/2014/main" val="1511346691"/>
+                  </a:ext>
+                </a:extLst>
+              </a:tr>
+              <a:tr h="370840">
+                <a:tc>
+                  <a:txBody>
+                    <a:bodyPr/>
+                    <a:lstStyle/>
+                    <a:p>
+                      <a:r>
+                        <a:rPr lang="en-US" altLang="zh-CN" dirty="0"/>
+                        <a:t>UCS</a:t>
+                      </a:r>
+                      <a:endParaRPr lang="zh-CN" altLang="en-US" dirty="0"/>
+                    </a:p>
+                  </a:txBody>
+                  <a:tcPr/>
+                </a:tc>
+                <a:tc>
+                  <a:txBody>
+                    <a:bodyPr/>
+                    <a:lstStyle/>
+                    <a:p>
+                      <a:r>
+                        <a:rPr lang="en-US" altLang="zh-CN" dirty="0"/>
+                        <a:t>10.94</a:t>
+                      </a:r>
+                      <a:endParaRPr lang="zh-CN" altLang="en-US" dirty="0"/>
+                    </a:p>
+                  </a:txBody>
+                  <a:tcPr/>
+                </a:tc>
+                <a:tc>
+                  <a:txBody>
+                    <a:bodyPr/>
+                    <a:lstStyle/>
+                    <a:p>
+                      <a:r>
+                        <a:rPr lang="en-US" altLang="zh-CN" dirty="0"/>
+                        <a:t>920.96</a:t>
+                      </a:r>
+                    </a:p>
+                  </a:txBody>
+                  <a:tcPr/>
+                </a:tc>
+                <a:tc>
+                  <a:txBody>
+                    <a:bodyPr/>
+                    <a:lstStyle/>
+                    <a:p>
+                      <a:r>
+                        <a:rPr lang="en-US" altLang="zh-CN" dirty="0"/>
+                        <a:t>1.175</a:t>
+                      </a:r>
+                      <a:endParaRPr lang="zh-CN" altLang="en-US" dirty="0"/>
+                    </a:p>
+                  </a:txBody>
+                  <a:tcPr/>
+                </a:tc>
+                <a:extLst>
+                  <a:ext uri="{0D108BD9-81ED-4DB2-BD59-A6C34878D82A}">
+                    <a16:rowId xmlns:a16="http://schemas.microsoft.com/office/drawing/2014/main" val="2646573424"/>
+                  </a:ext>
+                </a:extLst>
+              </a:tr>
+              <a:tr h="370840">
+                <a:tc>
+                  <a:txBody>
+                    <a:bodyPr/>
+                    <a:lstStyle/>
+                    <a:p>
+                      <a:r>
+                        <a:rPr lang="en-US" altLang="zh-CN" dirty="0"/>
+                        <a:t>GBFS</a:t>
+                      </a:r>
+                      <a:endParaRPr lang="zh-CN" altLang="en-US" dirty="0"/>
+                    </a:p>
+                  </a:txBody>
+                  <a:tcPr/>
+                </a:tc>
+                <a:tc>
+                  <a:txBody>
+                    <a:bodyPr/>
+                    <a:lstStyle/>
+                    <a:p>
+                      <a:r>
+                        <a:rPr lang="en-US" altLang="zh-CN" dirty="0"/>
+                        <a:t>11.21569</a:t>
+                      </a:r>
+                      <a:endParaRPr lang="zh-CN" altLang="en-US" dirty="0"/>
+                    </a:p>
+                  </a:txBody>
+                  <a:tcPr/>
+                </a:tc>
+                <a:tc>
+                  <a:txBody>
+                    <a:bodyPr/>
+                    <a:lstStyle/>
+                    <a:p>
+                      <a:r>
+                        <a:rPr lang="en-US" altLang="zh-CN" dirty="0"/>
+                        <a:t>211.3</a:t>
+                      </a:r>
+                      <a:endParaRPr lang="zh-CN" altLang="en-US" dirty="0"/>
+                    </a:p>
+                  </a:txBody>
+                  <a:tcPr/>
+                </a:tc>
+                <a:tc>
+                  <a:txBody>
+                    <a:bodyPr/>
+                    <a:lstStyle/>
+                    <a:p>
+                      <a:r>
+                        <a:rPr lang="en-US" altLang="zh-CN" dirty="0"/>
+                        <a:t>0.19615</a:t>
+                      </a:r>
+                      <a:endParaRPr lang="zh-CN" altLang="en-US" dirty="0"/>
+                    </a:p>
+                  </a:txBody>
+                  <a:tcPr/>
+                </a:tc>
+                <a:extLst>
+                  <a:ext uri="{0D108BD9-81ED-4DB2-BD59-A6C34878D82A}">
+                    <a16:rowId xmlns:a16="http://schemas.microsoft.com/office/drawing/2014/main" val="3255453894"/>
+                  </a:ext>
+                </a:extLst>
+              </a:tr>
+              <a:tr h="370840">
+                <a:tc>
+                  <a:txBody>
+                    <a:bodyPr/>
+                    <a:lstStyle/>
+                    <a:p>
+                      <a:r>
+                        <a:rPr lang="en-US" altLang="zh-CN" dirty="0"/>
+                        <a:t>A/A*</a:t>
+                      </a:r>
+                      <a:endParaRPr lang="zh-CN" altLang="en-US" dirty="0"/>
+                    </a:p>
+                  </a:txBody>
+                  <a:tcPr/>
+                </a:tc>
+                <a:tc>
+                  <a:txBody>
+                    <a:bodyPr/>
+                    <a:lstStyle/>
+                    <a:p>
+                      <a:r>
+                        <a:rPr lang="en-US" altLang="zh-CN" dirty="0"/>
+                        <a:t>11.04</a:t>
+                      </a:r>
+                      <a:endParaRPr lang="zh-CN" altLang="en-US" dirty="0"/>
+                    </a:p>
+                  </a:txBody>
+                  <a:tcPr/>
+                </a:tc>
+                <a:tc>
+                  <a:txBody>
+                    <a:bodyPr/>
+                    <a:lstStyle/>
+                    <a:p>
+                      <a:r>
+                        <a:rPr lang="en-US" altLang="zh-CN" dirty="0"/>
+                        <a:t>514.865</a:t>
+                      </a:r>
+                      <a:endParaRPr lang="zh-CN" altLang="en-US" dirty="0"/>
+                    </a:p>
+                  </a:txBody>
+                  <a:tcPr/>
+                </a:tc>
+                <a:tc>
+                  <a:txBody>
+                    <a:bodyPr/>
+                    <a:lstStyle/>
+                    <a:p>
+                      <a:r>
+                        <a:rPr lang="en-US" altLang="zh-CN" dirty="0"/>
+                        <a:t>0.602438</a:t>
+                      </a:r>
+                      <a:endParaRPr lang="zh-CN" altLang="en-US" dirty="0"/>
+                    </a:p>
+                  </a:txBody>
+                  <a:tcPr/>
+                </a:tc>
+                <a:extLst>
+                  <a:ext uri="{0D108BD9-81ED-4DB2-BD59-A6C34878D82A}">
+                    <a16:rowId xmlns:a16="http://schemas.microsoft.com/office/drawing/2014/main" val="2988414774"/>
+                  </a:ext>
+                </a:extLst>
+              </a:tr>
+            </a:tbl>
+          </a:graphicData>
+        </a:graphic>
+      </p:graphicFrame>
     </p:spTree>
     <p:extLst>
       <p:ext uri="{BB962C8B-B14F-4D97-AF65-F5344CB8AC3E}">

--- a/Analysis_sildes.pptx
+++ b/Analysis_sildes.pptx
@@ -11,8 +11,9 @@
     <p:sldId id="259" r:id="rId5"/>
     <p:sldId id="260" r:id="rId6"/>
     <p:sldId id="263" r:id="rId7"/>
-    <p:sldId id="261" r:id="rId8"/>
-    <p:sldId id="262" r:id="rId9"/>
+    <p:sldId id="264" r:id="rId8"/>
+    <p:sldId id="261" r:id="rId9"/>
+    <p:sldId id="262" r:id="rId10"/>
   </p:sldIdLst>
   <p:sldSz cx="12192000" cy="6858000"/>
   <p:notesSz cx="6858000" cy="9144000"/>
@@ -8536,6 +8537,126 @@
           <a:chExt cx="0" cy="0"/>
         </a:xfrm>
       </p:grpSpPr>
+      <p:sp>
+        <p:nvSpPr>
+          <p:cNvPr id="5" name="文本框 4">
+            <a:extLst>
+              <a:ext uri="{FF2B5EF4-FFF2-40B4-BE49-F238E27FC236}">
+                <a16:creationId xmlns:a16="http://schemas.microsoft.com/office/drawing/2014/main" id="{06910295-2BE7-4840-048A-FC3367541F72}"/>
+              </a:ext>
+            </a:extLst>
+          </p:cNvPr>
+          <p:cNvSpPr txBox="1"/>
+          <p:nvPr/>
+        </p:nvSpPr>
+        <p:spPr>
+          <a:xfrm>
+            <a:off x="2991775" y="4607511"/>
+            <a:ext cx="3681274" cy="1200329"/>
+          </a:xfrm>
+          <a:prstGeom prst="rect">
+            <a:avLst/>
+          </a:prstGeom>
+          <a:noFill/>
+        </p:spPr>
+        <p:txBody>
+          <a:bodyPr wrap="square" rtlCol="0">
+            <a:spAutoFit/>
+          </a:bodyPr>
+          <a:lstStyle/>
+          <a:p>
+            <a:r>
+              <a:rPr lang="en-US" altLang="zh-CN" sz="1800" kern="100" dirty="0">
+                <a:effectLst/>
+                <a:latin typeface="Times New Roman" panose="02020603050405020304" pitchFamily="18" charset="0"/>
+                <a:ea typeface="等线" panose="02010600030101010101" pitchFamily="2" charset="-122"/>
+                <a:cs typeface="Times New Roman" panose="02020603050405020304" pitchFamily="18" charset="0"/>
+              </a:rPr>
+              <a:t>If h is not admissible, it will cause the A algorithm to return a solution that is not optimal. It is like the next data.</a:t>
+            </a:r>
+            <a:endParaRPr lang="zh-CN" altLang="zh-CN" sz="1800" kern="100" dirty="0">
+              <a:effectLst/>
+              <a:latin typeface="等线" panose="02010600030101010101" pitchFamily="2" charset="-122"/>
+              <a:ea typeface="等线" panose="02010600030101010101" pitchFamily="2" charset="-122"/>
+              <a:cs typeface="Times New Roman" panose="02020603050405020304" pitchFamily="18" charset="0"/>
+            </a:endParaRPr>
+          </a:p>
+          <a:p>
+            <a:endParaRPr lang="zh-CN" altLang="en-US" dirty="0"/>
+          </a:p>
+        </p:txBody>
+      </p:sp>
+      <p:pic>
+        <p:nvPicPr>
+          <p:cNvPr id="6" name="Picture 2" descr="Table&#10;&#10;Description automatically generated with medium confidence">
+            <a:extLst>
+              <a:ext uri="{FF2B5EF4-FFF2-40B4-BE49-F238E27FC236}">
+                <a16:creationId xmlns:a16="http://schemas.microsoft.com/office/drawing/2014/main" id="{4D9B4ADB-613B-42A6-3AA2-B9341C405B65}"/>
+              </a:ext>
+            </a:extLst>
+          </p:cNvPr>
+          <p:cNvPicPr>
+            <a:picLocks noChangeAspect="1"/>
+          </p:cNvPicPr>
+          <p:nvPr/>
+        </p:nvPicPr>
+        <p:blipFill>
+          <a:blip r:embed="rId2" cstate="print">
+            <a:extLst>
+              <a:ext uri="{28A0092B-C50C-407E-A947-70E740481C1C}">
+                <a14:useLocalDpi xmlns:a14="http://schemas.microsoft.com/office/drawing/2010/main" val="0"/>
+              </a:ext>
+            </a:extLst>
+          </a:blip>
+          <a:srcRect/>
+          <a:stretch>
+            <a:fillRect/>
+          </a:stretch>
+        </p:blipFill>
+        <p:spPr bwMode="auto">
+          <a:xfrm>
+            <a:off x="3758010" y="2250489"/>
+            <a:ext cx="1817370" cy="1838325"/>
+          </a:xfrm>
+          <a:prstGeom prst="rect">
+            <a:avLst/>
+          </a:prstGeom>
+          <a:noFill/>
+          <a:ln>
+            <a:noFill/>
+          </a:ln>
+        </p:spPr>
+      </p:pic>
+    </p:spTree>
+    <p:extLst>
+      <p:ext uri="{BB962C8B-B14F-4D97-AF65-F5344CB8AC3E}">
+        <p14:creationId xmlns:p14="http://schemas.microsoft.com/office/powerpoint/2010/main" val="703491428"/>
+      </p:ext>
+    </p:extLst>
+  </p:cSld>
+  <p:clrMapOvr>
+    <a:masterClrMapping/>
+  </p:clrMapOvr>
+</p:sld>
+</file>
+
+<file path=ppt/slides/slide8.xml><?xml version="1.0" encoding="utf-8"?>
+<p:sld xmlns:a="http://schemas.openxmlformats.org/drawingml/2006/main" xmlns:r="http://schemas.openxmlformats.org/officeDocument/2006/relationships" xmlns:p="http://schemas.openxmlformats.org/presentationml/2006/main">
+  <p:cSld>
+    <p:spTree>
+      <p:nvGrpSpPr>
+        <p:cNvPr id="1" name=""/>
+        <p:cNvGrpSpPr/>
+        <p:nvPr/>
+      </p:nvGrpSpPr>
+      <p:grpSpPr>
+        <a:xfrm>
+          <a:off x="0" y="0"/>
+          <a:ext cx="0" cy="0"/>
+          <a:chOff x="0" y="0"/>
+          <a:chExt cx="0" cy="0"/>
+        </a:xfrm>
+      </p:grpSpPr>
       <p:pic>
         <p:nvPicPr>
           <p:cNvPr id="6" name="图片 5">
@@ -8679,7 +8800,7 @@
 </p:sld>
 </file>
 
-<file path=ppt/slides/slide8.xml><?xml version="1.0" encoding="utf-8"?>
+<file path=ppt/slides/slide9.xml><?xml version="1.0" encoding="utf-8"?>
 <p:sld xmlns:a="http://schemas.openxmlformats.org/drawingml/2006/main" xmlns:r="http://schemas.openxmlformats.org/officeDocument/2006/relationships" xmlns:p="http://schemas.openxmlformats.org/presentationml/2006/main">
   <p:cSld>
     <p:spTree>

--- a/Analysis_sildes.pptx
+++ b/Analysis_sildes.pptx
@@ -123,7 +123,7 @@
 <file path=ppt/charts/chart1.xml><?xml version="1.0" encoding="utf-8"?>
 <c:chartSpace xmlns:c="http://schemas.openxmlformats.org/drawingml/2006/chart" xmlns:a="http://schemas.openxmlformats.org/drawingml/2006/main" xmlns:r="http://schemas.openxmlformats.org/officeDocument/2006/relationships" xmlns:c16r2="http://schemas.microsoft.com/office/drawing/2015/06/chart">
   <c:date1904 val="0"/>
-  <c:lang val="zh-CN"/>
+  <c:lang val="en-US"/>
   <c:roundedCorners val="0"/>
   <mc:AlternateContent xmlns:mc="http://schemas.openxmlformats.org/markup-compatibility/2006">
     <mc:Choice xmlns:c14="http://schemas.microsoft.com/office/drawing/2007/8/2/chart" Requires="c14">
@@ -190,7 +190,7 @@
               <a:cs typeface="+mn-cs"/>
             </a:defRPr>
           </a:pPr>
-          <a:endParaRPr lang="zh-CN"/>
+          <a:endParaRPr lang="en-US"/>
         </a:p>
       </c:txPr>
     </c:title>
@@ -424,7 +424,7 @@
                 <a:cs typeface="+mn-cs"/>
               </a:defRPr>
             </a:pPr>
-            <a:endParaRPr lang="zh-CN"/>
+            <a:endParaRPr lang="en-US"/>
           </a:p>
         </c:txPr>
         <c:crossAx val="464777856"/>
@@ -483,7 +483,7 @@
                 <a:cs typeface="+mn-cs"/>
               </a:defRPr>
             </a:pPr>
-            <a:endParaRPr lang="zh-CN"/>
+            <a:endParaRPr lang="en-US"/>
           </a:p>
         </c:txPr>
         <c:crossAx val="472969712"/>
@@ -525,7 +525,7 @@
               <a:cs typeface="+mn-cs"/>
             </a:defRPr>
           </a:pPr>
-          <a:endParaRPr lang="zh-CN"/>
+          <a:endParaRPr lang="en-US"/>
         </a:p>
       </c:txPr>
     </c:legend>
@@ -554,7 +554,7 @@
       <a:pPr>
         <a:defRPr/>
       </a:pPr>
-      <a:endParaRPr lang="zh-CN"/>
+      <a:endParaRPr lang="en-US"/>
     </a:p>
   </c:txPr>
   <c:externalData r:id="rId3">
@@ -566,7 +566,7 @@
 <file path=ppt/charts/chart2.xml><?xml version="1.0" encoding="utf-8"?>
 <c:chartSpace xmlns:c="http://schemas.openxmlformats.org/drawingml/2006/chart" xmlns:a="http://schemas.openxmlformats.org/drawingml/2006/main" xmlns:r="http://schemas.openxmlformats.org/officeDocument/2006/relationships" xmlns:c16r2="http://schemas.microsoft.com/office/drawing/2015/06/chart">
   <c:date1904 val="0"/>
-  <c:lang val="zh-CN"/>
+  <c:lang val="en-US"/>
   <c:roundedCorners val="0"/>
   <mc:AlternateContent xmlns:mc="http://schemas.openxmlformats.org/markup-compatibility/2006">
     <mc:Choice xmlns:c14="http://schemas.microsoft.com/office/drawing/2007/8/2/chart" Requires="c14">
@@ -797,7 +797,7 @@
                 <a:cs typeface="+mn-cs"/>
               </a:defRPr>
             </a:pPr>
-            <a:endParaRPr lang="zh-CN"/>
+            <a:endParaRPr lang="en-US"/>
           </a:p>
         </c:txPr>
         <c:crossAx val="644449056"/>
@@ -856,7 +856,7 @@
                 <a:cs typeface="+mn-cs"/>
               </a:defRPr>
             </a:pPr>
-            <a:endParaRPr lang="zh-CN"/>
+            <a:endParaRPr lang="en-US"/>
           </a:p>
         </c:txPr>
         <c:crossAx val="644449712"/>
@@ -898,7 +898,7 @@
               <a:cs typeface="+mn-cs"/>
             </a:defRPr>
           </a:pPr>
-          <a:endParaRPr lang="zh-CN"/>
+          <a:endParaRPr lang="en-US"/>
         </a:p>
       </c:txPr>
     </c:legend>
@@ -927,7 +927,7 @@
       <a:pPr>
         <a:defRPr/>
       </a:pPr>
-      <a:endParaRPr lang="zh-CN"/>
+      <a:endParaRPr lang="en-US"/>
     </a:p>
   </c:txPr>
   <c:externalData r:id="rId3">
@@ -7781,6 +7781,790 @@
           <a:chExt cx="0" cy="0"/>
         </a:xfrm>
       </p:grpSpPr>
+      <p:grpSp>
+        <p:nvGrpSpPr>
+          <p:cNvPr id="12" name="Group 11">
+            <a:extLst>
+              <a:ext uri="{FF2B5EF4-FFF2-40B4-BE49-F238E27FC236}">
+                <a16:creationId xmlns:a16="http://schemas.microsoft.com/office/drawing/2014/main" id="{10BE40E3-5550-4CDD-B4FD-387C33EBF157}"/>
+              </a:ext>
+              <a:ext uri="{C183D7F6-B498-43B3-948B-1728B52AA6E4}">
+                <adec:decorative xmlns:adec="http://schemas.microsoft.com/office/drawing/2017/decorative" val="1"/>
+              </a:ext>
+            </a:extLst>
+          </p:cNvPr>
+          <p:cNvGrpSpPr>
+            <a:grpSpLocks noGrp="1" noUngrp="1" noRot="1" noChangeAspect="1" noMove="1" noResize="1"/>
+          </p:cNvGrpSpPr>
+          <p:nvPr>
+            <p:extLst>
+              <p:ext uri="{386F3935-93C4-4BCD-93E2-E3B085C9AB24}">
+                <p16:designElem xmlns:p16="http://schemas.microsoft.com/office/powerpoint/2015/main" val="1"/>
+              </p:ext>
+            </p:extLst>
+          </p:nvPr>
+        </p:nvGrpSpPr>
+        <p:grpSpPr>
+          <a:xfrm>
+            <a:off x="0" y="-8467"/>
+            <a:ext cx="12192000" cy="6866467"/>
+            <a:chOff x="0" y="-8467"/>
+            <a:chExt cx="12192000" cy="6866467"/>
+          </a:xfrm>
+        </p:grpSpPr>
+        <p:cxnSp>
+          <p:nvCxnSpPr>
+            <p:cNvPr id="13" name="Straight Connector 12">
+              <a:extLst>
+                <a:ext uri="{FF2B5EF4-FFF2-40B4-BE49-F238E27FC236}">
+                  <a16:creationId xmlns:a16="http://schemas.microsoft.com/office/drawing/2014/main" id="{71A6B738-E50C-4653-B343-B9D6A5EA2771}"/>
+                </a:ext>
+                <a:ext uri="{C183D7F6-B498-43B3-948B-1728B52AA6E4}">
+                  <adec:decorative xmlns:adec="http://schemas.microsoft.com/office/drawing/2017/decorative" val="1"/>
+                </a:ext>
+              </a:extLst>
+            </p:cNvPr>
+            <p:cNvCxnSpPr/>
+            <p:nvPr>
+              <p:extLst>
+                <p:ext uri="{386F3935-93C4-4BCD-93E2-E3B085C9AB24}">
+                  <p16:designElem xmlns:p16="http://schemas.microsoft.com/office/powerpoint/2015/main" val="1"/>
+                </p:ext>
+              </p:extLst>
+            </p:nvPr>
+          </p:nvCxnSpPr>
+          <p:spPr>
+            <a:xfrm>
+              <a:off x="9371012" y="0"/>
+              <a:ext cx="1219200" cy="6858000"/>
+            </a:xfrm>
+            <a:prstGeom prst="line">
+              <a:avLst/>
+            </a:prstGeom>
+            <a:ln w="9525">
+              <a:solidFill>
+                <a:schemeClr val="bg1">
+                  <a:lumMod val="75000"/>
+                </a:schemeClr>
+              </a:solidFill>
+            </a:ln>
+          </p:spPr>
+          <p:style>
+            <a:lnRef idx="2">
+              <a:schemeClr val="accent1"/>
+            </a:lnRef>
+            <a:fillRef idx="0">
+              <a:schemeClr val="accent1"/>
+            </a:fillRef>
+            <a:effectRef idx="1">
+              <a:schemeClr val="accent1"/>
+            </a:effectRef>
+            <a:fontRef idx="minor">
+              <a:schemeClr val="tx1"/>
+            </a:fontRef>
+          </p:style>
+        </p:cxnSp>
+        <p:cxnSp>
+          <p:nvCxnSpPr>
+            <p:cNvPr id="14" name="Straight Connector 13">
+              <a:extLst>
+                <a:ext uri="{FF2B5EF4-FFF2-40B4-BE49-F238E27FC236}">
+                  <a16:creationId xmlns:a16="http://schemas.microsoft.com/office/drawing/2014/main" id="{498768D6-B28C-40A3-B381-39306F5816D5}"/>
+                </a:ext>
+                <a:ext uri="{C183D7F6-B498-43B3-948B-1728B52AA6E4}">
+                  <adec:decorative xmlns:adec="http://schemas.microsoft.com/office/drawing/2017/decorative" val="1"/>
+                </a:ext>
+              </a:extLst>
+            </p:cNvPr>
+            <p:cNvCxnSpPr/>
+            <p:nvPr>
+              <p:extLst>
+                <p:ext uri="{386F3935-93C4-4BCD-93E2-E3B085C9AB24}">
+                  <p16:designElem xmlns:p16="http://schemas.microsoft.com/office/powerpoint/2015/main" val="1"/>
+                </p:ext>
+              </p:extLst>
+            </p:nvPr>
+          </p:nvCxnSpPr>
+          <p:spPr>
+            <a:xfrm flipH="1">
+              <a:off x="7425267" y="3681413"/>
+              <a:ext cx="4763558" cy="3176587"/>
+            </a:xfrm>
+            <a:prstGeom prst="line">
+              <a:avLst/>
+            </a:prstGeom>
+            <a:ln w="9525">
+              <a:solidFill>
+                <a:schemeClr val="bg1">
+                  <a:lumMod val="85000"/>
+                </a:schemeClr>
+              </a:solidFill>
+            </a:ln>
+          </p:spPr>
+          <p:style>
+            <a:lnRef idx="2">
+              <a:schemeClr val="accent1"/>
+            </a:lnRef>
+            <a:fillRef idx="0">
+              <a:schemeClr val="accent1"/>
+            </a:fillRef>
+            <a:effectRef idx="1">
+              <a:schemeClr val="accent1"/>
+            </a:effectRef>
+            <a:fontRef idx="minor">
+              <a:schemeClr val="tx1"/>
+            </a:fontRef>
+          </p:style>
+        </p:cxnSp>
+        <p:sp>
+          <p:nvSpPr>
+            <p:cNvPr id="15" name="Rectangle 23">
+              <a:extLst>
+                <a:ext uri="{FF2B5EF4-FFF2-40B4-BE49-F238E27FC236}">
+                  <a16:creationId xmlns:a16="http://schemas.microsoft.com/office/drawing/2014/main" id="{B27C15B9-7795-4321-AB30-DF1DEF65C19E}"/>
+                </a:ext>
+                <a:ext uri="{C183D7F6-B498-43B3-948B-1728B52AA6E4}">
+                  <adec:decorative xmlns:adec="http://schemas.microsoft.com/office/drawing/2017/decorative" val="1"/>
+                </a:ext>
+              </a:extLst>
+            </p:cNvPr>
+            <p:cNvSpPr/>
+            <p:nvPr>
+              <p:extLst>
+                <p:ext uri="{386F3935-93C4-4BCD-93E2-E3B085C9AB24}">
+                  <p16:designElem xmlns:p16="http://schemas.microsoft.com/office/powerpoint/2015/main" val="1"/>
+                </p:ext>
+              </p:extLst>
+            </p:nvPr>
+          </p:nvSpPr>
+          <p:spPr>
+            <a:xfrm>
+              <a:off x="9181476" y="-8467"/>
+              <a:ext cx="3007349" cy="6866467"/>
+            </a:xfrm>
+            <a:custGeom>
+              <a:avLst/>
+              <a:gdLst/>
+              <a:ahLst/>
+              <a:cxnLst/>
+              <a:rect l="l" t="t" r="r" b="b"/>
+              <a:pathLst>
+                <a:path w="3007349" h="6866467">
+                  <a:moveTo>
+                    <a:pt x="2045532" y="0"/>
+                  </a:moveTo>
+                  <a:lnTo>
+                    <a:pt x="3007349" y="0"/>
+                  </a:lnTo>
+                  <a:lnTo>
+                    <a:pt x="3007349" y="6866467"/>
+                  </a:lnTo>
+                  <a:lnTo>
+                    <a:pt x="0" y="6866467"/>
+                  </a:lnTo>
+                  <a:lnTo>
+                    <a:pt x="2045532" y="0"/>
+                  </a:lnTo>
+                  <a:close/>
+                </a:path>
+              </a:pathLst>
+            </a:custGeom>
+            <a:solidFill>
+              <a:schemeClr val="accent1">
+                <a:alpha val="30000"/>
+              </a:schemeClr>
+            </a:solidFill>
+            <a:ln>
+              <a:noFill/>
+            </a:ln>
+            <a:effectLst/>
+          </p:spPr>
+          <p:style>
+            <a:lnRef idx="1">
+              <a:schemeClr val="accent1"/>
+            </a:lnRef>
+            <a:fillRef idx="3">
+              <a:schemeClr val="accent1"/>
+            </a:fillRef>
+            <a:effectRef idx="2">
+              <a:schemeClr val="accent1"/>
+            </a:effectRef>
+            <a:fontRef idx="minor">
+              <a:schemeClr val="lt1"/>
+            </a:fontRef>
+          </p:style>
+        </p:sp>
+        <p:sp>
+          <p:nvSpPr>
+            <p:cNvPr id="16" name="Rectangle 25">
+              <a:extLst>
+                <a:ext uri="{FF2B5EF4-FFF2-40B4-BE49-F238E27FC236}">
+                  <a16:creationId xmlns:a16="http://schemas.microsoft.com/office/drawing/2014/main" id="{578EC957-1F3F-4C00-B023-C8725C2171CB}"/>
+                </a:ext>
+                <a:ext uri="{C183D7F6-B498-43B3-948B-1728B52AA6E4}">
+                  <adec:decorative xmlns:adec="http://schemas.microsoft.com/office/drawing/2017/decorative" val="1"/>
+                </a:ext>
+              </a:extLst>
+            </p:cNvPr>
+            <p:cNvSpPr/>
+            <p:nvPr>
+              <p:extLst>
+                <p:ext uri="{386F3935-93C4-4BCD-93E2-E3B085C9AB24}">
+                  <p16:designElem xmlns:p16="http://schemas.microsoft.com/office/powerpoint/2015/main" val="1"/>
+                </p:ext>
+              </p:extLst>
+            </p:nvPr>
+          </p:nvSpPr>
+          <p:spPr>
+            <a:xfrm>
+              <a:off x="9603442" y="-8467"/>
+              <a:ext cx="2588558" cy="6866467"/>
+            </a:xfrm>
+            <a:custGeom>
+              <a:avLst/>
+              <a:gdLst/>
+              <a:ahLst/>
+              <a:cxnLst/>
+              <a:rect l="l" t="t" r="r" b="b"/>
+              <a:pathLst>
+                <a:path w="2573311" h="6866467">
+                  <a:moveTo>
+                    <a:pt x="0" y="0"/>
+                  </a:moveTo>
+                  <a:lnTo>
+                    <a:pt x="2573311" y="0"/>
+                  </a:lnTo>
+                  <a:lnTo>
+                    <a:pt x="2573311" y="6866467"/>
+                  </a:lnTo>
+                  <a:lnTo>
+                    <a:pt x="1202336" y="6866467"/>
+                  </a:lnTo>
+                  <a:lnTo>
+                    <a:pt x="0" y="0"/>
+                  </a:lnTo>
+                  <a:close/>
+                </a:path>
+              </a:pathLst>
+            </a:custGeom>
+            <a:solidFill>
+              <a:schemeClr val="accent1">
+                <a:alpha val="20000"/>
+              </a:schemeClr>
+            </a:solidFill>
+            <a:ln>
+              <a:noFill/>
+            </a:ln>
+            <a:effectLst/>
+          </p:spPr>
+          <p:style>
+            <a:lnRef idx="1">
+              <a:schemeClr val="accent1"/>
+            </a:lnRef>
+            <a:fillRef idx="3">
+              <a:schemeClr val="accent1"/>
+            </a:fillRef>
+            <a:effectRef idx="2">
+              <a:schemeClr val="accent1"/>
+            </a:effectRef>
+            <a:fontRef idx="minor">
+              <a:schemeClr val="lt1"/>
+            </a:fontRef>
+          </p:style>
+        </p:sp>
+        <p:sp>
+          <p:nvSpPr>
+            <p:cNvPr id="17" name="Isosceles Triangle 16">
+              <a:extLst>
+                <a:ext uri="{FF2B5EF4-FFF2-40B4-BE49-F238E27FC236}">
+                  <a16:creationId xmlns:a16="http://schemas.microsoft.com/office/drawing/2014/main" id="{3D642632-BBD5-46D6-A91D-9B2BF68219B7}"/>
+                </a:ext>
+                <a:ext uri="{C183D7F6-B498-43B3-948B-1728B52AA6E4}">
+                  <adec:decorative xmlns:adec="http://schemas.microsoft.com/office/drawing/2017/decorative" val="1"/>
+                </a:ext>
+              </a:extLst>
+            </p:cNvPr>
+            <p:cNvSpPr/>
+            <p:nvPr>
+              <p:extLst>
+                <p:ext uri="{386F3935-93C4-4BCD-93E2-E3B085C9AB24}">
+                  <p16:designElem xmlns:p16="http://schemas.microsoft.com/office/powerpoint/2015/main" val="1"/>
+                </p:ext>
+              </p:extLst>
+            </p:nvPr>
+          </p:nvSpPr>
+          <p:spPr>
+            <a:xfrm>
+              <a:off x="8932333" y="3048000"/>
+              <a:ext cx="3259667" cy="3810000"/>
+            </a:xfrm>
+            <a:prstGeom prst="triangle">
+              <a:avLst>
+                <a:gd name="adj" fmla="val 100000"/>
+              </a:avLst>
+            </a:prstGeom>
+            <a:solidFill>
+              <a:schemeClr val="accent2">
+                <a:alpha val="72000"/>
+              </a:schemeClr>
+            </a:solidFill>
+            <a:ln>
+              <a:noFill/>
+            </a:ln>
+            <a:effectLst/>
+          </p:spPr>
+          <p:style>
+            <a:lnRef idx="1">
+              <a:schemeClr val="accent1"/>
+            </a:lnRef>
+            <a:fillRef idx="3">
+              <a:schemeClr val="accent1"/>
+            </a:fillRef>
+            <a:effectRef idx="2">
+              <a:schemeClr val="accent1"/>
+            </a:effectRef>
+            <a:fontRef idx="minor">
+              <a:schemeClr val="lt1"/>
+            </a:fontRef>
+          </p:style>
+        </p:sp>
+        <p:sp>
+          <p:nvSpPr>
+            <p:cNvPr id="18" name="Rectangle 27">
+              <a:extLst>
+                <a:ext uri="{FF2B5EF4-FFF2-40B4-BE49-F238E27FC236}">
+                  <a16:creationId xmlns:a16="http://schemas.microsoft.com/office/drawing/2014/main" id="{BF9D518D-AFF5-4DE2-AEE2-0EC15479A9AF}"/>
+                </a:ext>
+                <a:ext uri="{C183D7F6-B498-43B3-948B-1728B52AA6E4}">
+                  <adec:decorative xmlns:adec="http://schemas.microsoft.com/office/drawing/2017/decorative" val="1"/>
+                </a:ext>
+              </a:extLst>
+            </p:cNvPr>
+            <p:cNvSpPr/>
+            <p:nvPr>
+              <p:extLst>
+                <p:ext uri="{386F3935-93C4-4BCD-93E2-E3B085C9AB24}">
+                  <p16:designElem xmlns:p16="http://schemas.microsoft.com/office/powerpoint/2015/main" val="1"/>
+                </p:ext>
+              </p:extLst>
+            </p:nvPr>
+          </p:nvSpPr>
+          <p:spPr>
+            <a:xfrm>
+              <a:off x="9334500" y="-8467"/>
+              <a:ext cx="2854326" cy="6866467"/>
+            </a:xfrm>
+            <a:custGeom>
+              <a:avLst/>
+              <a:gdLst/>
+              <a:ahLst/>
+              <a:cxnLst/>
+              <a:rect l="l" t="t" r="r" b="b"/>
+              <a:pathLst>
+                <a:path w="2858013" h="6866467">
+                  <a:moveTo>
+                    <a:pt x="0" y="0"/>
+                  </a:moveTo>
+                  <a:lnTo>
+                    <a:pt x="2858013" y="0"/>
+                  </a:lnTo>
+                  <a:lnTo>
+                    <a:pt x="2858013" y="6866467"/>
+                  </a:lnTo>
+                  <a:lnTo>
+                    <a:pt x="2473942" y="6866467"/>
+                  </a:lnTo>
+                  <a:lnTo>
+                    <a:pt x="0" y="0"/>
+                  </a:lnTo>
+                  <a:close/>
+                </a:path>
+              </a:pathLst>
+            </a:custGeom>
+            <a:solidFill>
+              <a:schemeClr val="accent2">
+                <a:lumMod val="75000"/>
+                <a:alpha val="70000"/>
+              </a:schemeClr>
+            </a:solidFill>
+            <a:ln>
+              <a:noFill/>
+            </a:ln>
+            <a:effectLst/>
+          </p:spPr>
+          <p:style>
+            <a:lnRef idx="1">
+              <a:schemeClr val="accent1"/>
+            </a:lnRef>
+            <a:fillRef idx="3">
+              <a:schemeClr val="accent1"/>
+            </a:fillRef>
+            <a:effectRef idx="2">
+              <a:schemeClr val="accent1"/>
+            </a:effectRef>
+            <a:fontRef idx="minor">
+              <a:schemeClr val="lt1"/>
+            </a:fontRef>
+          </p:style>
+        </p:sp>
+        <p:sp>
+          <p:nvSpPr>
+            <p:cNvPr id="19" name="Rectangle 28">
+              <a:extLst>
+                <a:ext uri="{FF2B5EF4-FFF2-40B4-BE49-F238E27FC236}">
+                  <a16:creationId xmlns:a16="http://schemas.microsoft.com/office/drawing/2014/main" id="{14EF979B-B00D-460C-BD56-7EEAFB7E0F98}"/>
+                </a:ext>
+                <a:ext uri="{C183D7F6-B498-43B3-948B-1728B52AA6E4}">
+                  <adec:decorative xmlns:adec="http://schemas.microsoft.com/office/drawing/2017/decorative" val="1"/>
+                </a:ext>
+              </a:extLst>
+            </p:cNvPr>
+            <p:cNvSpPr/>
+            <p:nvPr>
+              <p:extLst>
+                <p:ext uri="{386F3935-93C4-4BCD-93E2-E3B085C9AB24}">
+                  <p16:designElem xmlns:p16="http://schemas.microsoft.com/office/powerpoint/2015/main" val="1"/>
+                </p:ext>
+              </p:extLst>
+            </p:nvPr>
+          </p:nvSpPr>
+          <p:spPr>
+            <a:xfrm>
+              <a:off x="10898730" y="-8467"/>
+              <a:ext cx="1290094" cy="6866467"/>
+            </a:xfrm>
+            <a:custGeom>
+              <a:avLst/>
+              <a:gdLst/>
+              <a:ahLst/>
+              <a:cxnLst/>
+              <a:rect l="l" t="t" r="r" b="b"/>
+              <a:pathLst>
+                <a:path w="1290094" h="6858000">
+                  <a:moveTo>
+                    <a:pt x="1019735" y="0"/>
+                  </a:moveTo>
+                  <a:lnTo>
+                    <a:pt x="1290094" y="0"/>
+                  </a:lnTo>
+                  <a:lnTo>
+                    <a:pt x="1290094" y="6858000"/>
+                  </a:lnTo>
+                  <a:lnTo>
+                    <a:pt x="0" y="6858000"/>
+                  </a:lnTo>
+                  <a:lnTo>
+                    <a:pt x="1019735" y="0"/>
+                  </a:lnTo>
+                  <a:close/>
+                </a:path>
+              </a:pathLst>
+            </a:custGeom>
+            <a:solidFill>
+              <a:schemeClr val="accent1">
+                <a:lumMod val="60000"/>
+                <a:lumOff val="40000"/>
+                <a:alpha val="70000"/>
+              </a:schemeClr>
+            </a:solidFill>
+            <a:ln>
+              <a:noFill/>
+            </a:ln>
+            <a:effectLst/>
+          </p:spPr>
+          <p:style>
+            <a:lnRef idx="1">
+              <a:schemeClr val="accent1"/>
+            </a:lnRef>
+            <a:fillRef idx="3">
+              <a:schemeClr val="accent1"/>
+            </a:fillRef>
+            <a:effectRef idx="2">
+              <a:schemeClr val="accent1"/>
+            </a:effectRef>
+            <a:fontRef idx="minor">
+              <a:schemeClr val="lt1"/>
+            </a:fontRef>
+          </p:style>
+        </p:sp>
+        <p:sp>
+          <p:nvSpPr>
+            <p:cNvPr id="20" name="Rectangle 29">
+              <a:extLst>
+                <a:ext uri="{FF2B5EF4-FFF2-40B4-BE49-F238E27FC236}">
+                  <a16:creationId xmlns:a16="http://schemas.microsoft.com/office/drawing/2014/main" id="{3E40F9A1-6B82-400F-9397-26D1D36F1F04}"/>
+                </a:ext>
+                <a:ext uri="{C183D7F6-B498-43B3-948B-1728B52AA6E4}">
+                  <adec:decorative xmlns:adec="http://schemas.microsoft.com/office/drawing/2017/decorative" val="1"/>
+                </a:ext>
+              </a:extLst>
+            </p:cNvPr>
+            <p:cNvSpPr/>
+            <p:nvPr>
+              <p:extLst>
+                <p:ext uri="{386F3935-93C4-4BCD-93E2-E3B085C9AB24}">
+                  <p16:designElem xmlns:p16="http://schemas.microsoft.com/office/powerpoint/2015/main" val="1"/>
+                </p:ext>
+              </p:extLst>
+            </p:nvPr>
+          </p:nvSpPr>
+          <p:spPr>
+            <a:xfrm>
+              <a:off x="10938999" y="-8467"/>
+              <a:ext cx="1249825" cy="6866467"/>
+            </a:xfrm>
+            <a:custGeom>
+              <a:avLst/>
+              <a:gdLst/>
+              <a:ahLst/>
+              <a:cxnLst/>
+              <a:rect l="l" t="t" r="r" b="b"/>
+              <a:pathLst>
+                <a:path w="1249825" h="6858000">
+                  <a:moveTo>
+                    <a:pt x="0" y="0"/>
+                  </a:moveTo>
+                  <a:lnTo>
+                    <a:pt x="1249825" y="0"/>
+                  </a:lnTo>
+                  <a:lnTo>
+                    <a:pt x="1249825" y="6858000"/>
+                  </a:lnTo>
+                  <a:lnTo>
+                    <a:pt x="1109382" y="6858000"/>
+                  </a:lnTo>
+                  <a:lnTo>
+                    <a:pt x="0" y="0"/>
+                  </a:lnTo>
+                  <a:close/>
+                </a:path>
+              </a:pathLst>
+            </a:custGeom>
+            <a:solidFill>
+              <a:schemeClr val="accent1">
+                <a:alpha val="65000"/>
+              </a:schemeClr>
+            </a:solidFill>
+            <a:ln>
+              <a:noFill/>
+            </a:ln>
+            <a:effectLst/>
+          </p:spPr>
+          <p:style>
+            <a:lnRef idx="1">
+              <a:schemeClr val="accent1"/>
+            </a:lnRef>
+            <a:fillRef idx="3">
+              <a:schemeClr val="accent1"/>
+            </a:fillRef>
+            <a:effectRef idx="2">
+              <a:schemeClr val="accent1"/>
+            </a:effectRef>
+            <a:fontRef idx="minor">
+              <a:schemeClr val="lt1"/>
+            </a:fontRef>
+          </p:style>
+        </p:sp>
+        <p:sp>
+          <p:nvSpPr>
+            <p:cNvPr id="21" name="Isosceles Triangle 20">
+              <a:extLst>
+                <a:ext uri="{FF2B5EF4-FFF2-40B4-BE49-F238E27FC236}">
+                  <a16:creationId xmlns:a16="http://schemas.microsoft.com/office/drawing/2014/main" id="{2EF7DDF1-FF86-4CA4-B08B-8939557EBDB3}"/>
+                </a:ext>
+                <a:ext uri="{C183D7F6-B498-43B3-948B-1728B52AA6E4}">
+                  <adec:decorative xmlns:adec="http://schemas.microsoft.com/office/drawing/2017/decorative" val="1"/>
+                </a:ext>
+              </a:extLst>
+            </p:cNvPr>
+            <p:cNvSpPr/>
+            <p:nvPr>
+              <p:extLst>
+                <p:ext uri="{386F3935-93C4-4BCD-93E2-E3B085C9AB24}">
+                  <p16:designElem xmlns:p16="http://schemas.microsoft.com/office/powerpoint/2015/main" val="1"/>
+                </p:ext>
+              </p:extLst>
+            </p:nvPr>
+          </p:nvSpPr>
+          <p:spPr>
+            <a:xfrm>
+              <a:off x="10371666" y="3589867"/>
+              <a:ext cx="1817159" cy="3268133"/>
+            </a:xfrm>
+            <a:prstGeom prst="triangle">
+              <a:avLst>
+                <a:gd name="adj" fmla="val 100000"/>
+              </a:avLst>
+            </a:prstGeom>
+            <a:solidFill>
+              <a:schemeClr val="accent1">
+                <a:alpha val="80000"/>
+              </a:schemeClr>
+            </a:solidFill>
+            <a:ln>
+              <a:noFill/>
+            </a:ln>
+            <a:effectLst/>
+          </p:spPr>
+          <p:style>
+            <a:lnRef idx="1">
+              <a:schemeClr val="accent1"/>
+            </a:lnRef>
+            <a:fillRef idx="3">
+              <a:schemeClr val="accent1"/>
+            </a:fillRef>
+            <a:effectRef idx="2">
+              <a:schemeClr val="accent1"/>
+            </a:effectRef>
+            <a:fontRef idx="minor">
+              <a:schemeClr val="lt1"/>
+            </a:fontRef>
+          </p:style>
+        </p:sp>
+        <p:sp>
+          <p:nvSpPr>
+            <p:cNvPr id="22" name="Isosceles Triangle 21">
+              <a:extLst>
+                <a:ext uri="{FF2B5EF4-FFF2-40B4-BE49-F238E27FC236}">
+                  <a16:creationId xmlns:a16="http://schemas.microsoft.com/office/drawing/2014/main" id="{6D7C1F89-72B2-4FDC-B9E2-04F52D5C504C}"/>
+                </a:ext>
+                <a:ext uri="{C183D7F6-B498-43B3-948B-1728B52AA6E4}">
+                  <adec:decorative xmlns:adec="http://schemas.microsoft.com/office/drawing/2017/decorative" val="1"/>
+                </a:ext>
+              </a:extLst>
+            </p:cNvPr>
+            <p:cNvSpPr/>
+            <p:nvPr>
+              <p:extLst>
+                <p:ext uri="{386F3935-93C4-4BCD-93E2-E3B085C9AB24}">
+                  <p16:designElem xmlns:p16="http://schemas.microsoft.com/office/powerpoint/2015/main" val="1"/>
+                </p:ext>
+              </p:extLst>
+            </p:nvPr>
+          </p:nvSpPr>
+          <p:spPr>
+            <a:xfrm>
+              <a:off x="0" y="4013200"/>
+              <a:ext cx="448733" cy="2844800"/>
+            </a:xfrm>
+            <a:prstGeom prst="triangle">
+              <a:avLst>
+                <a:gd name="adj" fmla="val 0"/>
+              </a:avLst>
+            </a:prstGeom>
+            <a:solidFill>
+              <a:schemeClr val="accent1">
+                <a:alpha val="85000"/>
+              </a:schemeClr>
+            </a:solidFill>
+            <a:ln>
+              <a:noFill/>
+            </a:ln>
+            <a:effectLst/>
+          </p:spPr>
+          <p:style>
+            <a:lnRef idx="1">
+              <a:schemeClr val="accent1"/>
+            </a:lnRef>
+            <a:fillRef idx="3">
+              <a:schemeClr val="accent1"/>
+            </a:fillRef>
+            <a:effectRef idx="2">
+              <a:schemeClr val="accent1"/>
+            </a:effectRef>
+            <a:fontRef idx="minor">
+              <a:schemeClr val="lt1"/>
+            </a:fontRef>
+          </p:style>
+        </p:sp>
+      </p:grpSp>
+      <p:pic>
+        <p:nvPicPr>
+          <p:cNvPr id="8" name="Picture 7">
+            <a:extLst>
+              <a:ext uri="{FF2B5EF4-FFF2-40B4-BE49-F238E27FC236}">
+                <a16:creationId xmlns:a16="http://schemas.microsoft.com/office/drawing/2014/main" id="{0CC12496-BE28-65C7-2787-45AB35DD5C27}"/>
+              </a:ext>
+            </a:extLst>
+          </p:cNvPr>
+          <p:cNvPicPr>
+            <a:picLocks noChangeAspect="1"/>
+          </p:cNvPicPr>
+          <p:nvPr/>
+        </p:nvPicPr>
+        <p:blipFill rotWithShape="1">
+          <a:blip r:embed="rId2"/>
+          <a:srcRect l="7587" r="-1" b="-1"/>
+          <a:stretch/>
+        </p:blipFill>
+        <p:spPr>
+          <a:xfrm>
+            <a:off x="4269854" y="-1"/>
+            <a:ext cx="7922146" cy="6858001"/>
+          </a:xfrm>
+          <a:custGeom>
+            <a:avLst/>
+            <a:gdLst/>
+            <a:ahLst/>
+            <a:cxnLst/>
+            <a:rect l="l" t="t" r="r" b="b"/>
+            <a:pathLst>
+              <a:path w="7922146" h="6858001">
+                <a:moveTo>
+                  <a:pt x="379987" y="0"/>
+                </a:moveTo>
+                <a:lnTo>
+                  <a:pt x="5304971" y="0"/>
+                </a:lnTo>
+                <a:lnTo>
+                  <a:pt x="7065281" y="0"/>
+                </a:lnTo>
+                <a:lnTo>
+                  <a:pt x="7397540" y="0"/>
+                </a:lnTo>
+                <a:lnTo>
+                  <a:pt x="7397540" y="1"/>
+                </a:lnTo>
+                <a:lnTo>
+                  <a:pt x="7922146" y="1"/>
+                </a:lnTo>
+                <a:lnTo>
+                  <a:pt x="7922146" y="6858001"/>
+                </a:lnTo>
+                <a:lnTo>
+                  <a:pt x="7065281" y="6858001"/>
+                </a:lnTo>
+                <a:lnTo>
+                  <a:pt x="7065281" y="6858000"/>
+                </a:lnTo>
+                <a:lnTo>
+                  <a:pt x="5932989" y="6858000"/>
+                </a:lnTo>
+                <a:lnTo>
+                  <a:pt x="5932989" y="6858001"/>
+                </a:lnTo>
+                <a:lnTo>
+                  <a:pt x="27809" y="6858001"/>
+                </a:lnTo>
+                <a:lnTo>
+                  <a:pt x="1803228" y="4521201"/>
+                </a:lnTo>
+                <a:close/>
+                <a:moveTo>
+                  <a:pt x="0" y="0"/>
+                </a:moveTo>
+                <a:lnTo>
+                  <a:pt x="379987" y="0"/>
+                </a:lnTo>
+                <a:lnTo>
+                  <a:pt x="0" y="407"/>
+                </a:lnTo>
+                <a:close/>
+              </a:path>
+            </a:pathLst>
+          </a:custGeom>
+        </p:spPr>
+      </p:pic>
       <p:sp>
         <p:nvSpPr>
           <p:cNvPr id="5" name="文本框 4">
@@ -7795,30 +8579,56 @@
         </p:nvSpPr>
         <p:spPr>
           <a:xfrm>
-            <a:off x="3684231" y="1589103"/>
-            <a:ext cx="4429957" cy="754053"/>
+            <a:off x="677333" y="609600"/>
+            <a:ext cx="3851123" cy="1320800"/>
           </a:xfrm>
           <a:prstGeom prst="rect">
             <a:avLst/>
           </a:prstGeom>
-          <a:noFill/>
         </p:spPr>
         <p:txBody>
-          <a:bodyPr wrap="square" rtlCol="0">
-            <a:spAutoFit/>
+          <a:bodyPr vert="horz" lIns="91440" tIns="45720" rIns="91440" bIns="45720" rtlCol="0" anchor="t">
+            <a:normAutofit/>
           </a:bodyPr>
           <a:lstStyle/>
           <a:p>
+            <a:pPr>
+              <a:spcBef>
+                <a:spcPct val="0"/>
+              </a:spcBef>
+              <a:spcAft>
+                <a:spcPts val="600"/>
+              </a:spcAft>
+            </a:pPr>
             <a:r>
-              <a:rPr lang="en-US" altLang="zh-CN" sz="2500" dirty="0">
-                <a:latin typeface="Times New Roman" panose="02020603050405020304" pitchFamily="18" charset="0"/>
-                <a:cs typeface="Times New Roman" panose="02020603050405020304" pitchFamily="18" charset="0"/>
+              <a:rPr lang="en-US" altLang="zh-CN" sz="3600">
+                <a:solidFill>
+                  <a:schemeClr val="accent1"/>
+                </a:solidFill>
+                <a:latin typeface="+mj-lt"/>
+                <a:ea typeface="+mj-ea"/>
+                <a:cs typeface="+mj-cs"/>
               </a:rPr>
               <a:t>COMP 472 Mini project 2</a:t>
             </a:r>
           </a:p>
           <a:p>
-            <a:endParaRPr lang="zh-CN" altLang="en-US" dirty="0"/>
+            <a:pPr>
+              <a:spcBef>
+                <a:spcPct val="0"/>
+              </a:spcBef>
+              <a:spcAft>
+                <a:spcPts val="600"/>
+              </a:spcAft>
+            </a:pPr>
+            <a:endParaRPr lang="en-US" altLang="zh-CN" sz="3600">
+              <a:solidFill>
+                <a:schemeClr val="accent1"/>
+              </a:solidFill>
+              <a:latin typeface="+mj-lt"/>
+              <a:ea typeface="+mj-ea"/>
+              <a:cs typeface="+mj-cs"/>
+            </a:endParaRPr>
           </a:p>
         </p:txBody>
       </p:sp>
@@ -7836,33 +8646,694 @@
         </p:nvSpPr>
         <p:spPr>
           <a:xfrm>
-            <a:off x="6720396" y="4625266"/>
-            <a:ext cx="2689934" cy="646331"/>
+            <a:off x="677334" y="2160589"/>
+            <a:ext cx="3851122" cy="3880773"/>
           </a:xfrm>
           <a:prstGeom prst="rect">
             <a:avLst/>
           </a:prstGeom>
-          <a:noFill/>
         </p:spPr>
         <p:txBody>
-          <a:bodyPr wrap="square" rtlCol="0">
-            <a:spAutoFit/>
+          <a:bodyPr vert="horz" lIns="91440" tIns="45720" rIns="91440" bIns="45720" rtlCol="0">
+            <a:normAutofit/>
           </a:bodyPr>
           <a:lstStyle/>
           <a:p>
+            <a:pPr>
+              <a:spcBef>
+                <a:spcPts val="1000"/>
+              </a:spcBef>
+              <a:buClr>
+                <a:schemeClr val="accent1"/>
+              </a:buClr>
+              <a:buSzPct val="80000"/>
+              <a:buFont typeface="Wingdings 3" charset="2"/>
+              <a:buChar char=""/>
+            </a:pPr>
             <a:r>
-              <a:rPr lang="en-US" altLang="zh-CN" dirty="0"/>
+              <a:rPr lang="en-US" altLang="zh-CN">
+                <a:solidFill>
+                  <a:schemeClr val="tx1">
+                    <a:lumMod val="75000"/>
+                    <a:lumOff val="25000"/>
+                  </a:schemeClr>
+                </a:solidFill>
+              </a:rPr>
               <a:t>Tianfei Qi   40079518</a:t>
             </a:r>
           </a:p>
           <a:p>
+            <a:pPr>
+              <a:spcBef>
+                <a:spcPts val="1000"/>
+              </a:spcBef>
+              <a:buClr>
+                <a:schemeClr val="accent1"/>
+              </a:buClr>
+              <a:buSzPct val="80000"/>
+              <a:buFont typeface="Wingdings 3" charset="2"/>
+              <a:buChar char=""/>
+            </a:pPr>
             <a:r>
-              <a:rPr lang="en-US" altLang="zh-CN" dirty="0"/>
+              <a:rPr lang="en-US" altLang="zh-CN">
+                <a:solidFill>
+                  <a:schemeClr val="tx1">
+                    <a:lumMod val="75000"/>
+                    <a:lumOff val="25000"/>
+                  </a:schemeClr>
+                </a:solidFill>
+              </a:rPr>
               <a:t>Haoxuan Lyu 40087583</a:t>
             </a:r>
-            <a:endParaRPr lang="zh-CN" altLang="en-US" dirty="0"/>
           </a:p>
         </p:txBody>
+      </p:sp>
+      <p:cxnSp>
+        <p:nvCxnSpPr>
+          <p:cNvPr id="24" name="Straight Connector 23">
+            <a:extLst>
+              <a:ext uri="{FF2B5EF4-FFF2-40B4-BE49-F238E27FC236}">
+                <a16:creationId xmlns:a16="http://schemas.microsoft.com/office/drawing/2014/main" id="{64FA5DFF-7FE6-4855-84E6-DFA78EE978BD}"/>
+              </a:ext>
+              <a:ext uri="{C183D7F6-B498-43B3-948B-1728B52AA6E4}">
+                <adec:decorative xmlns:adec="http://schemas.microsoft.com/office/drawing/2017/decorative" val="1"/>
+              </a:ext>
+            </a:extLst>
+          </p:cNvPr>
+          <p:cNvCxnSpPr>
+            <a:cxnSpLocks noGrp="1" noRot="1" noChangeAspect="1" noMove="1" noResize="1" noEditPoints="1" noAdjustHandles="1" noChangeArrowheads="1" noChangeShapeType="1"/>
+          </p:cNvCxnSpPr>
+          <p:nvPr>
+            <p:extLst>
+              <p:ext uri="{386F3935-93C4-4BCD-93E2-E3B085C9AB24}">
+                <p16:designElem xmlns:p16="http://schemas.microsoft.com/office/powerpoint/2015/main" val="1"/>
+              </p:ext>
+            </p:extLst>
+          </p:nvPr>
+        </p:nvCxnSpPr>
+        <p:spPr>
+          <a:xfrm>
+            <a:off x="9371012" y="0"/>
+            <a:ext cx="1219200" cy="6858000"/>
+          </a:xfrm>
+          <a:prstGeom prst="line">
+            <a:avLst/>
+          </a:prstGeom>
+          <a:ln w="9525">
+            <a:solidFill>
+              <a:schemeClr val="bg1">
+                <a:lumMod val="75000"/>
+              </a:schemeClr>
+            </a:solidFill>
+          </a:ln>
+        </p:spPr>
+        <p:style>
+          <a:lnRef idx="2">
+            <a:schemeClr val="accent1"/>
+          </a:lnRef>
+          <a:fillRef idx="0">
+            <a:schemeClr val="accent1"/>
+          </a:fillRef>
+          <a:effectRef idx="1">
+            <a:schemeClr val="accent1"/>
+          </a:effectRef>
+          <a:fontRef idx="minor">
+            <a:schemeClr val="tx1"/>
+          </a:fontRef>
+        </p:style>
+      </p:cxnSp>
+      <p:cxnSp>
+        <p:nvCxnSpPr>
+          <p:cNvPr id="26" name="Straight Connector 25">
+            <a:extLst>
+              <a:ext uri="{FF2B5EF4-FFF2-40B4-BE49-F238E27FC236}">
+                <a16:creationId xmlns:a16="http://schemas.microsoft.com/office/drawing/2014/main" id="{2AFD8CBA-54A3-4363-991B-B9C631BBFA74}"/>
+              </a:ext>
+              <a:ext uri="{C183D7F6-B498-43B3-948B-1728B52AA6E4}">
+                <adec:decorative xmlns:adec="http://schemas.microsoft.com/office/drawing/2017/decorative" val="1"/>
+              </a:ext>
+            </a:extLst>
+          </p:cNvPr>
+          <p:cNvCxnSpPr>
+            <a:cxnSpLocks noGrp="1" noRot="1" noChangeAspect="1" noMove="1" noResize="1" noEditPoints="1" noAdjustHandles="1" noChangeArrowheads="1" noChangeShapeType="1"/>
+          </p:cNvCxnSpPr>
+          <p:nvPr>
+            <p:extLst>
+              <p:ext uri="{386F3935-93C4-4BCD-93E2-E3B085C9AB24}">
+                <p16:designElem xmlns:p16="http://schemas.microsoft.com/office/powerpoint/2015/main" val="1"/>
+              </p:ext>
+            </p:extLst>
+          </p:nvPr>
+        </p:nvCxnSpPr>
+        <p:spPr>
+          <a:xfrm flipH="1">
+            <a:off x="7425267" y="3681413"/>
+            <a:ext cx="4763558" cy="3176587"/>
+          </a:xfrm>
+          <a:prstGeom prst="line">
+            <a:avLst/>
+          </a:prstGeom>
+          <a:ln w="9525">
+            <a:solidFill>
+              <a:schemeClr val="bg1">
+                <a:lumMod val="85000"/>
+              </a:schemeClr>
+            </a:solidFill>
+          </a:ln>
+        </p:spPr>
+        <p:style>
+          <a:lnRef idx="2">
+            <a:schemeClr val="accent1"/>
+          </a:lnRef>
+          <a:fillRef idx="0">
+            <a:schemeClr val="accent1"/>
+          </a:fillRef>
+          <a:effectRef idx="1">
+            <a:schemeClr val="accent1"/>
+          </a:effectRef>
+          <a:fontRef idx="minor">
+            <a:schemeClr val="tx1"/>
+          </a:fontRef>
+        </p:style>
+      </p:cxnSp>
+      <p:sp>
+        <p:nvSpPr>
+          <p:cNvPr id="28" name="Rectangle 23">
+            <a:extLst>
+              <a:ext uri="{FF2B5EF4-FFF2-40B4-BE49-F238E27FC236}">
+                <a16:creationId xmlns:a16="http://schemas.microsoft.com/office/drawing/2014/main" id="{3F088236-D655-4F88-B238-E16762358025}"/>
+              </a:ext>
+              <a:ext uri="{C183D7F6-B498-43B3-948B-1728B52AA6E4}">
+                <adec:decorative xmlns:adec="http://schemas.microsoft.com/office/drawing/2017/decorative" val="1"/>
+              </a:ext>
+            </a:extLst>
+          </p:cNvPr>
+          <p:cNvSpPr>
+            <a:spLocks noGrp="1" noRot="1" noChangeAspect="1" noMove="1" noResize="1" noEditPoints="1" noAdjustHandles="1" noChangeArrowheads="1" noChangeShapeType="1" noTextEdit="1"/>
+          </p:cNvSpPr>
+          <p:nvPr>
+            <p:extLst>
+              <p:ext uri="{386F3935-93C4-4BCD-93E2-E3B085C9AB24}">
+                <p16:designElem xmlns:p16="http://schemas.microsoft.com/office/powerpoint/2015/main" val="1"/>
+              </p:ext>
+            </p:extLst>
+          </p:nvPr>
+        </p:nvSpPr>
+        <p:spPr>
+          <a:xfrm>
+            <a:off x="9181476" y="-8467"/>
+            <a:ext cx="3007349" cy="6866467"/>
+          </a:xfrm>
+          <a:custGeom>
+            <a:avLst/>
+            <a:gdLst/>
+            <a:ahLst/>
+            <a:cxnLst/>
+            <a:rect l="l" t="t" r="r" b="b"/>
+            <a:pathLst>
+              <a:path w="3007349" h="6866467">
+                <a:moveTo>
+                  <a:pt x="2045532" y="0"/>
+                </a:moveTo>
+                <a:lnTo>
+                  <a:pt x="3007349" y="0"/>
+                </a:lnTo>
+                <a:lnTo>
+                  <a:pt x="3007349" y="6866467"/>
+                </a:lnTo>
+                <a:lnTo>
+                  <a:pt x="0" y="6866467"/>
+                </a:lnTo>
+                <a:lnTo>
+                  <a:pt x="2045532" y="0"/>
+                </a:lnTo>
+                <a:close/>
+              </a:path>
+            </a:pathLst>
+          </a:custGeom>
+          <a:solidFill>
+            <a:schemeClr val="accent1">
+              <a:alpha val="30000"/>
+            </a:schemeClr>
+          </a:solidFill>
+          <a:ln>
+            <a:noFill/>
+          </a:ln>
+          <a:effectLst/>
+        </p:spPr>
+        <p:style>
+          <a:lnRef idx="1">
+            <a:schemeClr val="accent1"/>
+          </a:lnRef>
+          <a:fillRef idx="3">
+            <a:schemeClr val="accent1"/>
+          </a:fillRef>
+          <a:effectRef idx="2">
+            <a:schemeClr val="accent1"/>
+          </a:effectRef>
+          <a:fontRef idx="minor">
+            <a:schemeClr val="lt1"/>
+          </a:fontRef>
+        </p:style>
+      </p:sp>
+      <p:sp>
+        <p:nvSpPr>
+          <p:cNvPr id="30" name="Rectangle 25">
+            <a:extLst>
+              <a:ext uri="{FF2B5EF4-FFF2-40B4-BE49-F238E27FC236}">
+                <a16:creationId xmlns:a16="http://schemas.microsoft.com/office/drawing/2014/main" id="{3DAC0C92-199E-475C-9390-119A9B027276}"/>
+              </a:ext>
+              <a:ext uri="{C183D7F6-B498-43B3-948B-1728B52AA6E4}">
+                <adec:decorative xmlns:adec="http://schemas.microsoft.com/office/drawing/2017/decorative" val="1"/>
+              </a:ext>
+            </a:extLst>
+          </p:cNvPr>
+          <p:cNvSpPr>
+            <a:spLocks noGrp="1" noRot="1" noChangeAspect="1" noMove="1" noResize="1" noEditPoints="1" noAdjustHandles="1" noChangeArrowheads="1" noChangeShapeType="1" noTextEdit="1"/>
+          </p:cNvSpPr>
+          <p:nvPr>
+            <p:extLst>
+              <p:ext uri="{386F3935-93C4-4BCD-93E2-E3B085C9AB24}">
+                <p16:designElem xmlns:p16="http://schemas.microsoft.com/office/powerpoint/2015/main" val="1"/>
+              </p:ext>
+            </p:extLst>
+          </p:nvPr>
+        </p:nvSpPr>
+        <p:spPr>
+          <a:xfrm>
+            <a:off x="9603442" y="-8467"/>
+            <a:ext cx="2588558" cy="6866467"/>
+          </a:xfrm>
+          <a:custGeom>
+            <a:avLst/>
+            <a:gdLst/>
+            <a:ahLst/>
+            <a:cxnLst/>
+            <a:rect l="l" t="t" r="r" b="b"/>
+            <a:pathLst>
+              <a:path w="2573311" h="6866467">
+                <a:moveTo>
+                  <a:pt x="0" y="0"/>
+                </a:moveTo>
+                <a:lnTo>
+                  <a:pt x="2573311" y="0"/>
+                </a:lnTo>
+                <a:lnTo>
+                  <a:pt x="2573311" y="6866467"/>
+                </a:lnTo>
+                <a:lnTo>
+                  <a:pt x="1202336" y="6866467"/>
+                </a:lnTo>
+                <a:lnTo>
+                  <a:pt x="0" y="0"/>
+                </a:lnTo>
+                <a:close/>
+              </a:path>
+            </a:pathLst>
+          </a:custGeom>
+          <a:solidFill>
+            <a:schemeClr val="accent1">
+              <a:alpha val="20000"/>
+            </a:schemeClr>
+          </a:solidFill>
+          <a:ln>
+            <a:noFill/>
+          </a:ln>
+          <a:effectLst/>
+        </p:spPr>
+        <p:style>
+          <a:lnRef idx="1">
+            <a:schemeClr val="accent1"/>
+          </a:lnRef>
+          <a:fillRef idx="3">
+            <a:schemeClr val="accent1"/>
+          </a:fillRef>
+          <a:effectRef idx="2">
+            <a:schemeClr val="accent1"/>
+          </a:effectRef>
+          <a:fontRef idx="minor">
+            <a:schemeClr val="lt1"/>
+          </a:fontRef>
+        </p:style>
+      </p:sp>
+      <p:sp>
+        <p:nvSpPr>
+          <p:cNvPr id="32" name="Isosceles Triangle 24">
+            <a:extLst>
+              <a:ext uri="{FF2B5EF4-FFF2-40B4-BE49-F238E27FC236}">
+                <a16:creationId xmlns:a16="http://schemas.microsoft.com/office/drawing/2014/main" id="{C4CFB339-0ED8-4FE2-9EF1-6D1375B8499B}"/>
+              </a:ext>
+              <a:ext uri="{C183D7F6-B498-43B3-948B-1728B52AA6E4}">
+                <adec:decorative xmlns:adec="http://schemas.microsoft.com/office/drawing/2017/decorative" val="1"/>
+              </a:ext>
+            </a:extLst>
+          </p:cNvPr>
+          <p:cNvSpPr>
+            <a:spLocks noGrp="1" noRot="1" noChangeAspect="1" noMove="1" noResize="1" noEditPoints="1" noAdjustHandles="1" noChangeArrowheads="1" noChangeShapeType="1" noTextEdit="1"/>
+          </p:cNvSpPr>
+          <p:nvPr>
+            <p:extLst>
+              <p:ext uri="{386F3935-93C4-4BCD-93E2-E3B085C9AB24}">
+                <p16:designElem xmlns:p16="http://schemas.microsoft.com/office/powerpoint/2015/main" val="1"/>
+              </p:ext>
+            </p:extLst>
+          </p:nvPr>
+        </p:nvSpPr>
+        <p:spPr>
+          <a:xfrm>
+            <a:off x="8932333" y="3048000"/>
+            <a:ext cx="3259667" cy="3810000"/>
+          </a:xfrm>
+          <a:prstGeom prst="triangle">
+            <a:avLst>
+              <a:gd name="adj" fmla="val 100000"/>
+            </a:avLst>
+          </a:prstGeom>
+          <a:solidFill>
+            <a:schemeClr val="accent2">
+              <a:alpha val="72000"/>
+            </a:schemeClr>
+          </a:solidFill>
+          <a:ln>
+            <a:noFill/>
+          </a:ln>
+          <a:effectLst/>
+        </p:spPr>
+        <p:style>
+          <a:lnRef idx="1">
+            <a:schemeClr val="accent1"/>
+          </a:lnRef>
+          <a:fillRef idx="3">
+            <a:schemeClr val="accent1"/>
+          </a:fillRef>
+          <a:effectRef idx="2">
+            <a:schemeClr val="accent1"/>
+          </a:effectRef>
+          <a:fontRef idx="minor">
+            <a:schemeClr val="lt1"/>
+          </a:fontRef>
+        </p:style>
+      </p:sp>
+      <p:sp>
+        <p:nvSpPr>
+          <p:cNvPr id="34" name="Rectangle 27">
+            <a:extLst>
+              <a:ext uri="{FF2B5EF4-FFF2-40B4-BE49-F238E27FC236}">
+                <a16:creationId xmlns:a16="http://schemas.microsoft.com/office/drawing/2014/main" id="{31896C80-2069-4431-9C19-83B913734490}"/>
+              </a:ext>
+              <a:ext uri="{C183D7F6-B498-43B3-948B-1728B52AA6E4}">
+                <adec:decorative xmlns:adec="http://schemas.microsoft.com/office/drawing/2017/decorative" val="1"/>
+              </a:ext>
+            </a:extLst>
+          </p:cNvPr>
+          <p:cNvSpPr>
+            <a:spLocks noGrp="1" noRot="1" noChangeAspect="1" noMove="1" noResize="1" noEditPoints="1" noAdjustHandles="1" noChangeArrowheads="1" noChangeShapeType="1" noTextEdit="1"/>
+          </p:cNvSpPr>
+          <p:nvPr>
+            <p:extLst>
+              <p:ext uri="{386F3935-93C4-4BCD-93E2-E3B085C9AB24}">
+                <p16:designElem xmlns:p16="http://schemas.microsoft.com/office/powerpoint/2015/main" val="1"/>
+              </p:ext>
+            </p:extLst>
+          </p:nvPr>
+        </p:nvSpPr>
+        <p:spPr>
+          <a:xfrm>
+            <a:off x="9334500" y="-8467"/>
+            <a:ext cx="2854326" cy="6866467"/>
+          </a:xfrm>
+          <a:custGeom>
+            <a:avLst/>
+            <a:gdLst/>
+            <a:ahLst/>
+            <a:cxnLst/>
+            <a:rect l="l" t="t" r="r" b="b"/>
+            <a:pathLst>
+              <a:path w="2858013" h="6866467">
+                <a:moveTo>
+                  <a:pt x="0" y="0"/>
+                </a:moveTo>
+                <a:lnTo>
+                  <a:pt x="2858013" y="0"/>
+                </a:lnTo>
+                <a:lnTo>
+                  <a:pt x="2858013" y="6866467"/>
+                </a:lnTo>
+                <a:lnTo>
+                  <a:pt x="2473942" y="6866467"/>
+                </a:lnTo>
+                <a:lnTo>
+                  <a:pt x="0" y="0"/>
+                </a:lnTo>
+                <a:close/>
+              </a:path>
+            </a:pathLst>
+          </a:custGeom>
+          <a:solidFill>
+            <a:schemeClr val="accent2">
+              <a:lumMod val="75000"/>
+              <a:alpha val="47000"/>
+            </a:schemeClr>
+          </a:solidFill>
+          <a:ln>
+            <a:noFill/>
+          </a:ln>
+          <a:effectLst/>
+        </p:spPr>
+        <p:style>
+          <a:lnRef idx="1">
+            <a:schemeClr val="accent1"/>
+          </a:lnRef>
+          <a:fillRef idx="3">
+            <a:schemeClr val="accent1"/>
+          </a:fillRef>
+          <a:effectRef idx="2">
+            <a:schemeClr val="accent1"/>
+          </a:effectRef>
+          <a:fontRef idx="minor">
+            <a:schemeClr val="lt1"/>
+          </a:fontRef>
+        </p:style>
+      </p:sp>
+      <p:sp>
+        <p:nvSpPr>
+          <p:cNvPr id="36" name="Rectangle 28">
+            <a:extLst>
+              <a:ext uri="{FF2B5EF4-FFF2-40B4-BE49-F238E27FC236}">
+                <a16:creationId xmlns:a16="http://schemas.microsoft.com/office/drawing/2014/main" id="{BF120A21-0841-4823-B0C4-28AEBCEF9B78}"/>
+              </a:ext>
+              <a:ext uri="{C183D7F6-B498-43B3-948B-1728B52AA6E4}">
+                <adec:decorative xmlns:adec="http://schemas.microsoft.com/office/drawing/2017/decorative" val="1"/>
+              </a:ext>
+            </a:extLst>
+          </p:cNvPr>
+          <p:cNvSpPr>
+            <a:spLocks noGrp="1" noRot="1" noChangeAspect="1" noMove="1" noResize="1" noEditPoints="1" noAdjustHandles="1" noChangeArrowheads="1" noChangeShapeType="1" noTextEdit="1"/>
+          </p:cNvSpPr>
+          <p:nvPr>
+            <p:extLst>
+              <p:ext uri="{386F3935-93C4-4BCD-93E2-E3B085C9AB24}">
+                <p16:designElem xmlns:p16="http://schemas.microsoft.com/office/powerpoint/2015/main" val="1"/>
+              </p:ext>
+            </p:extLst>
+          </p:nvPr>
+        </p:nvSpPr>
+        <p:spPr>
+          <a:xfrm>
+            <a:off x="10898730" y="-8467"/>
+            <a:ext cx="1290094" cy="6866467"/>
+          </a:xfrm>
+          <a:custGeom>
+            <a:avLst/>
+            <a:gdLst/>
+            <a:ahLst/>
+            <a:cxnLst/>
+            <a:rect l="l" t="t" r="r" b="b"/>
+            <a:pathLst>
+              <a:path w="1290094" h="6858000">
+                <a:moveTo>
+                  <a:pt x="1019735" y="0"/>
+                </a:moveTo>
+                <a:lnTo>
+                  <a:pt x="1290094" y="0"/>
+                </a:lnTo>
+                <a:lnTo>
+                  <a:pt x="1290094" y="6858000"/>
+                </a:lnTo>
+                <a:lnTo>
+                  <a:pt x="0" y="6858000"/>
+                </a:lnTo>
+                <a:lnTo>
+                  <a:pt x="1019735" y="0"/>
+                </a:lnTo>
+                <a:close/>
+              </a:path>
+            </a:pathLst>
+          </a:custGeom>
+          <a:solidFill>
+            <a:schemeClr val="accent1">
+              <a:lumMod val="60000"/>
+              <a:lumOff val="40000"/>
+              <a:alpha val="70000"/>
+            </a:schemeClr>
+          </a:solidFill>
+          <a:ln>
+            <a:noFill/>
+          </a:ln>
+          <a:effectLst/>
+        </p:spPr>
+        <p:style>
+          <a:lnRef idx="1">
+            <a:schemeClr val="accent1"/>
+          </a:lnRef>
+          <a:fillRef idx="3">
+            <a:schemeClr val="accent1"/>
+          </a:fillRef>
+          <a:effectRef idx="2">
+            <a:schemeClr val="accent1"/>
+          </a:effectRef>
+          <a:fontRef idx="minor">
+            <a:schemeClr val="lt1"/>
+          </a:fontRef>
+        </p:style>
+      </p:sp>
+      <p:sp>
+        <p:nvSpPr>
+          <p:cNvPr id="38" name="Rectangle 29">
+            <a:extLst>
+              <a:ext uri="{FF2B5EF4-FFF2-40B4-BE49-F238E27FC236}">
+                <a16:creationId xmlns:a16="http://schemas.microsoft.com/office/drawing/2014/main" id="{DBB05BAE-BBD3-4289-899F-A6851503C6B0}"/>
+              </a:ext>
+              <a:ext uri="{C183D7F6-B498-43B3-948B-1728B52AA6E4}">
+                <adec:decorative xmlns:adec="http://schemas.microsoft.com/office/drawing/2017/decorative" val="1"/>
+              </a:ext>
+            </a:extLst>
+          </p:cNvPr>
+          <p:cNvSpPr>
+            <a:spLocks noGrp="1" noRot="1" noChangeAspect="1" noMove="1" noResize="1" noEditPoints="1" noAdjustHandles="1" noChangeArrowheads="1" noChangeShapeType="1" noTextEdit="1"/>
+          </p:cNvSpPr>
+          <p:nvPr>
+            <p:extLst>
+              <p:ext uri="{386F3935-93C4-4BCD-93E2-E3B085C9AB24}">
+                <p16:designElem xmlns:p16="http://schemas.microsoft.com/office/powerpoint/2015/main" val="1"/>
+              </p:ext>
+            </p:extLst>
+          </p:nvPr>
+        </p:nvSpPr>
+        <p:spPr>
+          <a:xfrm>
+            <a:off x="10938999" y="-8467"/>
+            <a:ext cx="1249825" cy="6866467"/>
+          </a:xfrm>
+          <a:custGeom>
+            <a:avLst/>
+            <a:gdLst/>
+            <a:ahLst/>
+            <a:cxnLst/>
+            <a:rect l="l" t="t" r="r" b="b"/>
+            <a:pathLst>
+              <a:path w="1249825" h="6858000">
+                <a:moveTo>
+                  <a:pt x="0" y="0"/>
+                </a:moveTo>
+                <a:lnTo>
+                  <a:pt x="1249825" y="0"/>
+                </a:lnTo>
+                <a:lnTo>
+                  <a:pt x="1249825" y="6858000"/>
+                </a:lnTo>
+                <a:lnTo>
+                  <a:pt x="1109382" y="6858000"/>
+                </a:lnTo>
+                <a:lnTo>
+                  <a:pt x="0" y="0"/>
+                </a:lnTo>
+                <a:close/>
+              </a:path>
+            </a:pathLst>
+          </a:custGeom>
+          <a:solidFill>
+            <a:schemeClr val="accent1">
+              <a:alpha val="65000"/>
+            </a:schemeClr>
+          </a:solidFill>
+          <a:ln>
+            <a:noFill/>
+          </a:ln>
+          <a:effectLst/>
+        </p:spPr>
+        <p:style>
+          <a:lnRef idx="1">
+            <a:schemeClr val="accent1"/>
+          </a:lnRef>
+          <a:fillRef idx="3">
+            <a:schemeClr val="accent1"/>
+          </a:fillRef>
+          <a:effectRef idx="2">
+            <a:schemeClr val="accent1"/>
+          </a:effectRef>
+          <a:fontRef idx="minor">
+            <a:schemeClr val="lt1"/>
+          </a:fontRef>
+        </p:style>
+      </p:sp>
+      <p:sp>
+        <p:nvSpPr>
+          <p:cNvPr id="40" name="Isosceles Triangle 29">
+            <a:extLst>
+              <a:ext uri="{FF2B5EF4-FFF2-40B4-BE49-F238E27FC236}">
+                <a16:creationId xmlns:a16="http://schemas.microsoft.com/office/drawing/2014/main" id="{9874D11C-36F5-4BBE-A490-019A54E953B0}"/>
+              </a:ext>
+              <a:ext uri="{C183D7F6-B498-43B3-948B-1728B52AA6E4}">
+                <adec:decorative xmlns:adec="http://schemas.microsoft.com/office/drawing/2017/decorative" val="1"/>
+              </a:ext>
+            </a:extLst>
+          </p:cNvPr>
+          <p:cNvSpPr>
+            <a:spLocks noGrp="1" noRot="1" noChangeAspect="1" noMove="1" noResize="1" noEditPoints="1" noAdjustHandles="1" noChangeArrowheads="1" noChangeShapeType="1" noTextEdit="1"/>
+          </p:cNvSpPr>
+          <p:nvPr>
+            <p:extLst>
+              <p:ext uri="{386F3935-93C4-4BCD-93E2-E3B085C9AB24}">
+                <p16:designElem xmlns:p16="http://schemas.microsoft.com/office/powerpoint/2015/main" val="1"/>
+              </p:ext>
+            </p:extLst>
+          </p:nvPr>
+        </p:nvSpPr>
+        <p:spPr>
+          <a:xfrm>
+            <a:off x="10371666" y="3589867"/>
+            <a:ext cx="1817159" cy="3268133"/>
+          </a:xfrm>
+          <a:prstGeom prst="triangle">
+            <a:avLst>
+              <a:gd name="adj" fmla="val 100000"/>
+            </a:avLst>
+          </a:prstGeom>
+          <a:solidFill>
+            <a:schemeClr val="accent1">
+              <a:alpha val="80000"/>
+            </a:schemeClr>
+          </a:solidFill>
+          <a:ln>
+            <a:noFill/>
+          </a:ln>
+          <a:effectLst/>
+        </p:spPr>
+        <p:style>
+          <a:lnRef idx="1">
+            <a:schemeClr val="accent1"/>
+          </a:lnRef>
+          <a:fillRef idx="3">
+            <a:schemeClr val="accent1"/>
+          </a:fillRef>
+          <a:effectRef idx="2">
+            <a:schemeClr val="accent1"/>
+          </a:effectRef>
+          <a:fontRef idx="minor">
+            <a:schemeClr val="lt1"/>
+          </a:fontRef>
+        </p:style>
       </p:sp>
     </p:spTree>
     <p:extLst>
@@ -8039,6 +9510,14 @@
 <file path=ppt/slides/slide3.xml><?xml version="1.0" encoding="utf-8"?>
 <p:sld xmlns:a="http://schemas.openxmlformats.org/drawingml/2006/main" xmlns:r="http://schemas.openxmlformats.org/officeDocument/2006/relationships" xmlns:p="http://schemas.openxmlformats.org/presentationml/2006/main">
   <p:cSld>
+    <p:bg>
+      <p:bgPr>
+        <a:solidFill>
+          <a:schemeClr val="bg1"/>
+        </a:solidFill>
+        <a:effectLst/>
+      </p:bgPr>
+    </p:bg>
     <p:spTree>
       <p:nvGrpSpPr>
         <p:cNvPr id="1" name=""/>
@@ -8053,48 +9532,6 @@
           <a:chExt cx="0" cy="0"/>
         </a:xfrm>
       </p:grpSpPr>
-      <p:sp>
-        <p:nvSpPr>
-          <p:cNvPr id="4" name="文本框 3">
-            <a:extLst>
-              <a:ext uri="{FF2B5EF4-FFF2-40B4-BE49-F238E27FC236}">
-                <a16:creationId xmlns:a16="http://schemas.microsoft.com/office/drawing/2014/main" id="{4F5BB4B9-FFAE-E655-53EA-BE9B8F6B22CF}"/>
-              </a:ext>
-            </a:extLst>
-          </p:cNvPr>
-          <p:cNvSpPr txBox="1"/>
-          <p:nvPr/>
-        </p:nvSpPr>
-        <p:spPr>
-          <a:xfrm>
-            <a:off x="2871015" y="4364816"/>
-            <a:ext cx="5103844" cy="646331"/>
-          </a:xfrm>
-          <a:prstGeom prst="rect">
-            <a:avLst/>
-          </a:prstGeom>
-          <a:noFill/>
-        </p:spPr>
-        <p:txBody>
-          <a:bodyPr wrap="square" rtlCol="0">
-            <a:spAutoFit/>
-          </a:bodyPr>
-          <a:lstStyle/>
-          <a:p>
-            <a:r>
-              <a:rPr lang="en-US" altLang="zh-CN" dirty="0">
-                <a:latin typeface="Times New Roman" panose="02020603050405020304" pitchFamily="18" charset="0"/>
-                <a:cs typeface="Times New Roman" panose="02020603050405020304" pitchFamily="18" charset="0"/>
-              </a:rPr>
-              <a:t>The length of the solution is the same regardless of the heuristics used by GBFS</a:t>
-            </a:r>
-            <a:endParaRPr lang="zh-CN" altLang="en-US" dirty="0">
-              <a:latin typeface="Times New Roman" panose="02020603050405020304" pitchFamily="18" charset="0"/>
-              <a:cs typeface="Times New Roman" panose="02020603050405020304" pitchFamily="18" charset="0"/>
-            </a:endParaRPr>
-          </a:p>
-        </p:txBody>
-      </p:sp>
       <p:pic>
         <p:nvPicPr>
           <p:cNvPr id="6" name="图片 5">
@@ -8117,14 +9554,66 @@
         </p:blipFill>
         <p:spPr>
           <a:xfrm>
-            <a:off x="1318175" y="1562387"/>
-            <a:ext cx="4104762" cy="1638095"/>
+            <a:off x="677333" y="828757"/>
+            <a:ext cx="5421162" cy="2163433"/>
           </a:xfrm>
           <a:prstGeom prst="rect">
             <a:avLst/>
           </a:prstGeom>
         </p:spPr>
       </p:pic>
+      <p:sp>
+        <p:nvSpPr>
+          <p:cNvPr id="4" name="文本框 3">
+            <a:extLst>
+              <a:ext uri="{FF2B5EF4-FFF2-40B4-BE49-F238E27FC236}">
+                <a16:creationId xmlns:a16="http://schemas.microsoft.com/office/drawing/2014/main" id="{4F5BB4B9-FFAE-E655-53EA-BE9B8F6B22CF}"/>
+              </a:ext>
+            </a:extLst>
+          </p:cNvPr>
+          <p:cNvSpPr txBox="1"/>
+          <p:nvPr/>
+        </p:nvSpPr>
+        <p:spPr>
+          <a:xfrm>
+            <a:off x="6343484" y="2160589"/>
+            <a:ext cx="2930517" cy="3880773"/>
+          </a:xfrm>
+          <a:prstGeom prst="rect">
+            <a:avLst/>
+          </a:prstGeom>
+        </p:spPr>
+        <p:txBody>
+          <a:bodyPr vert="horz" lIns="91440" tIns="45720" rIns="91440" bIns="45720" rtlCol="0">
+            <a:normAutofit/>
+          </a:bodyPr>
+          <a:lstStyle/>
+          <a:p>
+            <a:pPr>
+              <a:spcBef>
+                <a:spcPts val="1000"/>
+              </a:spcBef>
+              <a:buClr>
+                <a:schemeClr val="accent1"/>
+              </a:buClr>
+              <a:buSzPct val="80000"/>
+              <a:buFont typeface="Wingdings 3" charset="2"/>
+              <a:buChar char=""/>
+            </a:pPr>
+            <a:r>
+              <a:rPr lang="en-US" altLang="zh-CN">
+                <a:solidFill>
+                  <a:schemeClr val="tx1">
+                    <a:lumMod val="75000"/>
+                    <a:lumOff val="25000"/>
+                  </a:schemeClr>
+                </a:solidFill>
+              </a:rPr>
+              <a:t>The length of the solution is the same regardless of the heuristics used by GBFS</a:t>
+            </a:r>
+          </a:p>
+        </p:txBody>
+      </p:sp>
       <p:pic>
         <p:nvPicPr>
           <p:cNvPr id="8" name="图片 7">
@@ -8147,8 +9636,8 @@
         </p:blipFill>
         <p:spPr>
           <a:xfrm>
-            <a:off x="5748484" y="1562387"/>
-            <a:ext cx="3904762" cy="1638095"/>
+            <a:off x="677334" y="3603069"/>
+            <a:ext cx="5421162" cy="2274243"/>
           </a:xfrm>
           <a:prstGeom prst="rect">
             <a:avLst/>
@@ -8171,6 +9660,14 @@
 <file path=ppt/slides/slide4.xml><?xml version="1.0" encoding="utf-8"?>
 <p:sld xmlns:a="http://schemas.openxmlformats.org/drawingml/2006/main" xmlns:r="http://schemas.openxmlformats.org/officeDocument/2006/relationships" xmlns:p="http://schemas.openxmlformats.org/presentationml/2006/main">
   <p:cSld>
+    <p:bg>
+      <p:bgPr>
+        <a:solidFill>
+          <a:schemeClr val="bg1"/>
+        </a:solidFill>
+        <a:effectLst/>
+      </p:bgPr>
+    </p:bg>
     <p:spTree>
       <p:nvGrpSpPr>
         <p:cNvPr id="1" name=""/>
@@ -8185,54 +9682,12 @@
           <a:chExt cx="0" cy="0"/>
         </a:xfrm>
       </p:grpSpPr>
-      <p:sp>
-        <p:nvSpPr>
-          <p:cNvPr id="5" name="文本框 4">
+      <p:pic>
+        <p:nvPicPr>
+          <p:cNvPr id="9" name="图片 8">
             <a:extLst>
               <a:ext uri="{FF2B5EF4-FFF2-40B4-BE49-F238E27FC236}">
-                <a16:creationId xmlns:a16="http://schemas.microsoft.com/office/drawing/2014/main" id="{E11A18D1-DDA1-7A12-28A1-B6AE71E3582A}"/>
-              </a:ext>
-            </a:extLst>
-          </p:cNvPr>
-          <p:cNvSpPr txBox="1"/>
-          <p:nvPr/>
-        </p:nvSpPr>
-        <p:spPr>
-          <a:xfrm>
-            <a:off x="2476870" y="4332304"/>
-            <a:ext cx="6081204" cy="646331"/>
-          </a:xfrm>
-          <a:prstGeom prst="rect">
-            <a:avLst/>
-          </a:prstGeom>
-          <a:noFill/>
-        </p:spPr>
-        <p:txBody>
-          <a:bodyPr wrap="square" rtlCol="0">
-            <a:spAutoFit/>
-          </a:bodyPr>
-          <a:lstStyle/>
-          <a:p>
-            <a:r>
-              <a:rPr lang="en-US" altLang="zh-CN" dirty="0">
-                <a:latin typeface="Times New Roman" panose="02020603050405020304" pitchFamily="18" charset="0"/>
-                <a:cs typeface="Times New Roman" panose="02020603050405020304" pitchFamily="18" charset="0"/>
-              </a:rPr>
-              <a:t>A algorithm sometimes have different length of the solution depending on the heuristics</a:t>
-            </a:r>
-            <a:endParaRPr lang="zh-CN" altLang="en-US" dirty="0">
-              <a:latin typeface="Times New Roman" panose="02020603050405020304" pitchFamily="18" charset="0"/>
-              <a:cs typeface="Times New Roman" panose="02020603050405020304" pitchFamily="18" charset="0"/>
-            </a:endParaRPr>
-          </a:p>
-        </p:txBody>
-      </p:sp>
-      <p:pic>
-        <p:nvPicPr>
-          <p:cNvPr id="7" name="图片 6">
-            <a:extLst>
-              <a:ext uri="{FF2B5EF4-FFF2-40B4-BE49-F238E27FC236}">
-                <a16:creationId xmlns:a16="http://schemas.microsoft.com/office/drawing/2014/main" id="{01DC569A-4BE4-8169-E784-BABAC5E6261D}"/>
+                <a16:creationId xmlns:a16="http://schemas.microsoft.com/office/drawing/2014/main" id="{D42FD855-AD1E-5CD7-7CB4-059901EC13BF}"/>
               </a:ext>
             </a:extLst>
           </p:cNvPr>
@@ -8249,20 +9704,72 @@
         </p:blipFill>
         <p:spPr>
           <a:xfrm>
-            <a:off x="1443663" y="1853400"/>
-            <a:ext cx="3780952" cy="1714286"/>
+            <a:off x="677333" y="735444"/>
+            <a:ext cx="5421162" cy="2350059"/>
           </a:xfrm>
           <a:prstGeom prst="rect">
             <a:avLst/>
           </a:prstGeom>
         </p:spPr>
       </p:pic>
+      <p:sp>
+        <p:nvSpPr>
+          <p:cNvPr id="5" name="文本框 4">
+            <a:extLst>
+              <a:ext uri="{FF2B5EF4-FFF2-40B4-BE49-F238E27FC236}">
+                <a16:creationId xmlns:a16="http://schemas.microsoft.com/office/drawing/2014/main" id="{E11A18D1-DDA1-7A12-28A1-B6AE71E3582A}"/>
+              </a:ext>
+            </a:extLst>
+          </p:cNvPr>
+          <p:cNvSpPr txBox="1"/>
+          <p:nvPr/>
+        </p:nvSpPr>
+        <p:spPr>
+          <a:xfrm>
+            <a:off x="6343484" y="2160589"/>
+            <a:ext cx="2930517" cy="3880773"/>
+          </a:xfrm>
+          <a:prstGeom prst="rect">
+            <a:avLst/>
+          </a:prstGeom>
+        </p:spPr>
+        <p:txBody>
+          <a:bodyPr vert="horz" lIns="91440" tIns="45720" rIns="91440" bIns="45720" rtlCol="0">
+            <a:normAutofit/>
+          </a:bodyPr>
+          <a:lstStyle/>
+          <a:p>
+            <a:pPr>
+              <a:spcBef>
+                <a:spcPts val="1000"/>
+              </a:spcBef>
+              <a:buClr>
+                <a:schemeClr val="accent1"/>
+              </a:buClr>
+              <a:buSzPct val="80000"/>
+              <a:buFont typeface="Wingdings 3" charset="2"/>
+              <a:buChar char=""/>
+            </a:pPr>
+            <a:r>
+              <a:rPr lang="en-US" altLang="zh-CN">
+                <a:solidFill>
+                  <a:schemeClr val="tx1">
+                    <a:lumMod val="75000"/>
+                    <a:lumOff val="25000"/>
+                  </a:schemeClr>
+                </a:solidFill>
+              </a:rPr>
+              <a:t>A algorithm sometimes have different length of the solution depending on the heuristics</a:t>
+            </a:r>
+          </a:p>
+        </p:txBody>
+      </p:sp>
       <p:pic>
         <p:nvPicPr>
-          <p:cNvPr id="9" name="图片 8">
+          <p:cNvPr id="7" name="图片 6">
             <a:extLst>
               <a:ext uri="{FF2B5EF4-FFF2-40B4-BE49-F238E27FC236}">
-                <a16:creationId xmlns:a16="http://schemas.microsoft.com/office/drawing/2014/main" id="{D42FD855-AD1E-5CD7-7CB4-059901EC13BF}"/>
+                <a16:creationId xmlns:a16="http://schemas.microsoft.com/office/drawing/2014/main" id="{01DC569A-4BE4-8169-E784-BABAC5E6261D}"/>
               </a:ext>
             </a:extLst>
           </p:cNvPr>
@@ -8279,8 +9786,8 @@
         </p:blipFill>
         <p:spPr>
           <a:xfrm>
-            <a:off x="5720878" y="1914049"/>
-            <a:ext cx="3866667" cy="1676190"/>
+            <a:off x="677334" y="3511211"/>
+            <a:ext cx="5421162" cy="2457958"/>
           </a:xfrm>
           <a:prstGeom prst="rect">
             <a:avLst/>
@@ -8303,6 +9810,14 @@
 <file path=ppt/slides/slide5.xml><?xml version="1.0" encoding="utf-8"?>
 <p:sld xmlns:a="http://schemas.openxmlformats.org/drawingml/2006/main" xmlns:r="http://schemas.openxmlformats.org/officeDocument/2006/relationships" xmlns:p="http://schemas.openxmlformats.org/presentationml/2006/main">
   <p:cSld>
+    <p:bg>
+      <p:bgPr>
+        <a:solidFill>
+          <a:schemeClr val="bg1"/>
+        </a:solidFill>
+        <a:effectLst/>
+      </p:bgPr>
+    </p:bg>
     <p:spTree>
       <p:nvGrpSpPr>
         <p:cNvPr id="1" name=""/>
@@ -8317,45 +9832,724 @@
           <a:chExt cx="0" cy="0"/>
         </a:xfrm>
       </p:grpSpPr>
-      <p:sp>
-        <p:nvSpPr>
-          <p:cNvPr id="4" name="文本框 3">
+      <p:sp useBgFill="1">
+        <p:nvSpPr>
+          <p:cNvPr id="9" name="Rectangle 8">
             <a:extLst>
               <a:ext uri="{FF2B5EF4-FFF2-40B4-BE49-F238E27FC236}">
-                <a16:creationId xmlns:a16="http://schemas.microsoft.com/office/drawing/2014/main" id="{EAAA4761-F17E-99BB-E669-8D6B4A7D9D28}"/>
+                <a16:creationId xmlns:a16="http://schemas.microsoft.com/office/drawing/2014/main" id="{A65AC7D1-EAA9-48F5-B509-60A7F50BF703}"/>
+              </a:ext>
+              <a:ext uri="{C183D7F6-B498-43B3-948B-1728B52AA6E4}">
+                <adec:decorative xmlns:adec="http://schemas.microsoft.com/office/drawing/2017/decorative" val="1"/>
               </a:ext>
             </a:extLst>
           </p:cNvPr>
-          <p:cNvSpPr txBox="1"/>
-          <p:nvPr/>
+          <p:cNvSpPr>
+            <a:spLocks noGrp="1" noRot="1" noChangeAspect="1" noMove="1" noResize="1" noEditPoints="1" noAdjustHandles="1" noChangeArrowheads="1" noChangeShapeType="1" noTextEdit="1"/>
+          </p:cNvSpPr>
+          <p:nvPr>
+            <p:extLst>
+              <p:ext uri="{386F3935-93C4-4BCD-93E2-E3B085C9AB24}">
+                <p16:designElem xmlns:p16="http://schemas.microsoft.com/office/powerpoint/2015/main" val="1"/>
+              </p:ext>
+            </p:extLst>
+          </p:nvPr>
         </p:nvSpPr>
         <p:spPr>
           <a:xfrm>
-            <a:off x="2780433" y="5245162"/>
-            <a:ext cx="5262465" cy="369332"/>
+            <a:off x="0" y="0"/>
+            <a:ext cx="12192000" cy="6858000"/>
           </a:xfrm>
           <a:prstGeom prst="rect">
             <a:avLst/>
           </a:prstGeom>
-          <a:noFill/>
+          <a:ln>
+            <a:noFill/>
+          </a:ln>
         </p:spPr>
+        <p:style>
+          <a:lnRef idx="2">
+            <a:schemeClr val="accent1">
+              <a:shade val="50000"/>
+            </a:schemeClr>
+          </a:lnRef>
+          <a:fillRef idx="1">
+            <a:schemeClr val="accent1"/>
+          </a:fillRef>
+          <a:effectRef idx="0">
+            <a:schemeClr val="accent1"/>
+          </a:effectRef>
+          <a:fontRef idx="minor">
+            <a:schemeClr val="lt1"/>
+          </a:fontRef>
+        </p:style>
         <p:txBody>
-          <a:bodyPr wrap="square" rtlCol="0">
-            <a:spAutoFit/>
+          <a:bodyPr rtlCol="0" anchor="ctr"/>
+          <a:lstStyle/>
+          <a:p>
+            <a:pPr algn="ctr"/>
+            <a:endParaRPr lang="en-US" dirty="0"/>
+          </a:p>
+        </p:txBody>
+      </p:sp>
+      <p:sp useBgFill="1">
+        <p:nvSpPr>
+          <p:cNvPr id="11" name="Rectangle 10">
+            <a:extLst>
+              <a:ext uri="{FF2B5EF4-FFF2-40B4-BE49-F238E27FC236}">
+                <a16:creationId xmlns:a16="http://schemas.microsoft.com/office/drawing/2014/main" id="{D6320AF9-619A-4175-865B-5663E1AEF4C5}"/>
+              </a:ext>
+              <a:ext uri="{C183D7F6-B498-43B3-948B-1728B52AA6E4}">
+                <adec:decorative xmlns:adec="http://schemas.microsoft.com/office/drawing/2017/decorative" val="1"/>
+              </a:ext>
+            </a:extLst>
+          </p:cNvPr>
+          <p:cNvSpPr>
+            <a:spLocks noGrp="1" noRot="1" noChangeAspect="1" noMove="1" noResize="1" noEditPoints="1" noAdjustHandles="1" noChangeArrowheads="1" noChangeShapeType="1" noTextEdit="1"/>
+          </p:cNvSpPr>
+          <p:nvPr>
+            <p:extLst>
+              <p:ext uri="{386F3935-93C4-4BCD-93E2-E3B085C9AB24}">
+                <p16:designElem xmlns:p16="http://schemas.microsoft.com/office/powerpoint/2015/main" val="1"/>
+              </p:ext>
+            </p:extLst>
+          </p:nvPr>
+        </p:nvSpPr>
+        <p:spPr>
+          <a:xfrm>
+            <a:off x="0" y="0"/>
+            <a:ext cx="12192000" cy="6858000"/>
+          </a:xfrm>
+          <a:prstGeom prst="rect">
+            <a:avLst/>
+          </a:prstGeom>
+          <a:ln>
+            <a:noFill/>
+          </a:ln>
+        </p:spPr>
+        <p:style>
+          <a:lnRef idx="2">
+            <a:schemeClr val="accent1">
+              <a:shade val="50000"/>
+            </a:schemeClr>
+          </a:lnRef>
+          <a:fillRef idx="1">
+            <a:schemeClr val="accent1"/>
+          </a:fillRef>
+          <a:effectRef idx="0">
+            <a:schemeClr val="accent1"/>
+          </a:effectRef>
+          <a:fontRef idx="minor">
+            <a:schemeClr val="lt1"/>
+          </a:fontRef>
+        </p:style>
+        <p:txBody>
+          <a:bodyPr rtlCol="0" anchor="ctr"/>
+          <a:lstStyle/>
+          <a:p>
+            <a:pPr algn="ctr"/>
+            <a:endParaRPr lang="en-US"/>
+          </a:p>
+        </p:txBody>
+      </p:sp>
+      <p:cxnSp>
+        <p:nvCxnSpPr>
+          <p:cNvPr id="13" name="Straight Connector 12">
+            <a:extLst>
+              <a:ext uri="{FF2B5EF4-FFF2-40B4-BE49-F238E27FC236}">
+                <a16:creationId xmlns:a16="http://schemas.microsoft.com/office/drawing/2014/main" id="{063B6EC6-D752-4EE7-908B-F8F19E8C7FEA}"/>
+              </a:ext>
+              <a:ext uri="{C183D7F6-B498-43B3-948B-1728B52AA6E4}">
+                <adec:decorative xmlns:adec="http://schemas.microsoft.com/office/drawing/2017/decorative" val="1"/>
+              </a:ext>
+            </a:extLst>
+          </p:cNvPr>
+          <p:cNvCxnSpPr>
+            <a:cxnSpLocks noGrp="1" noRot="1" noChangeAspect="1" noMove="1" noResize="1" noEditPoints="1" noAdjustHandles="1" noChangeArrowheads="1" noChangeShapeType="1"/>
+          </p:cNvCxnSpPr>
+          <p:nvPr>
+            <p:extLst>
+              <p:ext uri="{386F3935-93C4-4BCD-93E2-E3B085C9AB24}">
+                <p16:designElem xmlns:p16="http://schemas.microsoft.com/office/powerpoint/2015/main" val="1"/>
+              </p:ext>
+            </p:extLst>
+          </p:nvPr>
+        </p:nvCxnSpPr>
+        <p:spPr>
+          <a:xfrm>
+            <a:off x="5111313" y="0"/>
+            <a:ext cx="1219200" cy="6858000"/>
+          </a:xfrm>
+          <a:prstGeom prst="line">
+            <a:avLst/>
+          </a:prstGeom>
+          <a:ln w="9525">
+            <a:solidFill>
+              <a:schemeClr val="accent1">
+                <a:lumMod val="75000"/>
+              </a:schemeClr>
+            </a:solidFill>
+          </a:ln>
+        </p:spPr>
+        <p:style>
+          <a:lnRef idx="2">
+            <a:schemeClr val="accent1"/>
+          </a:lnRef>
+          <a:fillRef idx="0">
+            <a:schemeClr val="accent1"/>
+          </a:fillRef>
+          <a:effectRef idx="1">
+            <a:schemeClr val="accent1"/>
+          </a:effectRef>
+          <a:fontRef idx="minor">
+            <a:schemeClr val="tx1"/>
+          </a:fontRef>
+        </p:style>
+      </p:cxnSp>
+      <p:cxnSp>
+        <p:nvCxnSpPr>
+          <p:cNvPr id="15" name="Straight Connector 14">
+            <a:extLst>
+              <a:ext uri="{FF2B5EF4-FFF2-40B4-BE49-F238E27FC236}">
+                <a16:creationId xmlns:a16="http://schemas.microsoft.com/office/drawing/2014/main" id="{EFECD4E8-AD3E-4228-82A2-9461958EA94D}"/>
+              </a:ext>
+              <a:ext uri="{C183D7F6-B498-43B3-948B-1728B52AA6E4}">
+                <adec:decorative xmlns:adec="http://schemas.microsoft.com/office/drawing/2017/decorative" val="1"/>
+              </a:ext>
+            </a:extLst>
+          </p:cNvPr>
+          <p:cNvCxnSpPr>
+            <a:cxnSpLocks noGrp="1" noRot="1" noChangeAspect="1" noMove="1" noResize="1" noEditPoints="1" noAdjustHandles="1" noChangeArrowheads="1" noChangeShapeType="1"/>
+          </p:cNvCxnSpPr>
+          <p:nvPr>
+            <p:extLst>
+              <p:ext uri="{386F3935-93C4-4BCD-93E2-E3B085C9AB24}">
+                <p16:designElem xmlns:p16="http://schemas.microsoft.com/office/powerpoint/2015/main" val="1"/>
+              </p:ext>
+            </p:extLst>
+          </p:nvPr>
+        </p:nvCxnSpPr>
+        <p:spPr>
+          <a:xfrm flipH="1">
+            <a:off x="3290979" y="3681413"/>
+            <a:ext cx="4763558" cy="3176587"/>
+          </a:xfrm>
+          <a:prstGeom prst="line">
+            <a:avLst/>
+          </a:prstGeom>
+          <a:ln w="9525">
+            <a:solidFill>
+              <a:schemeClr val="tx1">
+                <a:lumMod val="50000"/>
+                <a:lumOff val="50000"/>
+                <a:alpha val="80000"/>
+              </a:schemeClr>
+            </a:solidFill>
+          </a:ln>
+        </p:spPr>
+        <p:style>
+          <a:lnRef idx="2">
+            <a:schemeClr val="accent1"/>
+          </a:lnRef>
+          <a:fillRef idx="0">
+            <a:schemeClr val="accent1"/>
+          </a:fillRef>
+          <a:effectRef idx="1">
+            <a:schemeClr val="accent1"/>
+          </a:effectRef>
+          <a:fontRef idx="minor">
+            <a:schemeClr val="tx1"/>
+          </a:fontRef>
+        </p:style>
+      </p:cxnSp>
+      <p:sp>
+        <p:nvSpPr>
+          <p:cNvPr id="17" name="Rectangle 23">
+            <a:extLst>
+              <a:ext uri="{FF2B5EF4-FFF2-40B4-BE49-F238E27FC236}">
+                <a16:creationId xmlns:a16="http://schemas.microsoft.com/office/drawing/2014/main" id="{7E018740-5C2B-4A41-AC1A-7E68D1EC1954}"/>
+              </a:ext>
+              <a:ext uri="{C183D7F6-B498-43B3-948B-1728B52AA6E4}">
+                <adec:decorative xmlns:adec="http://schemas.microsoft.com/office/drawing/2017/decorative" val="1"/>
+              </a:ext>
+            </a:extLst>
+          </p:cNvPr>
+          <p:cNvSpPr>
+            <a:spLocks noGrp="1" noRot="1" noChangeAspect="1" noMove="1" noResize="1" noEditPoints="1" noAdjustHandles="1" noChangeArrowheads="1" noChangeShapeType="1" noTextEdit="1"/>
+          </p:cNvSpPr>
+          <p:nvPr>
+            <p:extLst>
+              <p:ext uri="{386F3935-93C4-4BCD-93E2-E3B085C9AB24}">
+                <p16:designElem xmlns:p16="http://schemas.microsoft.com/office/powerpoint/2015/main" val="1"/>
+              </p:ext>
+            </p:extLst>
+          </p:nvPr>
+        </p:nvSpPr>
+        <p:spPr>
+          <a:xfrm>
+            <a:off x="4482568" y="-8467"/>
+            <a:ext cx="3007349" cy="6866467"/>
+          </a:xfrm>
+          <a:custGeom>
+            <a:avLst/>
+            <a:gdLst/>
+            <a:ahLst/>
+            <a:cxnLst/>
+            <a:rect l="l" t="t" r="r" b="b"/>
+            <a:pathLst>
+              <a:path w="3007349" h="6866467">
+                <a:moveTo>
+                  <a:pt x="2045532" y="0"/>
+                </a:moveTo>
+                <a:lnTo>
+                  <a:pt x="3007349" y="0"/>
+                </a:lnTo>
+                <a:lnTo>
+                  <a:pt x="3007349" y="6866467"/>
+                </a:lnTo>
+                <a:lnTo>
+                  <a:pt x="0" y="6866467"/>
+                </a:lnTo>
+                <a:lnTo>
+                  <a:pt x="2045532" y="0"/>
+                </a:lnTo>
+                <a:close/>
+              </a:path>
+            </a:pathLst>
+          </a:custGeom>
+          <a:solidFill>
+            <a:schemeClr val="accent1">
+              <a:alpha val="30000"/>
+            </a:schemeClr>
+          </a:solidFill>
+          <a:ln>
+            <a:noFill/>
+          </a:ln>
+          <a:effectLst/>
+        </p:spPr>
+        <p:style>
+          <a:lnRef idx="1">
+            <a:schemeClr val="accent1"/>
+          </a:lnRef>
+          <a:fillRef idx="3">
+            <a:schemeClr val="accent1"/>
+          </a:fillRef>
+          <a:effectRef idx="2">
+            <a:schemeClr val="accent1"/>
+          </a:effectRef>
+          <a:fontRef idx="minor">
+            <a:schemeClr val="lt1"/>
+          </a:fontRef>
+        </p:style>
+      </p:sp>
+      <p:sp>
+        <p:nvSpPr>
+          <p:cNvPr id="19" name="Rectangle 25">
+            <a:extLst>
+              <a:ext uri="{FF2B5EF4-FFF2-40B4-BE49-F238E27FC236}">
+                <a16:creationId xmlns:a16="http://schemas.microsoft.com/office/drawing/2014/main" id="{166F75A4-C475-4941-8EE2-B80A06A2C1BB}"/>
+              </a:ext>
+              <a:ext uri="{C183D7F6-B498-43B3-948B-1728B52AA6E4}">
+                <adec:decorative xmlns:adec="http://schemas.microsoft.com/office/drawing/2017/decorative" val="1"/>
+              </a:ext>
+            </a:extLst>
+          </p:cNvPr>
+          <p:cNvSpPr>
+            <a:spLocks noGrp="1" noRot="1" noChangeAspect="1" noMove="1" noResize="1" noEditPoints="1" noAdjustHandles="1" noChangeArrowheads="1" noChangeShapeType="1" noTextEdit="1"/>
+          </p:cNvSpPr>
+          <p:nvPr>
+            <p:extLst>
+              <p:ext uri="{386F3935-93C4-4BCD-93E2-E3B085C9AB24}">
+                <p16:designElem xmlns:p16="http://schemas.microsoft.com/office/powerpoint/2015/main" val="1"/>
+              </p:ext>
+            </p:extLst>
+          </p:nvPr>
+        </p:nvSpPr>
+        <p:spPr>
+          <a:xfrm>
+            <a:off x="4904534" y="-8467"/>
+            <a:ext cx="2588558" cy="6866467"/>
+          </a:xfrm>
+          <a:custGeom>
+            <a:avLst/>
+            <a:gdLst/>
+            <a:ahLst/>
+            <a:cxnLst/>
+            <a:rect l="l" t="t" r="r" b="b"/>
+            <a:pathLst>
+              <a:path w="2573311" h="6866467">
+                <a:moveTo>
+                  <a:pt x="0" y="0"/>
+                </a:moveTo>
+                <a:lnTo>
+                  <a:pt x="2573311" y="0"/>
+                </a:lnTo>
+                <a:lnTo>
+                  <a:pt x="2573311" y="6866467"/>
+                </a:lnTo>
+                <a:lnTo>
+                  <a:pt x="1202336" y="6866467"/>
+                </a:lnTo>
+                <a:lnTo>
+                  <a:pt x="0" y="0"/>
+                </a:lnTo>
+                <a:close/>
+              </a:path>
+            </a:pathLst>
+          </a:custGeom>
+          <a:solidFill>
+            <a:schemeClr val="accent1">
+              <a:alpha val="20000"/>
+            </a:schemeClr>
+          </a:solidFill>
+          <a:ln>
+            <a:noFill/>
+          </a:ln>
+          <a:effectLst/>
+        </p:spPr>
+        <p:style>
+          <a:lnRef idx="1">
+            <a:schemeClr val="accent1"/>
+          </a:lnRef>
+          <a:fillRef idx="3">
+            <a:schemeClr val="accent1"/>
+          </a:fillRef>
+          <a:effectRef idx="2">
+            <a:schemeClr val="accent1"/>
+          </a:effectRef>
+          <a:fontRef idx="minor">
+            <a:schemeClr val="lt1"/>
+          </a:fontRef>
+        </p:style>
+      </p:sp>
+      <p:sp>
+        <p:nvSpPr>
+          <p:cNvPr id="21" name="Isosceles Triangle 20">
+            <a:extLst>
+              <a:ext uri="{FF2B5EF4-FFF2-40B4-BE49-F238E27FC236}">
+                <a16:creationId xmlns:a16="http://schemas.microsoft.com/office/drawing/2014/main" id="{A032553A-72E8-4B0D-8405-FF9771C9AF05}"/>
+              </a:ext>
+              <a:ext uri="{C183D7F6-B498-43B3-948B-1728B52AA6E4}">
+                <adec:decorative xmlns:adec="http://schemas.microsoft.com/office/drawing/2017/decorative" val="1"/>
+              </a:ext>
+            </a:extLst>
+          </p:cNvPr>
+          <p:cNvSpPr>
+            <a:spLocks noGrp="1" noRot="1" noChangeAspect="1" noMove="1" noResize="1" noEditPoints="1" noAdjustHandles="1" noChangeArrowheads="1" noChangeShapeType="1" noTextEdit="1"/>
+          </p:cNvSpPr>
+          <p:nvPr>
+            <p:extLst>
+              <p:ext uri="{386F3935-93C4-4BCD-93E2-E3B085C9AB24}">
+                <p16:designElem xmlns:p16="http://schemas.microsoft.com/office/powerpoint/2015/main" val="1"/>
+              </p:ext>
+            </p:extLst>
+          </p:nvPr>
+        </p:nvSpPr>
+        <p:spPr>
+          <a:xfrm>
+            <a:off x="4233425" y="3048000"/>
+            <a:ext cx="3259667" cy="3810000"/>
+          </a:xfrm>
+          <a:prstGeom prst="triangle">
+            <a:avLst>
+              <a:gd name="adj" fmla="val 100000"/>
+            </a:avLst>
+          </a:prstGeom>
+          <a:solidFill>
+            <a:schemeClr val="accent2">
+              <a:alpha val="72000"/>
+            </a:schemeClr>
+          </a:solidFill>
+          <a:ln>
+            <a:noFill/>
+          </a:ln>
+          <a:effectLst/>
+        </p:spPr>
+        <p:style>
+          <a:lnRef idx="1">
+            <a:schemeClr val="accent1"/>
+          </a:lnRef>
+          <a:fillRef idx="3">
+            <a:schemeClr val="accent1"/>
+          </a:fillRef>
+          <a:effectRef idx="2">
+            <a:schemeClr val="accent1"/>
+          </a:effectRef>
+          <a:fontRef idx="minor">
+            <a:schemeClr val="lt1"/>
+          </a:fontRef>
+        </p:style>
+      </p:sp>
+      <p:sp>
+        <p:nvSpPr>
+          <p:cNvPr id="23" name="Rectangle 27">
+            <a:extLst>
+              <a:ext uri="{FF2B5EF4-FFF2-40B4-BE49-F238E27FC236}">
+                <a16:creationId xmlns:a16="http://schemas.microsoft.com/office/drawing/2014/main" id="{765800AC-C3B9-498E-87BC-29FAE4C76B21}"/>
+              </a:ext>
+              <a:ext uri="{C183D7F6-B498-43B3-948B-1728B52AA6E4}">
+                <adec:decorative xmlns:adec="http://schemas.microsoft.com/office/drawing/2017/decorative" val="1"/>
+              </a:ext>
+            </a:extLst>
+          </p:cNvPr>
+          <p:cNvSpPr>
+            <a:spLocks noGrp="1" noRot="1" noChangeAspect="1" noMove="1" noResize="1" noEditPoints="1" noAdjustHandles="1" noChangeArrowheads="1" noChangeShapeType="1" noTextEdit="1"/>
+          </p:cNvSpPr>
+          <p:nvPr>
+            <p:extLst>
+              <p:ext uri="{386F3935-93C4-4BCD-93E2-E3B085C9AB24}">
+                <p16:designElem xmlns:p16="http://schemas.microsoft.com/office/powerpoint/2015/main" val="1"/>
+              </p:ext>
+            </p:extLst>
+          </p:nvPr>
+        </p:nvSpPr>
+        <p:spPr>
+          <a:xfrm>
+            <a:off x="4635592" y="-8467"/>
+            <a:ext cx="2854326" cy="6866467"/>
+          </a:xfrm>
+          <a:custGeom>
+            <a:avLst/>
+            <a:gdLst/>
+            <a:ahLst/>
+            <a:cxnLst/>
+            <a:rect l="l" t="t" r="r" b="b"/>
+            <a:pathLst>
+              <a:path w="2858013" h="6866467">
+                <a:moveTo>
+                  <a:pt x="0" y="0"/>
+                </a:moveTo>
+                <a:lnTo>
+                  <a:pt x="2858013" y="0"/>
+                </a:lnTo>
+                <a:lnTo>
+                  <a:pt x="2858013" y="6866467"/>
+                </a:lnTo>
+                <a:lnTo>
+                  <a:pt x="2473942" y="6866467"/>
+                </a:lnTo>
+                <a:lnTo>
+                  <a:pt x="0" y="0"/>
+                </a:lnTo>
+                <a:close/>
+              </a:path>
+            </a:pathLst>
+          </a:custGeom>
+          <a:solidFill>
+            <a:schemeClr val="accent2">
+              <a:lumMod val="75000"/>
+              <a:alpha val="70000"/>
+            </a:schemeClr>
+          </a:solidFill>
+          <a:ln>
+            <a:noFill/>
+          </a:ln>
+          <a:effectLst/>
+        </p:spPr>
+        <p:style>
+          <a:lnRef idx="1">
+            <a:schemeClr val="accent1"/>
+          </a:lnRef>
+          <a:fillRef idx="3">
+            <a:schemeClr val="accent1"/>
+          </a:fillRef>
+          <a:effectRef idx="2">
+            <a:schemeClr val="accent1"/>
+          </a:effectRef>
+          <a:fontRef idx="minor">
+            <a:schemeClr val="lt1"/>
+          </a:fontRef>
+        </p:style>
+      </p:sp>
+      <p:sp>
+        <p:nvSpPr>
+          <p:cNvPr id="25" name="Isosceles Triangle 24">
+            <a:extLst>
+              <a:ext uri="{FF2B5EF4-FFF2-40B4-BE49-F238E27FC236}">
+                <a16:creationId xmlns:a16="http://schemas.microsoft.com/office/drawing/2014/main" id="{1F9D6ACB-2FF4-49F9-978A-E0D5327FC635}"/>
+              </a:ext>
+              <a:ext uri="{C183D7F6-B498-43B3-948B-1728B52AA6E4}">
+                <adec:decorative xmlns:adec="http://schemas.microsoft.com/office/drawing/2017/decorative" val="1"/>
+              </a:ext>
+            </a:extLst>
+          </p:cNvPr>
+          <p:cNvSpPr>
+            <a:spLocks noGrp="1" noRot="1" noChangeAspect="1" noMove="1" noResize="1" noEditPoints="1" noAdjustHandles="1" noChangeArrowheads="1" noChangeShapeType="1" noTextEdit="1"/>
+          </p:cNvSpPr>
+          <p:nvPr>
+            <p:extLst>
+              <p:ext uri="{386F3935-93C4-4BCD-93E2-E3B085C9AB24}">
+                <p16:designElem xmlns:p16="http://schemas.microsoft.com/office/powerpoint/2015/main" val="1"/>
+              </p:ext>
+            </p:extLst>
+          </p:nvPr>
+        </p:nvSpPr>
+        <p:spPr>
+          <a:xfrm>
+            <a:off x="5672758" y="3589867"/>
+            <a:ext cx="1817159" cy="3268133"/>
+          </a:xfrm>
+          <a:prstGeom prst="triangle">
+            <a:avLst>
+              <a:gd name="adj" fmla="val 100000"/>
+            </a:avLst>
+          </a:prstGeom>
+          <a:solidFill>
+            <a:schemeClr val="accent1">
+              <a:alpha val="80000"/>
+            </a:schemeClr>
+          </a:solidFill>
+          <a:ln>
+            <a:noFill/>
+          </a:ln>
+          <a:effectLst/>
+        </p:spPr>
+        <p:style>
+          <a:lnRef idx="1">
+            <a:schemeClr val="accent1"/>
+          </a:lnRef>
+          <a:fillRef idx="3">
+            <a:schemeClr val="accent1"/>
+          </a:fillRef>
+          <a:effectRef idx="2">
+            <a:schemeClr val="accent1"/>
+          </a:effectRef>
+          <a:fontRef idx="minor">
+            <a:schemeClr val="lt1"/>
+          </a:fontRef>
+        </p:style>
+      </p:sp>
+      <p:sp>
+        <p:nvSpPr>
+          <p:cNvPr id="27" name="Freeform: Shape 26">
+            <a:extLst>
+              <a:ext uri="{FF2B5EF4-FFF2-40B4-BE49-F238E27FC236}">
+                <a16:creationId xmlns:a16="http://schemas.microsoft.com/office/drawing/2014/main" id="{A5EC319D-0FEA-4B95-A3EA-01E35672C95B}"/>
+              </a:ext>
+              <a:ext uri="{C183D7F6-B498-43B3-948B-1728B52AA6E4}">
+                <adec:decorative xmlns:adec="http://schemas.microsoft.com/office/drawing/2017/decorative" val="1"/>
+              </a:ext>
+            </a:extLst>
+          </p:cNvPr>
+          <p:cNvSpPr>
+            <a:spLocks noGrp="1" noRot="1" noChangeAspect="1" noMove="1" noResize="1" noEditPoints="1" noAdjustHandles="1" noChangeArrowheads="1" noChangeShapeType="1" noTextEdit="1"/>
+          </p:cNvSpPr>
+          <p:nvPr>
+            <p:extLst>
+              <p:ext uri="{386F3935-93C4-4BCD-93E2-E3B085C9AB24}">
+                <p16:designElem xmlns:p16="http://schemas.microsoft.com/office/powerpoint/2015/main" val="1"/>
+              </p:ext>
+            </p:extLst>
+          </p:nvPr>
+        </p:nvSpPr>
+        <p:spPr>
+          <a:xfrm>
+            <a:off x="6197631" y="-8467"/>
+            <a:ext cx="5994369" cy="6866467"/>
+          </a:xfrm>
+          <a:custGeom>
+            <a:avLst/>
+            <a:gdLst>
+              <a:gd name="connsiteX0" fmla="*/ 0 w 5994369"/>
+              <a:gd name="connsiteY0" fmla="*/ 0 h 6866467"/>
+              <a:gd name="connsiteX1" fmla="*/ 1249825 w 5994369"/>
+              <a:gd name="connsiteY1" fmla="*/ 0 h 6866467"/>
+              <a:gd name="connsiteX2" fmla="*/ 1249825 w 5994369"/>
+              <a:gd name="connsiteY2" fmla="*/ 8467 h 6866467"/>
+              <a:gd name="connsiteX3" fmla="*/ 5994369 w 5994369"/>
+              <a:gd name="connsiteY3" fmla="*/ 8467 h 6866467"/>
+              <a:gd name="connsiteX4" fmla="*/ 5994369 w 5994369"/>
+              <a:gd name="connsiteY4" fmla="*/ 6866467 h 6866467"/>
+              <a:gd name="connsiteX5" fmla="*/ 1249825 w 5994369"/>
+              <a:gd name="connsiteY5" fmla="*/ 6866467 h 6866467"/>
+              <a:gd name="connsiteX6" fmla="*/ 1109382 w 5994369"/>
+              <a:gd name="connsiteY6" fmla="*/ 6866467 h 6866467"/>
+            </a:gdLst>
+            <a:ahLst/>
+            <a:cxnLst>
+              <a:cxn ang="0">
+                <a:pos x="connsiteX0" y="connsiteY0"/>
+              </a:cxn>
+              <a:cxn ang="0">
+                <a:pos x="connsiteX1" y="connsiteY1"/>
+              </a:cxn>
+              <a:cxn ang="0">
+                <a:pos x="connsiteX2" y="connsiteY2"/>
+              </a:cxn>
+              <a:cxn ang="0">
+                <a:pos x="connsiteX3" y="connsiteY3"/>
+              </a:cxn>
+              <a:cxn ang="0">
+                <a:pos x="connsiteX4" y="connsiteY4"/>
+              </a:cxn>
+              <a:cxn ang="0">
+                <a:pos x="connsiteX5" y="connsiteY5"/>
+              </a:cxn>
+              <a:cxn ang="0">
+                <a:pos x="connsiteX6" y="connsiteY6"/>
+              </a:cxn>
+            </a:cxnLst>
+            <a:rect l="l" t="t" r="r" b="b"/>
+            <a:pathLst>
+              <a:path w="5994369" h="6866467">
+                <a:moveTo>
+                  <a:pt x="0" y="0"/>
+                </a:moveTo>
+                <a:lnTo>
+                  <a:pt x="1249825" y="0"/>
+                </a:lnTo>
+                <a:lnTo>
+                  <a:pt x="1249825" y="8467"/>
+                </a:lnTo>
+                <a:lnTo>
+                  <a:pt x="5994369" y="8467"/>
+                </a:lnTo>
+                <a:lnTo>
+                  <a:pt x="5994369" y="6866467"/>
+                </a:lnTo>
+                <a:lnTo>
+                  <a:pt x="1249825" y="6866467"/>
+                </a:lnTo>
+                <a:lnTo>
+                  <a:pt x="1109382" y="6866467"/>
+                </a:lnTo>
+                <a:close/>
+              </a:path>
+            </a:pathLst>
+          </a:custGeom>
+          <a:solidFill>
+            <a:schemeClr val="accent2">
+              <a:lumMod val="75000"/>
+            </a:schemeClr>
+          </a:solidFill>
+          <a:ln>
+            <a:noFill/>
+          </a:ln>
+        </p:spPr>
+        <p:style>
+          <a:lnRef idx="2">
+            <a:schemeClr val="accent1">
+              <a:shade val="50000"/>
+            </a:schemeClr>
+          </a:lnRef>
+          <a:fillRef idx="1">
+            <a:schemeClr val="accent1"/>
+          </a:fillRef>
+          <a:effectRef idx="0">
+            <a:schemeClr val="accent1"/>
+          </a:effectRef>
+          <a:fontRef idx="minor">
+            <a:schemeClr val="lt1"/>
+          </a:fontRef>
+        </p:style>
+        <p:txBody>
+          <a:bodyPr wrap="square" rtlCol="0" anchor="ctr">
+            <a:noAutofit/>
           </a:bodyPr>
           <a:lstStyle/>
           <a:p>
-            <a:r>
-              <a:rPr lang="en-US" altLang="zh-CN" dirty="0">
-                <a:latin typeface="Times New Roman" panose="02020603050405020304" pitchFamily="18" charset="0"/>
-                <a:cs typeface="Times New Roman" panose="02020603050405020304" pitchFamily="18" charset="0"/>
-              </a:rPr>
-              <a:t>h1 is admissible, h2, h3, h4 are not admissible.  </a:t>
-            </a:r>
-            <a:endParaRPr lang="zh-CN" altLang="en-US" dirty="0">
-              <a:latin typeface="Times New Roman" panose="02020603050405020304" pitchFamily="18" charset="0"/>
-              <a:cs typeface="Times New Roman" panose="02020603050405020304" pitchFamily="18" charset="0"/>
-            </a:endParaRPr>
+            <a:pPr algn="ctr"/>
+            <a:endParaRPr lang="en-US"/>
           </a:p>
         </p:txBody>
       </p:sp>
@@ -8381,25 +10575,70 @@
               </a:ext>
             </a:extLst>
           </a:blip>
-          <a:srcRect/>
           <a:stretch>
             <a:fillRect/>
           </a:stretch>
         </p:blipFill>
         <p:spPr bwMode="auto">
           <a:xfrm>
-            <a:off x="3615690" y="2435292"/>
-            <a:ext cx="2480310" cy="1693545"/>
+            <a:off x="757251" y="2157326"/>
+            <a:ext cx="3856774" cy="2632247"/>
           </a:xfrm>
           <a:prstGeom prst="rect">
             <a:avLst/>
           </a:prstGeom>
           <a:noFill/>
-          <a:ln>
-            <a:noFill/>
-          </a:ln>
         </p:spPr>
       </p:pic>
+      <p:sp>
+        <p:nvSpPr>
+          <p:cNvPr id="4" name="文本框 3">
+            <a:extLst>
+              <a:ext uri="{FF2B5EF4-FFF2-40B4-BE49-F238E27FC236}">
+                <a16:creationId xmlns:a16="http://schemas.microsoft.com/office/drawing/2014/main" id="{EAAA4761-F17E-99BB-E669-8D6B4A7D9D28}"/>
+              </a:ext>
+            </a:extLst>
+          </p:cNvPr>
+          <p:cNvSpPr txBox="1"/>
+          <p:nvPr/>
+        </p:nvSpPr>
+        <p:spPr>
+          <a:xfrm>
+            <a:off x="7181725" y="2837329"/>
+            <a:ext cx="4512988" cy="3317938"/>
+          </a:xfrm>
+          <a:prstGeom prst="rect">
+            <a:avLst/>
+          </a:prstGeom>
+        </p:spPr>
+        <p:txBody>
+          <a:bodyPr vert="horz" lIns="91440" tIns="45720" rIns="91440" bIns="45720" rtlCol="0" anchor="t">
+            <a:normAutofit/>
+          </a:bodyPr>
+          <a:lstStyle/>
+          <a:p>
+            <a:pPr>
+              <a:spcBef>
+                <a:spcPts val="1000"/>
+              </a:spcBef>
+              <a:buClr>
+                <a:schemeClr val="accent1"/>
+              </a:buClr>
+              <a:buSzPct val="80000"/>
+              <a:buFont typeface="Wingdings 3" charset="2"/>
+              <a:buChar char=""/>
+            </a:pPr>
+            <a:r>
+              <a:rPr lang="en-US" altLang="zh-CN">
+                <a:solidFill>
+                  <a:srgbClr val="FFFFFF"/>
+                </a:solidFill>
+              </a:rPr>
+              <a:t>h1 is admissible, h2, h3, h4 are not admissible.  </a:t>
+            </a:r>
+          </a:p>
+        </p:txBody>
+      </p:sp>
     </p:spTree>
     <p:extLst>
       <p:ext uri="{BB962C8B-B14F-4D97-AF65-F5344CB8AC3E}">
@@ -8416,6 +10655,14 @@
 <file path=ppt/slides/slide6.xml><?xml version="1.0" encoding="utf-8"?>
 <p:sld xmlns:a="http://schemas.openxmlformats.org/drawingml/2006/main" xmlns:r="http://schemas.openxmlformats.org/officeDocument/2006/relationships" xmlns:p="http://schemas.openxmlformats.org/presentationml/2006/main">
   <p:cSld>
+    <p:bg>
+      <p:bgPr>
+        <a:solidFill>
+          <a:schemeClr val="bg1"/>
+        </a:solidFill>
+        <a:effectLst/>
+      </p:bgPr>
+    </p:bg>
     <p:spTree>
       <p:nvGrpSpPr>
         <p:cNvPr id="1" name=""/>
@@ -8430,6 +10677,58 @@
           <a:chExt cx="0" cy="0"/>
         </a:xfrm>
       </p:grpSpPr>
+      <p:sp>
+        <p:nvSpPr>
+          <p:cNvPr id="5" name="文本框 4">
+            <a:extLst>
+              <a:ext uri="{FF2B5EF4-FFF2-40B4-BE49-F238E27FC236}">
+                <a16:creationId xmlns:a16="http://schemas.microsoft.com/office/drawing/2014/main" id="{672331EA-09D9-D8FC-39CE-16685B8408BF}"/>
+              </a:ext>
+            </a:extLst>
+          </p:cNvPr>
+          <p:cNvSpPr txBox="1"/>
+          <p:nvPr/>
+        </p:nvSpPr>
+        <p:spPr>
+          <a:xfrm>
+            <a:off x="6094410" y="2160589"/>
+            <a:ext cx="3176589" cy="3880773"/>
+          </a:xfrm>
+          <a:prstGeom prst="rect">
+            <a:avLst/>
+          </a:prstGeom>
+        </p:spPr>
+        <p:txBody>
+          <a:bodyPr vert="horz" lIns="91440" tIns="45720" rIns="91440" bIns="45720" rtlCol="0">
+            <a:normAutofit/>
+          </a:bodyPr>
+          <a:lstStyle/>
+          <a:p>
+            <a:pPr>
+              <a:spcBef>
+                <a:spcPts val="1000"/>
+              </a:spcBef>
+              <a:buClr>
+                <a:schemeClr val="accent1"/>
+              </a:buClr>
+              <a:buSzPct val="80000"/>
+              <a:buFont typeface="Wingdings 3" charset="2"/>
+              <a:buChar char=""/>
+            </a:pPr>
+            <a:r>
+              <a:rPr lang="en-US" altLang="zh-CN">
+                <a:solidFill>
+                  <a:schemeClr val="tx1">
+                    <a:lumMod val="75000"/>
+                    <a:lumOff val="25000"/>
+                  </a:schemeClr>
+                </a:solidFill>
+              </a:rPr>
+              <a:t>The predicted cost is 3, but actual minimum is 2.  </a:t>
+            </a:r>
+          </a:p>
+        </p:txBody>
+      </p:sp>
       <p:pic>
         <p:nvPicPr>
           <p:cNvPr id="4" name="Picture 6" descr="A picture containing text&#10;&#10;Description automatically generated">
@@ -8452,61 +10751,21 @@
               </a:ext>
             </a:extLst>
           </a:blip>
-          <a:srcRect/>
           <a:stretch>
             <a:fillRect/>
           </a:stretch>
         </p:blipFill>
         <p:spPr bwMode="auto">
           <a:xfrm>
-            <a:off x="3989004" y="2123395"/>
-            <a:ext cx="2480310" cy="1693545"/>
-          </a:xfrm>
-          <a:prstGeom prst="rect">
-            <a:avLst/>
-          </a:prstGeom>
-          <a:noFill/>
-          <a:ln>
-            <a:noFill/>
-          </a:ln>
-        </p:spPr>
-      </p:pic>
-      <p:sp>
-        <p:nvSpPr>
-          <p:cNvPr id="5" name="文本框 4">
-            <a:extLst>
-              <a:ext uri="{FF2B5EF4-FFF2-40B4-BE49-F238E27FC236}">
-                <a16:creationId xmlns:a16="http://schemas.microsoft.com/office/drawing/2014/main" id="{672331EA-09D9-D8FC-39CE-16685B8408BF}"/>
-              </a:ext>
-            </a:extLst>
-          </p:cNvPr>
-          <p:cNvSpPr txBox="1"/>
-          <p:nvPr/>
-        </p:nvSpPr>
-        <p:spPr>
-          <a:xfrm>
-            <a:off x="3536302" y="4264090"/>
-            <a:ext cx="4114800" cy="646331"/>
+            <a:off x="799814" y="1695437"/>
+            <a:ext cx="5062993" cy="3455491"/>
           </a:xfrm>
           <a:prstGeom prst="rect">
             <a:avLst/>
           </a:prstGeom>
           <a:noFill/>
         </p:spPr>
-        <p:txBody>
-          <a:bodyPr wrap="square" rtlCol="0">
-            <a:spAutoFit/>
-          </a:bodyPr>
-          <a:lstStyle/>
-          <a:p>
-            <a:r>
-              <a:rPr lang="en-US" altLang="zh-CN" dirty="0"/>
-              <a:t>The predicted cost is 3, but actual minimum is 2.  </a:t>
-            </a:r>
-            <a:endParaRPr lang="zh-CN" altLang="en-US" dirty="0"/>
-          </a:p>
-        </p:txBody>
-      </p:sp>
+      </p:pic>
     </p:spTree>
     <p:extLst>
       <p:ext uri="{BB962C8B-B14F-4D97-AF65-F5344CB8AC3E}">
@@ -8523,6 +10782,14 @@
 <file path=ppt/slides/slide7.xml><?xml version="1.0" encoding="utf-8"?>
 <p:sld xmlns:a="http://schemas.openxmlformats.org/drawingml/2006/main" xmlns:r="http://schemas.openxmlformats.org/officeDocument/2006/relationships" xmlns:p="http://schemas.openxmlformats.org/presentationml/2006/main">
   <p:cSld>
+    <p:bg>
+      <p:bgPr>
+        <a:solidFill>
+          <a:schemeClr val="bg1"/>
+        </a:solidFill>
+        <a:effectLst/>
+      </p:bgPr>
+    </p:bg>
     <p:spTree>
       <p:nvGrpSpPr>
         <p:cNvPr id="1" name=""/>
@@ -8551,38 +10818,63 @@
         </p:nvSpPr>
         <p:spPr>
           <a:xfrm>
-            <a:off x="2991775" y="4607511"/>
-            <a:ext cx="3681274" cy="1200329"/>
+            <a:off x="6094410" y="2160589"/>
+            <a:ext cx="3176589" cy="3880773"/>
           </a:xfrm>
           <a:prstGeom prst="rect">
             <a:avLst/>
           </a:prstGeom>
-          <a:noFill/>
         </p:spPr>
         <p:txBody>
-          <a:bodyPr wrap="square" rtlCol="0">
-            <a:spAutoFit/>
+          <a:bodyPr vert="horz" lIns="91440" tIns="45720" rIns="91440" bIns="45720" rtlCol="0">
+            <a:normAutofit/>
           </a:bodyPr>
           <a:lstStyle/>
           <a:p>
+            <a:pPr>
+              <a:spcBef>
+                <a:spcPts val="1000"/>
+              </a:spcBef>
+              <a:buClr>
+                <a:schemeClr val="accent1"/>
+              </a:buClr>
+              <a:buSzPct val="80000"/>
+              <a:buFont typeface="Wingdings 3" charset="2"/>
+              <a:buChar char=""/>
+            </a:pPr>
             <a:r>
-              <a:rPr lang="en-US" altLang="zh-CN" sz="1800" kern="100" dirty="0">
+              <a:rPr lang="en-US" altLang="zh-CN">
+                <a:solidFill>
+                  <a:schemeClr val="tx1">
+                    <a:lumMod val="75000"/>
+                    <a:lumOff val="25000"/>
+                  </a:schemeClr>
+                </a:solidFill>
                 <a:effectLst/>
-                <a:latin typeface="Times New Roman" panose="02020603050405020304" pitchFamily="18" charset="0"/>
-                <a:ea typeface="等线" panose="02010600030101010101" pitchFamily="2" charset="-122"/>
-                <a:cs typeface="Times New Roman" panose="02020603050405020304" pitchFamily="18" charset="0"/>
               </a:rPr>
-              <a:t>If h is not admissible, it will cause the A algorithm to return a solution that is not optimal. It is like the next data.</a:t>
+              <a:t>If h is not admissible, it will cause the A algorithm to return a solution that is not optimal. It is like the above data.</a:t>
             </a:r>
-            <a:endParaRPr lang="zh-CN" altLang="zh-CN" sz="1800" kern="100" dirty="0">
-              <a:effectLst/>
-              <a:latin typeface="等线" panose="02010600030101010101" pitchFamily="2" charset="-122"/>
-              <a:ea typeface="等线" panose="02010600030101010101" pitchFamily="2" charset="-122"/>
-              <a:cs typeface="Times New Roman" panose="02020603050405020304" pitchFamily="18" charset="0"/>
+          </a:p>
+          <a:p>
+            <a:pPr>
+              <a:spcBef>
+                <a:spcPts val="1000"/>
+              </a:spcBef>
+              <a:buClr>
+                <a:schemeClr val="accent1"/>
+              </a:buClr>
+              <a:buSzPct val="80000"/>
+              <a:buFont typeface="Wingdings 3" charset="2"/>
+              <a:buChar char=""/>
+            </a:pPr>
+            <a:endParaRPr lang="en-US" altLang="zh-CN">
+              <a:solidFill>
+                <a:schemeClr val="tx1">
+                  <a:lumMod val="75000"/>
+                  <a:lumOff val="25000"/>
+                </a:schemeClr>
+              </a:solidFill>
             </a:endParaRPr>
-          </a:p>
-          <a:p>
-            <a:endParaRPr lang="zh-CN" altLang="en-US" dirty="0"/>
           </a:p>
         </p:txBody>
       </p:sp>
@@ -8608,23 +10900,19 @@
               </a:ext>
             </a:extLst>
           </a:blip>
-          <a:srcRect/>
           <a:stretch>
             <a:fillRect/>
           </a:stretch>
         </p:blipFill>
         <p:spPr bwMode="auto">
           <a:xfrm>
-            <a:off x="3758010" y="2250489"/>
-            <a:ext cx="1817370" cy="1838325"/>
+            <a:off x="799814" y="866219"/>
+            <a:ext cx="5062993" cy="5113927"/>
           </a:xfrm>
           <a:prstGeom prst="rect">
             <a:avLst/>
           </a:prstGeom>
           <a:noFill/>
-          <a:ln>
-            <a:noFill/>
-          </a:ln>
         </p:spPr>
       </p:pic>
     </p:spTree>
@@ -8803,6 +11091,14 @@
 <file path=ppt/slides/slide9.xml><?xml version="1.0" encoding="utf-8"?>
 <p:sld xmlns:a="http://schemas.openxmlformats.org/drawingml/2006/main" xmlns:r="http://schemas.openxmlformats.org/officeDocument/2006/relationships" xmlns:p="http://schemas.openxmlformats.org/presentationml/2006/main">
   <p:cSld>
+    <p:bg>
+      <p:bgPr>
+        <a:solidFill>
+          <a:schemeClr val="bg1"/>
+        </a:solidFill>
+        <a:effectLst/>
+      </p:bgPr>
+    </p:bg>
     <p:spTree>
       <p:nvGrpSpPr>
         <p:cNvPr id="1" name=""/>
@@ -8831,40 +11127,42 @@
         </p:nvSpPr>
         <p:spPr>
           <a:xfrm>
-            <a:off x="2225964" y="5065115"/>
-            <a:ext cx="6305019" cy="1114857"/>
+            <a:off x="6094410" y="2160589"/>
+            <a:ext cx="3176589" cy="3880773"/>
           </a:xfrm>
           <a:prstGeom prst="rect">
             <a:avLst/>
           </a:prstGeom>
-          <a:noFill/>
         </p:spPr>
         <p:txBody>
-          <a:bodyPr wrap="square" rtlCol="0">
-            <a:spAutoFit/>
+          <a:bodyPr vert="horz" lIns="91440" tIns="45720" rIns="91440" bIns="45720" rtlCol="0">
+            <a:normAutofit/>
           </a:bodyPr>
           <a:lstStyle/>
           <a:p>
-            <a:pPr marL="558800" indent="266700" algn="l">
-              <a:lnSpc>
-                <a:spcPct val="200000"/>
-              </a:lnSpc>
+            <a:pPr marL="558800" indent="266700">
+              <a:spcBef>
+                <a:spcPts val="1000"/>
+              </a:spcBef>
+              <a:buClr>
+                <a:schemeClr val="accent1"/>
+              </a:buClr>
+              <a:buSzPct val="80000"/>
+              <a:buFont typeface="Wingdings 3" charset="2"/>
+              <a:buChar char=""/>
             </a:pPr>
             <a:r>
-              <a:rPr lang="en-US" altLang="zh-CN" sz="1800" kern="100" dirty="0">
+              <a:rPr lang="en-US" altLang="zh-CN">
+                <a:solidFill>
+                  <a:schemeClr val="tx1">
+                    <a:lumMod val="75000"/>
+                    <a:lumOff val="25000"/>
+                  </a:schemeClr>
+                </a:solidFill>
                 <a:effectLst/>
-                <a:latin typeface="Times New Roman" panose="02020603050405020304" pitchFamily="18" charset="0"/>
-                <a:ea typeface="等线" panose="02010600030101010101" pitchFamily="2" charset="-122"/>
-                <a:cs typeface="Times New Roman" panose="02020603050405020304" pitchFamily="18" charset="0"/>
               </a:rPr>
               <a:t>GBFS has the shortest length of the search path, but it     has the longest length of the solution.</a:t>
             </a:r>
-            <a:endParaRPr lang="zh-CN" altLang="zh-CN" sz="1800" kern="100" dirty="0">
-              <a:effectLst/>
-              <a:latin typeface="Times New Roman" panose="02020603050405020304" pitchFamily="18" charset="0"/>
-              <a:ea typeface="等线" panose="02010600030101010101" pitchFamily="2" charset="-122"/>
-              <a:cs typeface="Times New Roman" panose="02020603050405020304" pitchFamily="18" charset="0"/>
-            </a:endParaRPr>
           </a:p>
         </p:txBody>
       </p:sp>
@@ -8883,14 +11181,14 @@
           <p:nvPr>
             <p:extLst>
               <p:ext uri="{D42A27DB-BD31-4B8C-83A1-F6EECF244321}">
-                <p14:modId xmlns:p14="http://schemas.microsoft.com/office/powerpoint/2010/main" val="4029888287"/>
+                <p14:modId xmlns:p14="http://schemas.microsoft.com/office/powerpoint/2010/main" val="2793513524"/>
               </p:ext>
             </p:extLst>
           </p:nvPr>
         </p:nvGraphicFramePr>
         <p:xfrm>
-          <a:off x="1459345" y="2622357"/>
-          <a:ext cx="8128000" cy="1752600"/>
+          <a:off x="799814" y="2126753"/>
+          <a:ext cx="5062994" cy="2592859"/>
         </p:xfrm>
         <a:graphic>
           <a:graphicData uri="http://schemas.openxmlformats.org/drawingml/2006/table">
@@ -8899,28 +11197,28 @@
                 <a:tableStyleId>{5C22544A-7EE6-4342-B048-85BDC9FD1C3A}</a:tableStyleId>
               </a:tblPr>
               <a:tblGrid>
-                <a:gridCol w="2032000">
+                <a:gridCol w="999128">
                   <a:extLst>
                     <a:ext uri="{9D8B030D-6E8A-4147-A177-3AD203B41FA5}">
                       <a16:colId xmlns:a16="http://schemas.microsoft.com/office/drawing/2014/main" val="809985761"/>
                     </a:ext>
                   </a:extLst>
                 </a:gridCol>
-                <a:gridCol w="2032000">
+                <a:gridCol w="1476693">
                   <a:extLst>
                     <a:ext uri="{9D8B030D-6E8A-4147-A177-3AD203B41FA5}">
                       <a16:colId xmlns:a16="http://schemas.microsoft.com/office/drawing/2014/main" val="1321881185"/>
                     </a:ext>
                   </a:extLst>
                 </a:gridCol>
-                <a:gridCol w="2032000">
+                <a:gridCol w="1215741">
                   <a:extLst>
                     <a:ext uri="{9D8B030D-6E8A-4147-A177-3AD203B41FA5}">
                       <a16:colId xmlns:a16="http://schemas.microsoft.com/office/drawing/2014/main" val="1957125368"/>
                     </a:ext>
                   </a:extLst>
                 </a:gridCol>
-                <a:gridCol w="2032000">
+                <a:gridCol w="1371432">
                   <a:extLst>
                     <a:ext uri="{9D8B030D-6E8A-4147-A177-3AD203B41FA5}">
                       <a16:colId xmlns:a16="http://schemas.microsoft.com/office/drawing/2014/main" val="1398280277"/>
@@ -8928,16 +11226,16 @@
                   </a:extLst>
                 </a:gridCol>
               </a:tblGrid>
-              <a:tr h="370840">
+              <a:tr h="1306177">
                 <a:tc>
                   <a:txBody>
                     <a:bodyPr/>
                     <a:lstStyle/>
                     <a:p>
-                      <a:endParaRPr lang="zh-CN" altLang="en-US"/>
+                      <a:endParaRPr lang="zh-CN" altLang="en-US" sz="1900"/>
                     </a:p>
                   </a:txBody>
-                  <a:tcPr/>
+                  <a:tcPr marL="97476" marR="97476" marT="48738" marB="48738"/>
                 </a:tc>
                 <a:tc>
                   <a:txBody>
@@ -8946,7 +11244,7 @@
                     <a:p>
                       <a:pPr indent="266700" algn="just"/>
                       <a:r>
-                        <a:rPr lang="en-US" sz="1800" kern="100" dirty="0">
+                        <a:rPr lang="en-US" sz="1900" kern="100">
                           <a:solidFill>
                             <a:schemeClr val="tx1"/>
                           </a:solidFill>
@@ -8957,7 +11255,7 @@
                         </a:rPr>
                         <a:t>Length of the  solution</a:t>
                       </a:r>
-                      <a:endParaRPr lang="zh-CN" sz="1800" kern="100" dirty="0">
+                      <a:endParaRPr lang="zh-CN" sz="1900" kern="100">
                         <a:solidFill>
                           <a:schemeClr val="tx1"/>
                         </a:solidFill>
@@ -8968,7 +11266,7 @@
                       </a:endParaRPr>
                     </a:p>
                   </a:txBody>
-                  <a:tcPr marL="68580" marR="68580" marT="0" marB="0"/>
+                  <a:tcPr marL="73107" marR="73107" marT="0" marB="0"/>
                 </a:tc>
                 <a:tc>
                   <a:txBody>
@@ -8976,7 +11274,7 @@
                     <a:lstStyle/>
                     <a:p>
                       <a:r>
-                        <a:rPr lang="en-US" altLang="zh-CN" sz="1800" b="1" kern="1200" dirty="0">
+                        <a:rPr lang="en-US" altLang="zh-CN" sz="1900" b="1" kern="1200">
                           <a:solidFill>
                             <a:schemeClr val="tx1"/>
                           </a:solidFill>
@@ -8987,7 +11285,7 @@
                         </a:rPr>
                         <a:t>Length of the search path</a:t>
                       </a:r>
-                      <a:endParaRPr lang="zh-CN" altLang="en-US" dirty="0">
+                      <a:endParaRPr lang="zh-CN" altLang="en-US" sz="1900">
                         <a:solidFill>
                           <a:schemeClr val="tx1"/>
                         </a:solidFill>
@@ -8996,7 +11294,7 @@
                       </a:endParaRPr>
                     </a:p>
                   </a:txBody>
-                  <a:tcPr/>
+                  <a:tcPr marL="97476" marR="97476" marT="48738" marB="48738"/>
                 </a:tc>
                 <a:tc>
                   <a:txBody>
@@ -9004,7 +11302,7 @@
                     <a:lstStyle/>
                     <a:p>
                       <a:r>
-                        <a:rPr lang="en-US" altLang="zh-CN" sz="1800" b="1" kern="1200" dirty="0">
+                        <a:rPr lang="en-US" altLang="zh-CN" sz="1900" b="1" kern="1200">
                           <a:solidFill>
                             <a:schemeClr val="tx1"/>
                           </a:solidFill>
@@ -9015,7 +11313,7 @@
                         </a:rPr>
                         <a:t>Execution time</a:t>
                       </a:r>
-                      <a:endParaRPr lang="zh-CN" altLang="en-US" dirty="0">
+                      <a:endParaRPr lang="zh-CN" altLang="en-US" sz="1900">
                         <a:solidFill>
                           <a:schemeClr val="tx1"/>
                         </a:solidFill>
@@ -9024,7 +11322,7 @@
                       </a:endParaRPr>
                     </a:p>
                   </a:txBody>
-                  <a:tcPr/>
+                  <a:tcPr marL="97476" marR="97476" marT="48738" marB="48738"/>
                 </a:tc>
                 <a:extLst>
                   <a:ext uri="{0D108BD9-81ED-4DB2-BD59-A6C34878D82A}">
@@ -9032,20 +11330,20 @@
                   </a:ext>
                 </a:extLst>
               </a:tr>
-              <a:tr h="370840">
+              <a:tr h="428894">
                 <a:tc>
                   <a:txBody>
                     <a:bodyPr/>
                     <a:lstStyle/>
                     <a:p>
                       <a:r>
-                        <a:rPr lang="en-US" altLang="zh-CN" dirty="0"/>
+                        <a:rPr lang="en-US" altLang="zh-CN" sz="1900"/>
                         <a:t>UCS</a:t>
                       </a:r>
-                      <a:endParaRPr lang="zh-CN" altLang="en-US" dirty="0"/>
+                      <a:endParaRPr lang="zh-CN" altLang="en-US" sz="1900"/>
                     </a:p>
                   </a:txBody>
-                  <a:tcPr/>
+                  <a:tcPr marL="97476" marR="97476" marT="48738" marB="48738"/>
                 </a:tc>
                 <a:tc>
                   <a:txBody>
@@ -9053,13 +11351,13 @@
                     <a:lstStyle/>
                     <a:p>
                       <a:r>
-                        <a:rPr lang="en-US" altLang="zh-CN" dirty="0"/>
+                        <a:rPr lang="en-US" altLang="zh-CN" sz="1900"/>
                         <a:t>10.94</a:t>
                       </a:r>
-                      <a:endParaRPr lang="zh-CN" altLang="en-US" dirty="0"/>
+                      <a:endParaRPr lang="zh-CN" altLang="en-US" sz="1900"/>
                     </a:p>
                   </a:txBody>
-                  <a:tcPr/>
+                  <a:tcPr marL="97476" marR="97476" marT="48738" marB="48738"/>
                 </a:tc>
                 <a:tc>
                   <a:txBody>
@@ -9067,12 +11365,12 @@
                     <a:lstStyle/>
                     <a:p>
                       <a:r>
-                        <a:rPr lang="en-US" altLang="zh-CN" dirty="0"/>
+                        <a:rPr lang="en-US" altLang="zh-CN" sz="1900"/>
                         <a:t>920.96</a:t>
                       </a:r>
                     </a:p>
                   </a:txBody>
-                  <a:tcPr/>
+                  <a:tcPr marL="97476" marR="97476" marT="48738" marB="48738"/>
                 </a:tc>
                 <a:tc>
                   <a:txBody>
@@ -9080,13 +11378,13 @@
                     <a:lstStyle/>
                     <a:p>
                       <a:r>
-                        <a:rPr lang="en-US" altLang="zh-CN" dirty="0"/>
+                        <a:rPr lang="en-US" altLang="zh-CN" sz="1900"/>
                         <a:t>1.175</a:t>
                       </a:r>
-                      <a:endParaRPr lang="zh-CN" altLang="en-US" dirty="0"/>
+                      <a:endParaRPr lang="zh-CN" altLang="en-US" sz="1900"/>
                     </a:p>
                   </a:txBody>
-                  <a:tcPr/>
+                  <a:tcPr marL="97476" marR="97476" marT="48738" marB="48738"/>
                 </a:tc>
                 <a:extLst>
                   <a:ext uri="{0D108BD9-81ED-4DB2-BD59-A6C34878D82A}">
@@ -9094,20 +11392,20 @@
                   </a:ext>
                 </a:extLst>
               </a:tr>
-              <a:tr h="370840">
+              <a:tr h="428894">
                 <a:tc>
                   <a:txBody>
                     <a:bodyPr/>
                     <a:lstStyle/>
                     <a:p>
                       <a:r>
-                        <a:rPr lang="en-US" altLang="zh-CN" dirty="0"/>
+                        <a:rPr lang="en-US" altLang="zh-CN" sz="1900"/>
                         <a:t>GBFS</a:t>
                       </a:r>
-                      <a:endParaRPr lang="zh-CN" altLang="en-US" dirty="0"/>
+                      <a:endParaRPr lang="zh-CN" altLang="en-US" sz="1900"/>
                     </a:p>
                   </a:txBody>
-                  <a:tcPr/>
+                  <a:tcPr marL="97476" marR="97476" marT="48738" marB="48738"/>
                 </a:tc>
                 <a:tc>
                   <a:txBody>
@@ -9115,13 +11413,13 @@
                     <a:lstStyle/>
                     <a:p>
                       <a:r>
-                        <a:rPr lang="en-US" altLang="zh-CN" dirty="0"/>
+                        <a:rPr lang="en-US" altLang="zh-CN" sz="1900"/>
                         <a:t>11.21569</a:t>
                       </a:r>
-                      <a:endParaRPr lang="zh-CN" altLang="en-US" dirty="0"/>
+                      <a:endParaRPr lang="zh-CN" altLang="en-US" sz="1900"/>
                     </a:p>
                   </a:txBody>
-                  <a:tcPr/>
+                  <a:tcPr marL="97476" marR="97476" marT="48738" marB="48738"/>
                 </a:tc>
                 <a:tc>
                   <a:txBody>
@@ -9129,13 +11427,13 @@
                     <a:lstStyle/>
                     <a:p>
                       <a:r>
-                        <a:rPr lang="en-US" altLang="zh-CN" dirty="0"/>
+                        <a:rPr lang="en-US" altLang="zh-CN" sz="1900"/>
                         <a:t>211.3</a:t>
                       </a:r>
-                      <a:endParaRPr lang="zh-CN" altLang="en-US" dirty="0"/>
+                      <a:endParaRPr lang="zh-CN" altLang="en-US" sz="1900"/>
                     </a:p>
                   </a:txBody>
-                  <a:tcPr/>
+                  <a:tcPr marL="97476" marR="97476" marT="48738" marB="48738"/>
                 </a:tc>
                 <a:tc>
                   <a:txBody>
@@ -9143,13 +11441,13 @@
                     <a:lstStyle/>
                     <a:p>
                       <a:r>
-                        <a:rPr lang="en-US" altLang="zh-CN" dirty="0"/>
+                        <a:rPr lang="en-US" altLang="zh-CN" sz="1900"/>
                         <a:t>0.19615</a:t>
                       </a:r>
-                      <a:endParaRPr lang="zh-CN" altLang="en-US" dirty="0"/>
+                      <a:endParaRPr lang="zh-CN" altLang="en-US" sz="1900"/>
                     </a:p>
                   </a:txBody>
-                  <a:tcPr/>
+                  <a:tcPr marL="97476" marR="97476" marT="48738" marB="48738"/>
                 </a:tc>
                 <a:extLst>
                   <a:ext uri="{0D108BD9-81ED-4DB2-BD59-A6C34878D82A}">
@@ -9157,20 +11455,20 @@
                   </a:ext>
                 </a:extLst>
               </a:tr>
-              <a:tr h="370840">
+              <a:tr h="428894">
                 <a:tc>
                   <a:txBody>
                     <a:bodyPr/>
                     <a:lstStyle/>
                     <a:p>
                       <a:r>
-                        <a:rPr lang="en-US" altLang="zh-CN" dirty="0"/>
+                        <a:rPr lang="en-US" altLang="zh-CN" sz="1900"/>
                         <a:t>A/A*</a:t>
                       </a:r>
-                      <a:endParaRPr lang="zh-CN" altLang="en-US" dirty="0"/>
+                      <a:endParaRPr lang="zh-CN" altLang="en-US" sz="1900"/>
                     </a:p>
                   </a:txBody>
-                  <a:tcPr/>
+                  <a:tcPr marL="97476" marR="97476" marT="48738" marB="48738"/>
                 </a:tc>
                 <a:tc>
                   <a:txBody>
@@ -9178,13 +11476,13 @@
                     <a:lstStyle/>
                     <a:p>
                       <a:r>
-                        <a:rPr lang="en-US" altLang="zh-CN" dirty="0"/>
+                        <a:rPr lang="en-US" altLang="zh-CN" sz="1900"/>
                         <a:t>11.04</a:t>
                       </a:r>
-                      <a:endParaRPr lang="zh-CN" altLang="en-US" dirty="0"/>
+                      <a:endParaRPr lang="zh-CN" altLang="en-US" sz="1900"/>
                     </a:p>
                   </a:txBody>
-                  <a:tcPr/>
+                  <a:tcPr marL="97476" marR="97476" marT="48738" marB="48738"/>
                 </a:tc>
                 <a:tc>
                   <a:txBody>
@@ -9192,13 +11490,13 @@
                     <a:lstStyle/>
                     <a:p>
                       <a:r>
-                        <a:rPr lang="en-US" altLang="zh-CN" dirty="0"/>
+                        <a:rPr lang="en-US" altLang="zh-CN" sz="1900"/>
                         <a:t>514.865</a:t>
                       </a:r>
-                      <a:endParaRPr lang="zh-CN" altLang="en-US" dirty="0"/>
+                      <a:endParaRPr lang="zh-CN" altLang="en-US" sz="1900"/>
                     </a:p>
                   </a:txBody>
-                  <a:tcPr/>
+                  <a:tcPr marL="97476" marR="97476" marT="48738" marB="48738"/>
                 </a:tc>
                 <a:tc>
                   <a:txBody>
@@ -9206,13 +11504,13 @@
                     <a:lstStyle/>
                     <a:p>
                       <a:r>
-                        <a:rPr lang="en-US" altLang="zh-CN" dirty="0"/>
+                        <a:rPr lang="en-US" altLang="zh-CN" sz="1900"/>
                         <a:t>0.602438</a:t>
                       </a:r>
-                      <a:endParaRPr lang="zh-CN" altLang="en-US" dirty="0"/>
+                      <a:endParaRPr lang="zh-CN" altLang="en-US" sz="1900"/>
                     </a:p>
                   </a:txBody>
-                  <a:tcPr/>
+                  <a:tcPr marL="97476" marR="97476" marT="48738" marB="48738"/>
                 </a:tc>
                 <a:extLst>
                   <a:ext uri="{0D108BD9-81ED-4DB2-BD59-A6C34878D82A}">
